--- a/课程PPT/（02）H5 Canvas图形绘制.pptx
+++ b/课程PPT/（02）H5 Canvas图形绘制.pptx
@@ -5,52 +5,52 @@
     <p:sldMasterId id="2147483648" r:id="rId1"/>
   </p:sldMasterIdLst>
   <p:notesMasterIdLst>
-    <p:notesMasterId r:id="rId45"/>
+    <p:notesMasterId r:id="rId4"/>
   </p:notesMasterIdLst>
   <p:sldIdLst>
-    <p:sldId id="883" r:id="rId2"/>
-    <p:sldId id="1202" r:id="rId3"/>
-    <p:sldId id="1193" r:id="rId4"/>
-    <p:sldId id="1192" r:id="rId5"/>
-    <p:sldId id="1194" r:id="rId6"/>
-    <p:sldId id="1203" r:id="rId7"/>
-    <p:sldId id="1196" r:id="rId8"/>
-    <p:sldId id="1220" r:id="rId9"/>
-    <p:sldId id="1199" r:id="rId10"/>
-    <p:sldId id="1212" r:id="rId11"/>
-    <p:sldId id="1256" r:id="rId12"/>
-    <p:sldId id="1247" r:id="rId13"/>
-    <p:sldId id="1239" r:id="rId14"/>
-    <p:sldId id="1257" r:id="rId15"/>
-    <p:sldId id="1258" r:id="rId16"/>
-    <p:sldId id="1263" r:id="rId17"/>
-    <p:sldId id="1221" r:id="rId18"/>
-    <p:sldId id="1208" r:id="rId19"/>
-    <p:sldId id="1259" r:id="rId20"/>
-    <p:sldId id="1222" r:id="rId21"/>
-    <p:sldId id="1224" r:id="rId22"/>
-    <p:sldId id="1267" r:id="rId23"/>
-    <p:sldId id="1279" r:id="rId24"/>
-    <p:sldId id="1451" r:id="rId25"/>
-    <p:sldId id="1278" r:id="rId26"/>
-    <p:sldId id="1433" r:id="rId27"/>
-    <p:sldId id="1200" r:id="rId28"/>
-    <p:sldId id="1214" r:id="rId29"/>
-    <p:sldId id="1452" r:id="rId30"/>
-    <p:sldId id="1260" r:id="rId31"/>
-    <p:sldId id="1453" r:id="rId32"/>
-    <p:sldId id="1261" r:id="rId33"/>
-    <p:sldId id="1455" r:id="rId34"/>
-    <p:sldId id="1454" r:id="rId35"/>
-    <p:sldId id="1280" r:id="rId36"/>
-    <p:sldId id="1281" r:id="rId37"/>
-    <p:sldId id="1456" r:id="rId38"/>
-    <p:sldId id="1457" r:id="rId39"/>
-    <p:sldId id="1434" r:id="rId40"/>
-    <p:sldId id="1458" r:id="rId41"/>
-    <p:sldId id="1448" r:id="rId42"/>
-    <p:sldId id="1459" r:id="rId43"/>
-    <p:sldId id="1025" r:id="rId44"/>
+    <p:sldId id="883" r:id="rId3"/>
+    <p:sldId id="1202" r:id="rId5"/>
+    <p:sldId id="1193" r:id="rId6"/>
+    <p:sldId id="1192" r:id="rId7"/>
+    <p:sldId id="1194" r:id="rId8"/>
+    <p:sldId id="1203" r:id="rId9"/>
+    <p:sldId id="1196" r:id="rId10"/>
+    <p:sldId id="1220" r:id="rId11"/>
+    <p:sldId id="1199" r:id="rId12"/>
+    <p:sldId id="1212" r:id="rId13"/>
+    <p:sldId id="1256" r:id="rId14"/>
+    <p:sldId id="1247" r:id="rId15"/>
+    <p:sldId id="1239" r:id="rId16"/>
+    <p:sldId id="1257" r:id="rId17"/>
+    <p:sldId id="1258" r:id="rId18"/>
+    <p:sldId id="1263" r:id="rId19"/>
+    <p:sldId id="1221" r:id="rId20"/>
+    <p:sldId id="1208" r:id="rId21"/>
+    <p:sldId id="1259" r:id="rId22"/>
+    <p:sldId id="1222" r:id="rId23"/>
+    <p:sldId id="1224" r:id="rId24"/>
+    <p:sldId id="1267" r:id="rId25"/>
+    <p:sldId id="1279" r:id="rId26"/>
+    <p:sldId id="1451" r:id="rId27"/>
+    <p:sldId id="1278" r:id="rId28"/>
+    <p:sldId id="1433" r:id="rId29"/>
+    <p:sldId id="1200" r:id="rId30"/>
+    <p:sldId id="1214" r:id="rId31"/>
+    <p:sldId id="1452" r:id="rId32"/>
+    <p:sldId id="1260" r:id="rId33"/>
+    <p:sldId id="1453" r:id="rId34"/>
+    <p:sldId id="1261" r:id="rId35"/>
+    <p:sldId id="1455" r:id="rId36"/>
+    <p:sldId id="1454" r:id="rId37"/>
+    <p:sldId id="1280" r:id="rId38"/>
+    <p:sldId id="1281" r:id="rId39"/>
+    <p:sldId id="1456" r:id="rId40"/>
+    <p:sldId id="1457" r:id="rId41"/>
+    <p:sldId id="1434" r:id="rId42"/>
+    <p:sldId id="1458" r:id="rId43"/>
+    <p:sldId id="1448" r:id="rId44"/>
+    <p:sldId id="1459" r:id="rId45"/>
+    <p:sldId id="1025" r:id="rId46"/>
   </p:sldIdLst>
   <p:sldSz cx="12192000" cy="6858000"/>
   <p:notesSz cx="6797675" cy="9928225"/>
@@ -313,25 +313,6 @@
           <a:ln>
             <a:noFill/>
           </a:ln>
-          <a:extLst>
-            <a:ext uri="{909E8E84-426E-40dd-AFC4-6F175D3DCCD1}">
-              <a14:hiddenFill xmlns:a14="http://schemas.microsoft.com/office/drawing/2010/main">
-                <a:solidFill>
-                  <a:srgbClr val="FFFFFF"/>
-                </a:solidFill>
-              </a14:hiddenFill>
-            </a:ext>
-            <a:ext uri="{91240B29-F687-4f45-9708-019B960494DF}">
-              <a14:hiddenLine xmlns:a14="http://schemas.microsoft.com/office/drawing/2010/main" w="9525">
-                <a:solidFill>
-                  <a:srgbClr val="000000"/>
-                </a:solidFill>
-                <a:miter lim="800000"/>
-                <a:headEnd/>
-                <a:tailEnd/>
-              </a14:hiddenLine>
-            </a:ext>
-          </a:extLst>
         </p:spPr>
       </p:sp>
       <p:sp>
@@ -367,6 +348,7 @@
               <a:rPr lang="zh-CN" altLang="zh-CN" noProof="0" smtClean="0"/>
               <a:t>                                                   </a:t>
             </a:r>
+            <a:endParaRPr lang="zh-CN" altLang="zh-CN" noProof="0" smtClean="0"/>
           </a:p>
           <a:p>
             <a:pPr lvl="1"/>
@@ -374,6 +356,7 @@
               <a:rPr lang="zh-CN" altLang="zh-CN" noProof="0" smtClean="0"/>
               <a:t>               </a:t>
             </a:r>
+            <a:endParaRPr lang="zh-CN" altLang="zh-CN" noProof="0" smtClean="0"/>
           </a:p>
           <a:p>
             <a:pPr lvl="2"/>
@@ -381,6 +364,7 @@
               <a:rPr lang="zh-CN" altLang="zh-CN" noProof="0" smtClean="0"/>
               <a:t>                </a:t>
             </a:r>
+            <a:endParaRPr lang="zh-CN" altLang="zh-CN" noProof="0" smtClean="0"/>
           </a:p>
           <a:p>
             <a:pPr lvl="3"/>
@@ -388,6 +372,7 @@
               <a:rPr lang="zh-CN" altLang="zh-CN" noProof="0" smtClean="0"/>
               <a:t>                </a:t>
             </a:r>
+            <a:endParaRPr lang="zh-CN" altLang="zh-CN" noProof="0" smtClean="0"/>
           </a:p>
           <a:p>
             <a:pPr lvl="4"/>
@@ -395,6 +380,7 @@
               <a:rPr lang="zh-CN" altLang="zh-CN" noProof="0" smtClean="0"/>
               <a:t>                </a:t>
             </a:r>
+            <a:endParaRPr lang="zh-CN" altLang="zh-CN" noProof="0" smtClean="0"/>
           </a:p>
         </p:txBody>
       </p:sp>
@@ -480,18 +466,12 @@
             </a:pPr>
             <a:fld id="{50FA7BE5-9B7D-4F20-881C-9A0B90E6FF72}" type="slidenum">
               <a:rPr lang="zh-CN" altLang="zh-CN"/>
-              <a:t>‹#›</a:t>
             </a:fld>
             <a:endParaRPr lang="zh-CN" altLang="zh-CN"/>
           </a:p>
         </p:txBody>
       </p:sp>
     </p:spTree>
-    <p:extLst>
-      <p:ext uri="{BB962C8B-B14F-4D97-AF65-F5344CB8AC3E}">
-        <p14:creationId xmlns:p14="http://schemas.microsoft.com/office/powerpoint/2010/main" val="1531456623"/>
-      </p:ext>
-    </p:extLst>
   </p:cSld>
   <p:clrMap bg1="lt1" tx1="dk1" bg2="lt2" tx2="dk2" accent1="accent1" accent2="accent2" accent3="accent3" accent4="accent4" accent5="accent5" accent6="accent6" hlink="hlink" folHlink="folHlink"/>
   <p:notesStyle>
@@ -687,7 +667,6 @@
             </a:pPr>
             <a:fld id="{50FA7BE5-9B7D-4F20-881C-9A0B90E6FF72}" type="slidenum">
               <a:rPr lang="zh-CN" altLang="zh-CN" smtClean="0"/>
-              <a:t>1</a:t>
             </a:fld>
             <a:endParaRPr lang="zh-CN" altLang="zh-CN"/>
           </a:p>
@@ -769,7 +748,6 @@
             </a:pPr>
             <a:fld id="{50FA7BE5-9B7D-4F20-881C-9A0B90E6FF72}" type="slidenum">
               <a:rPr lang="zh-CN" altLang="zh-CN" smtClean="0"/>
-              <a:t>9</a:t>
             </a:fld>
             <a:endParaRPr lang="zh-CN" altLang="zh-CN"/>
           </a:p>
@@ -851,7 +829,6 @@
             </a:pPr>
             <a:fld id="{50FA7BE5-9B7D-4F20-881C-9A0B90E6FF72}" type="slidenum">
               <a:rPr lang="zh-CN" altLang="zh-CN" smtClean="0"/>
-              <a:t>27</a:t>
             </a:fld>
             <a:endParaRPr lang="zh-CN" altLang="zh-CN"/>
           </a:p>
@@ -933,7 +910,6 @@
             </a:pPr>
             <a:fld id="{50FA7BE5-9B7D-4F20-881C-9A0B90E6FF72}" type="slidenum">
               <a:rPr lang="zh-CN" altLang="zh-CN" smtClean="0"/>
-              <a:t>35</a:t>
             </a:fld>
             <a:endParaRPr lang="zh-CN" altLang="zh-CN"/>
           </a:p>
@@ -1029,6 +1005,7 @@
               <a:rPr lang="zh-CN" altLang="en-US" dirty="0" smtClean="0"/>
               <a:t>单击此处编辑母版文本样式</a:t>
             </a:r>
+            <a:endParaRPr lang="zh-CN" altLang="en-US" dirty="0" smtClean="0"/>
           </a:p>
           <a:p>
             <a:pPr lvl="1"/>
@@ -1036,6 +1013,7 @@
               <a:rPr lang="zh-CN" altLang="en-US" dirty="0" smtClean="0"/>
               <a:t>第二级</a:t>
             </a:r>
+            <a:endParaRPr lang="zh-CN" altLang="en-US" dirty="0" smtClean="0"/>
           </a:p>
           <a:p>
             <a:pPr lvl="2"/>
@@ -1043,6 +1021,7 @@
               <a:rPr lang="zh-CN" altLang="en-US" dirty="0" smtClean="0"/>
               <a:t>第三级</a:t>
             </a:r>
+            <a:endParaRPr lang="zh-CN" altLang="en-US" dirty="0" smtClean="0"/>
           </a:p>
           <a:p>
             <a:pPr lvl="3"/>
@@ -1050,6 +1029,7 @@
               <a:rPr lang="zh-CN" altLang="en-US" dirty="0" smtClean="0"/>
               <a:t>第四级</a:t>
             </a:r>
+            <a:endParaRPr lang="zh-CN" altLang="en-US" dirty="0" smtClean="0"/>
           </a:p>
         </p:txBody>
       </p:sp>
@@ -1111,6 +1091,7 @@
               <a:rPr lang="zh-CN" altLang="en-US" dirty="0" smtClean="0"/>
               <a:t>单击此处编辑母版文本样式</a:t>
             </a:r>
+            <a:endParaRPr lang="zh-CN" altLang="en-US" dirty="0" smtClean="0"/>
           </a:p>
         </p:txBody>
       </p:sp>
@@ -1163,7 +1144,6 @@
             </a:pPr>
             <a:fld id="{4BCD4F28-99F7-483B-9A2D-5E3B2E8C9EEF}" type="slidenum">
               <a:rPr lang="zh-CN" altLang="zh-CN"/>
-              <a:t>‹#›</a:t>
             </a:fld>
             <a:endParaRPr lang="zh-CN" altLang="zh-CN" sz="3200" b="0"/>
           </a:p>
@@ -1247,6 +1227,7 @@
               <a:rPr lang="zh-CN" altLang="en-US" dirty="0" smtClean="0"/>
               <a:t>单击此处编辑母版文本样式</a:t>
             </a:r>
+            <a:endParaRPr lang="zh-CN" altLang="en-US" dirty="0" smtClean="0"/>
           </a:p>
           <a:p>
             <a:pPr lvl="1"/>
@@ -1254,6 +1235,7 @@
               <a:rPr lang="zh-CN" altLang="en-US" dirty="0" smtClean="0"/>
               <a:t>第二级</a:t>
             </a:r>
+            <a:endParaRPr lang="zh-CN" altLang="en-US" dirty="0" smtClean="0"/>
           </a:p>
           <a:p>
             <a:pPr lvl="2"/>
@@ -1261,6 +1243,7 @@
               <a:rPr lang="zh-CN" altLang="en-US" dirty="0" smtClean="0"/>
               <a:t>第三级</a:t>
             </a:r>
+            <a:endParaRPr lang="zh-CN" altLang="en-US" dirty="0" smtClean="0"/>
           </a:p>
           <a:p>
             <a:pPr lvl="3"/>
@@ -1268,6 +1251,7 @@
               <a:rPr lang="zh-CN" altLang="en-US" dirty="0" smtClean="0"/>
               <a:t>第四级</a:t>
             </a:r>
+            <a:endParaRPr lang="zh-CN" altLang="en-US" dirty="0" smtClean="0"/>
           </a:p>
         </p:txBody>
       </p:sp>
@@ -1329,6 +1313,7 @@
               <a:rPr lang="zh-CN" altLang="en-US" dirty="0" smtClean="0"/>
               <a:t>单击此处编辑母版文本样式</a:t>
             </a:r>
+            <a:endParaRPr lang="zh-CN" altLang="en-US" dirty="0" smtClean="0"/>
           </a:p>
         </p:txBody>
       </p:sp>
@@ -1389,7 +1374,6 @@
             </a:pPr>
             <a:fld id="{4BCD4F28-99F7-483B-9A2D-5E3B2E8C9EEF}" type="slidenum">
               <a:rPr lang="zh-CN" altLang="zh-CN"/>
-              <a:t>‹#›</a:t>
             </a:fld>
             <a:endParaRPr lang="zh-CN" altLang="zh-CN" sz="3200" b="0"/>
           </a:p>
@@ -1404,7 +1388,7 @@
 </file>
 
 <file path=ppt/slideLayouts/slideLayout5.xml><?xml version="1.0" encoding="utf-8"?>
-<p:sldLayout xmlns:a="http://schemas.openxmlformats.org/drawingml/2006/main" xmlns:r="http://schemas.openxmlformats.org/officeDocument/2006/relationships" xmlns:p="http://schemas.openxmlformats.org/presentationml/2006/main" showMasterSp="0" preserve="1" userDrawn="1">
+<p:sldLayout xmlns:a="http://schemas.openxmlformats.org/drawingml/2006/main" xmlns:r="http://schemas.openxmlformats.org/officeDocument/2006/relationships" xmlns:p="http://schemas.openxmlformats.org/presentationml/2006/main" preserve="1" showMasterSp="0" userDrawn="1">
   <p:cSld name="标题幻灯片">
     <p:spTree>
       <p:nvGrpSpPr>
@@ -1453,25 +1437,6 @@
           <a:ln>
             <a:noFill/>
           </a:ln>
-          <a:extLst>
-            <a:ext uri="{909E8E84-426E-40dd-AFC4-6F175D3DCCD1}">
-              <a14:hiddenFill xmlns:a14="http://schemas.microsoft.com/office/drawing/2010/main">
-                <a:solidFill>
-                  <a:srgbClr val="FFFFFF"/>
-                </a:solidFill>
-              </a14:hiddenFill>
-            </a:ext>
-            <a:ext uri="{91240B29-F687-4f45-9708-019B960494DF}">
-              <a14:hiddenLine xmlns:a14="http://schemas.microsoft.com/office/drawing/2010/main" w="9525">
-                <a:solidFill>
-                  <a:srgbClr val="000000"/>
-                </a:solidFill>
-                <a:miter lim="800000"/>
-                <a:headEnd/>
-                <a:tailEnd/>
-              </a14:hiddenLine>
-            </a:ext>
-          </a:extLst>
         </p:spPr>
       </p:pic>
       <p:pic>
@@ -1507,25 +1472,6 @@
           <a:ln>
             <a:noFill/>
           </a:ln>
-          <a:extLst>
-            <a:ext uri="{909E8E84-426E-40dd-AFC4-6F175D3DCCD1}">
-              <a14:hiddenFill xmlns:a14="http://schemas.microsoft.com/office/drawing/2010/main">
-                <a:solidFill>
-                  <a:srgbClr val="FFFFFF"/>
-                </a:solidFill>
-              </a14:hiddenFill>
-            </a:ext>
-            <a:ext uri="{91240B29-F687-4f45-9708-019B960494DF}">
-              <a14:hiddenLine xmlns:a14="http://schemas.microsoft.com/office/drawing/2010/main" w="9525">
-                <a:solidFill>
-                  <a:srgbClr val="000000"/>
-                </a:solidFill>
-                <a:miter lim="800000"/>
-                <a:headEnd/>
-                <a:tailEnd/>
-              </a14:hiddenLine>
-            </a:ext>
-          </a:extLst>
         </p:spPr>
       </p:pic>
       <p:sp>
@@ -1550,25 +1496,6 @@
           <a:ln>
             <a:noFill/>
           </a:ln>
-          <a:extLst>
-            <a:ext uri="{909E8E84-426E-40dd-AFC4-6F175D3DCCD1}">
-              <a14:hiddenFill xmlns:a14="http://schemas.microsoft.com/office/drawing/2010/main">
-                <a:solidFill>
-                  <a:srgbClr val="FFFFFF"/>
-                </a:solidFill>
-              </a14:hiddenFill>
-            </a:ext>
-            <a:ext uri="{91240B29-F687-4f45-9708-019B960494DF}">
-              <a14:hiddenLine xmlns:a14="http://schemas.microsoft.com/office/drawing/2010/main" w="9525">
-                <a:solidFill>
-                  <a:srgbClr val="000000"/>
-                </a:solidFill>
-                <a:miter lim="800000"/>
-                <a:headEnd/>
-                <a:tailEnd/>
-              </a14:hiddenLine>
-            </a:ext>
-          </a:extLst>
         </p:spPr>
         <p:txBody>
           <a:bodyPr vert="horz" wrap="square" lIns="91440" tIns="45720" rIns="91440" bIns="45720" numCol="1" anchor="ctr" anchorCtr="0" compatLnSpc="1"/>
@@ -1583,6 +1510,7 @@
               <a:rPr lang="zh-CN" altLang="en-US" dirty="0" smtClean="0"/>
               <a:t>单击此处编辑母版标题样式</a:t>
             </a:r>
+            <a:endParaRPr lang="zh-CN" altLang="en-US" dirty="0" smtClean="0"/>
           </a:p>
         </p:txBody>
       </p:sp>
@@ -1594,7 +1522,7 @@
   <p:timing>
     <p:tnLst>
       <p:par>
-        <p:cTn xmlns:p14="http://schemas.microsoft.com/office/powerpoint/2010/main" id="1" dur="indefinite" restart="never" nodeType="tmRoot"/>
+        <p:cTn id="1" dur="indefinite" restart="never" nodeType="tmRoot"/>
       </p:par>
     </p:tnLst>
   </p:timing>
@@ -1607,7 +1535,7 @@
     <p:bg bwMode="auto">
       <p:bgPr>
         <a:blipFill dpi="0" rotWithShape="0">
-          <a:blip r:embed="rId7" cstate="print"/>
+          <a:blip r:embed="rId6" cstate="print"/>
           <a:srcRect/>
           <a:stretch>
             <a:fillRect/>
@@ -1670,7 +1598,6 @@
             </a:pPr>
             <a:fld id="{2A4DE254-CAD5-4B8E-9712-9468A839C993}" type="slidenum">
               <a:rPr lang="zh-CN" altLang="zh-CN"/>
-              <a:t>‹#›</a:t>
             </a:fld>
             <a:endParaRPr lang="zh-CN" altLang="zh-CN"/>
           </a:p>
@@ -1685,7 +1612,7 @@
           <p:nvPr/>
         </p:nvPicPr>
         <p:blipFill>
-          <a:blip r:embed="rId8" cstate="print">
+          <a:blip r:embed="rId7" cstate="print">
             <a:extLst>
               <a:ext uri="{28A0092B-C50C-407E-A947-70E740481C1C}">
                 <a14:useLocalDpi xmlns:a14="http://schemas.microsoft.com/office/drawing/2010/main" val="0"/>
@@ -1709,25 +1636,6 @@
           <a:ln>
             <a:noFill/>
           </a:ln>
-          <a:extLst>
-            <a:ext uri="{909E8E84-426E-40dd-AFC4-6F175D3DCCD1}">
-              <a14:hiddenFill xmlns:a14="http://schemas.microsoft.com/office/drawing/2010/main">
-                <a:solidFill>
-                  <a:srgbClr val="FFFFFF"/>
-                </a:solidFill>
-              </a14:hiddenFill>
-            </a:ext>
-            <a:ext uri="{91240B29-F687-4f45-9708-019B960494DF}">
-              <a14:hiddenLine xmlns:a14="http://schemas.microsoft.com/office/drawing/2010/main" w="9525">
-                <a:solidFill>
-                  <a:srgbClr val="000000"/>
-                </a:solidFill>
-                <a:miter lim="800000"/>
-                <a:headEnd/>
-                <a:tailEnd/>
-              </a14:hiddenLine>
-            </a:ext>
-          </a:extLst>
         </p:spPr>
       </p:pic>
       <p:pic>
@@ -1739,7 +1647,7 @@
           <p:nvPr/>
         </p:nvPicPr>
         <p:blipFill>
-          <a:blip r:embed="rId9" cstate="print">
+          <a:blip r:embed="rId8" cstate="print">
             <a:extLst>
               <a:ext uri="{28A0092B-C50C-407E-A947-70E740481C1C}">
                 <a14:useLocalDpi xmlns:a14="http://schemas.microsoft.com/office/drawing/2010/main" val="0"/>
@@ -1763,25 +1671,6 @@
           <a:ln>
             <a:noFill/>
           </a:ln>
-          <a:extLst>
-            <a:ext uri="{909E8E84-426E-40dd-AFC4-6F175D3DCCD1}">
-              <a14:hiddenFill xmlns:a14="http://schemas.microsoft.com/office/drawing/2010/main">
-                <a:solidFill>
-                  <a:srgbClr val="FFFFFF"/>
-                </a:solidFill>
-              </a14:hiddenFill>
-            </a:ext>
-            <a:ext uri="{91240B29-F687-4f45-9708-019B960494DF}">
-              <a14:hiddenLine xmlns:a14="http://schemas.microsoft.com/office/drawing/2010/main" w="9525">
-                <a:solidFill>
-                  <a:srgbClr val="000000"/>
-                </a:solidFill>
-                <a:miter lim="800000"/>
-                <a:headEnd/>
-                <a:tailEnd/>
-              </a14:hiddenLine>
-            </a:ext>
-          </a:extLst>
         </p:spPr>
       </p:pic>
     </p:spTree>
@@ -1797,7 +1686,7 @@
   <p:timing>
     <p:tnLst>
       <p:par>
-        <p:cTn xmlns:p14="http://schemas.microsoft.com/office/powerpoint/2010/main" id="1" dur="indefinite" restart="never" nodeType="tmRoot"/>
+        <p:cTn id="1" dur="indefinite" restart="never" nodeType="tmRoot"/>
       </p:par>
     </p:tnLst>
   </p:timing>
@@ -2240,7 +2129,7 @@
           <p:nvPr/>
         </p:nvPicPr>
         <p:blipFill>
-          <a:blip r:embed="rId3" cstate="print">
+          <a:blip r:embed="rId1" cstate="print">
             <a:extLst>
               <a:ext uri="{28A0092B-C50C-407E-A947-70E740481C1C}">
                 <a14:useLocalDpi xmlns:a14="http://schemas.microsoft.com/office/drawing/2010/main" val="0"/>
@@ -2264,25 +2153,6 @@
           <a:ln>
             <a:noFill/>
           </a:ln>
-          <a:extLst>
-            <a:ext uri="{909E8E84-426E-40dd-AFC4-6F175D3DCCD1}">
-              <a14:hiddenFill xmlns:a14="http://schemas.microsoft.com/office/drawing/2010/main">
-                <a:solidFill>
-                  <a:srgbClr val="FFFFFF"/>
-                </a:solidFill>
-              </a14:hiddenFill>
-            </a:ext>
-            <a:ext uri="{91240B29-F687-4f45-9708-019B960494DF}">
-              <a14:hiddenLine xmlns:a14="http://schemas.microsoft.com/office/drawing/2010/main" w="9525">
-                <a:solidFill>
-                  <a:srgbClr val="000000"/>
-                </a:solidFill>
-                <a:miter lim="800000"/>
-                <a:headEnd/>
-                <a:tailEnd/>
-              </a14:hiddenLine>
-            </a:ext>
-          </a:extLst>
         </p:spPr>
       </p:pic>
       <p:sp>
@@ -2304,25 +2174,6 @@
             <a:avLst/>
           </a:prstGeom>
           <a:noFill/>
-          <a:extLst>
-            <a:ext uri="{909E8E84-426E-40dd-AFC4-6F175D3DCCD1}">
-              <a14:hiddenFill xmlns:a14="http://schemas.microsoft.com/office/drawing/2010/main">
-                <a:solidFill>
-                  <a:srgbClr val="FFFFFF"/>
-                </a:solidFill>
-              </a14:hiddenFill>
-            </a:ext>
-            <a:ext uri="{91240B29-F687-4f45-9708-019B960494DF}">
-              <a14:hiddenLine xmlns:a14="http://schemas.microsoft.com/office/drawing/2010/main" w="9525">
-                <a:solidFill>
-                  <a:srgbClr val="000000"/>
-                </a:solidFill>
-                <a:miter lim="800000"/>
-                <a:headEnd/>
-                <a:tailEnd/>
-              </a14:hiddenLine>
-            </a:ext>
-          </a:extLst>
         </p:spPr>
         <p:txBody>
           <a:bodyPr anchor="b"/>
@@ -2337,6 +2188,7 @@
               <a:rPr lang="zh-CN" altLang="en-US" sz="4800" b="1" dirty="0"/>
               <a:t>动画与游戏开发</a:t>
             </a:r>
+            <a:endParaRPr lang="zh-CN" altLang="en-US" sz="4800" b="1" dirty="0"/>
           </a:p>
         </p:txBody>
       </p:sp>
@@ -2402,7 +2254,7 @@
           <p:nvPr/>
         </p:nvPicPr>
         <p:blipFill>
-          <a:blip r:embed="rId4" cstate="print">
+          <a:blip r:embed="rId2" cstate="print">
             <a:extLst>
               <a:ext uri="{28A0092B-C50C-407E-A947-70E740481C1C}">
                 <a14:useLocalDpi xmlns:a14="http://schemas.microsoft.com/office/drawing/2010/main" val="0"/>
@@ -2426,25 +2278,6 @@
           <a:ln>
             <a:noFill/>
           </a:ln>
-          <a:extLst>
-            <a:ext uri="{909E8E84-426E-40dd-AFC4-6F175D3DCCD1}">
-              <a14:hiddenFill xmlns:a14="http://schemas.microsoft.com/office/drawing/2010/main">
-                <a:solidFill>
-                  <a:srgbClr val="FFFFFF"/>
-                </a:solidFill>
-              </a14:hiddenFill>
-            </a:ext>
-            <a:ext uri="{91240B29-F687-4f45-9708-019B960494DF}">
-              <a14:hiddenLine xmlns:a14="http://schemas.microsoft.com/office/drawing/2010/main" w="9525">
-                <a:solidFill>
-                  <a:srgbClr val="000000"/>
-                </a:solidFill>
-                <a:miter lim="800000"/>
-                <a:headEnd/>
-                <a:tailEnd/>
-              </a14:hiddenLine>
-            </a:ext>
-          </a:extLst>
         </p:spPr>
       </p:pic>
     </p:spTree>
@@ -2452,11 +2285,11 @@
   <p:clrMapOvr>
     <a:masterClrMapping/>
   </p:clrMapOvr>
-  <p:transition xmlns:p14="http://schemas.microsoft.com/office/powerpoint/2010/main" advClick="0"/>
+  <p:transition advClick="0"/>
   <p:timing>
     <p:tnLst>
       <p:par>
-        <p:cTn xmlns:p14="http://schemas.microsoft.com/office/powerpoint/2010/main" id="1" dur="indefinite" restart="never" nodeType="tmRoot"/>
+        <p:cTn id="1" dur="indefinite" restart="never" nodeType="tmRoot"/>
       </p:par>
     </p:tnLst>
   </p:timing>
@@ -2683,6 +2516,7 @@
               <a:rPr lang="zh-CN" dirty="0" smtClean="0"/>
               <a:t>内容刚要</a:t>
             </a:r>
+            <a:endParaRPr lang="zh-CN" dirty="0" smtClean="0"/>
           </a:p>
         </p:txBody>
       </p:sp>
@@ -2712,15 +2546,6 @@
             <a:prstDash val="sysDot"/>
             <a:round/>
           </a:ln>
-          <a:extLst>
-            <a:ext uri="{909E8E84-426E-40dd-AFC4-6F175D3DCCD1}">
-              <a14:hiddenFill xmlns:a14="http://schemas.microsoft.com/office/drawing/2010/main">
-                <a:solidFill>
-                  <a:srgbClr val="FFFFFF"/>
-                </a:solidFill>
-              </a14:hiddenFill>
-            </a:ext>
-          </a:extLst>
         </p:spPr>
         <p:txBody>
           <a:bodyPr wrap="none" anchor="ctr"/>
@@ -2864,6 +2689,11 @@
               </a:rPr>
               <a:t>路径绘制</a:t>
             </a:r>
+            <a:endParaRPr lang="zh-CN" altLang="en-US" sz="2800" b="1">
+              <a:solidFill>
+                <a:srgbClr val="FF0000"/>
+              </a:solidFill>
+            </a:endParaRPr>
           </a:p>
           <a:p>
             <a:pPr algn="l">
@@ -2898,6 +2728,11 @@
               </a:rPr>
               <a:t>基本形状</a:t>
             </a:r>
+            <a:endParaRPr lang="zh-CN" altLang="en-US" sz="2800" b="1">
+              <a:solidFill>
+                <a:schemeClr val="tx1"/>
+              </a:solidFill>
+            </a:endParaRPr>
           </a:p>
           <a:p>
             <a:pPr algn="l">
@@ -2934,6 +2769,12 @@
               </a:rPr>
               <a:t>描边及填充</a:t>
             </a:r>
+            <a:endParaRPr lang="zh-CN" altLang="en-US" sz="2800" b="1">
+              <a:solidFill>
+                <a:schemeClr val="tx1"/>
+              </a:solidFill>
+              <a:sym typeface="+mn-ea"/>
+            </a:endParaRPr>
           </a:p>
         </p:txBody>
       </p:sp>
@@ -2945,7 +2786,7 @@
   <p:timing>
     <p:tnLst>
       <p:par>
-        <p:cTn xmlns:p14="http://schemas.microsoft.com/office/powerpoint/2010/main" id="1" dur="indefinite" restart="never" nodeType="tmRoot"/>
+        <p:cTn id="1" dur="indefinite" restart="never" nodeType="tmRoot"/>
       </p:par>
     </p:tnLst>
   </p:timing>
@@ -3019,17 +2860,6 @@
               </a:rPr>
               <a:t>直线相关绘制</a:t>
             </a:r>
-            <a:r>
-              <a:rPr lang="zh-CN" altLang="en-US" sz="2800" noProof="1">
-                <a:solidFill>
-                  <a:schemeClr val="tx1"/>
-                </a:solidFill>
-                <a:latin typeface="微软雅黑" panose="020B0503020204020204" pitchFamily="34" charset="-122"/>
-                <a:ea typeface="微软雅黑" panose="020B0503020204020204" pitchFamily="34" charset="-122"/>
-                <a:sym typeface="+mn-ea"/>
-              </a:rPr>
-              <a:t/>
-            </a:r>
             <a:br>
               <a:rPr lang="zh-CN" altLang="en-US" sz="2800" noProof="1">
                 <a:solidFill>
@@ -3126,6 +2956,7 @@
               <a:rPr kumimoji="0" lang="zh-CN" altLang="en-US" dirty="0"/>
               <a:t>图形及路径</a:t>
             </a:r>
+            <a:endParaRPr kumimoji="0" lang="zh-CN" altLang="en-US" dirty="0"/>
           </a:p>
         </p:txBody>
       </p:sp>
@@ -3355,6 +3186,20 @@
               </a:rPr>
               <a:t>(100,100)</a:t>
             </a:r>
+            <a:endParaRPr kumimoji="0" lang="en-US" altLang="zh-CN" sz="3200" b="0" i="0" u="none" strike="noStrike" kern="1200" cap="none" spc="0" normalizeH="0" baseline="0" noProof="0" dirty="0" smtClean="0">
+              <a:ln>
+                <a:noFill/>
+              </a:ln>
+              <a:solidFill>
+                <a:schemeClr val="tx1"/>
+              </a:solidFill>
+              <a:effectLst/>
+              <a:uLnTx/>
+              <a:uFillTx/>
+              <a:latin typeface="+mn-ea"/>
+              <a:ea typeface="+mn-ea"/>
+              <a:cs typeface="+mn-cs"/>
+            </a:endParaRPr>
           </a:p>
           <a:p>
             <a:pPr marL="0" marR="0" lvl="0" indent="0" algn="l" defTabSz="914400" rtl="0" eaLnBrk="0" fontAlgn="base" latinLnBrk="0" hangingPunct="0">
@@ -3407,6 +3252,20 @@
               </a:rPr>
               <a:t>(200,200)</a:t>
             </a:r>
+            <a:endParaRPr kumimoji="0" lang="en-US" altLang="zh-CN" sz="3200" b="0" i="0" u="none" strike="noStrike" kern="1200" cap="none" spc="0" normalizeH="0" baseline="0" noProof="0" dirty="0" smtClean="0">
+              <a:ln>
+                <a:noFill/>
+              </a:ln>
+              <a:solidFill>
+                <a:schemeClr val="tx1"/>
+              </a:solidFill>
+              <a:effectLst/>
+              <a:uLnTx/>
+              <a:uFillTx/>
+              <a:latin typeface="+mn-ea"/>
+              <a:ea typeface="+mn-ea"/>
+              <a:cs typeface="+mn-cs"/>
+            </a:endParaRPr>
           </a:p>
           <a:p>
             <a:pPr marL="0" marR="0" lvl="0" indent="0" algn="l" defTabSz="914400" rtl="0" eaLnBrk="0" fontAlgn="base" latinLnBrk="0" hangingPunct="0">
@@ -3476,6 +3335,20 @@
               </a:rPr>
               <a:t> = 10</a:t>
             </a:r>
+            <a:endParaRPr kumimoji="0" lang="en-US" altLang="zh-CN" sz="3200" b="0" i="0" u="none" strike="noStrike" kern="1200" cap="none" spc="0" normalizeH="0" baseline="0" noProof="0" dirty="0">
+              <a:ln>
+                <a:noFill/>
+              </a:ln>
+              <a:solidFill>
+                <a:schemeClr val="tx1"/>
+              </a:solidFill>
+              <a:effectLst/>
+              <a:uLnTx/>
+              <a:uFillTx/>
+              <a:latin typeface="+mn-ea"/>
+              <a:ea typeface="+mn-ea"/>
+              <a:cs typeface="+mn-cs"/>
+            </a:endParaRPr>
           </a:p>
           <a:p>
             <a:pPr marL="0" marR="0" lvl="0" indent="0" algn="l" defTabSz="914400" rtl="0" eaLnBrk="0" fontAlgn="base" latinLnBrk="0" hangingPunct="0">
@@ -3545,6 +3418,20 @@
               </a:rPr>
               <a:t> = “#058”</a:t>
             </a:r>
+            <a:endParaRPr kumimoji="0" lang="en-US" altLang="zh-CN" sz="3200" b="0" i="0" u="none" strike="noStrike" kern="1200" cap="none" spc="0" normalizeH="0" baseline="0" noProof="0" dirty="0">
+              <a:ln>
+                <a:noFill/>
+              </a:ln>
+              <a:solidFill>
+                <a:schemeClr val="tx1"/>
+              </a:solidFill>
+              <a:effectLst/>
+              <a:uLnTx/>
+              <a:uFillTx/>
+              <a:latin typeface="+mn-ea"/>
+              <a:ea typeface="+mn-ea"/>
+              <a:cs typeface="+mn-cs"/>
+            </a:endParaRPr>
           </a:p>
           <a:p>
             <a:pPr marL="0" marR="0" lvl="0" indent="0" algn="l" defTabSz="914400" rtl="0" eaLnBrk="0" fontAlgn="base" latinLnBrk="0" hangingPunct="0">
@@ -3646,6 +3533,20 @@
               </a:rPr>
               <a:t>()</a:t>
             </a:r>
+            <a:endParaRPr kumimoji="0" lang="en-US" altLang="zh-CN" sz="3200" b="0" i="0" u="none" strike="noStrike" kern="1200" cap="none" spc="0" normalizeH="0" baseline="0" noProof="0" dirty="0" smtClean="0">
+              <a:ln>
+                <a:noFill/>
+              </a:ln>
+              <a:solidFill>
+                <a:schemeClr val="tx1"/>
+              </a:solidFill>
+              <a:effectLst/>
+              <a:uLnTx/>
+              <a:uFillTx/>
+              <a:latin typeface="+mn-ea"/>
+              <a:ea typeface="+mn-ea"/>
+              <a:cs typeface="+mn-cs"/>
+            </a:endParaRPr>
           </a:p>
           <a:p>
             <a:pPr marL="0" marR="0" lvl="0" indent="0" algn="l" defTabSz="914400" rtl="0" eaLnBrk="0" fontAlgn="base" latinLnBrk="0" hangingPunct="0">
@@ -3877,6 +3778,11 @@
               </a:rPr>
               <a:t>状态设置</a:t>
             </a:r>
+            <a:endParaRPr lang="zh-CN" altLang="en-US" sz="2400" dirty="0">
+              <a:solidFill>
+                <a:schemeClr val="tx1"/>
+              </a:solidFill>
+            </a:endParaRPr>
           </a:p>
         </p:txBody>
       </p:sp>
@@ -4076,6 +3982,11 @@
               </a:rPr>
               <a:t>绘制</a:t>
             </a:r>
+            <a:endParaRPr lang="zh-CN" altLang="en-US" sz="2400" dirty="0">
+              <a:solidFill>
+                <a:schemeClr val="tx1"/>
+              </a:solidFill>
+            </a:endParaRPr>
           </a:p>
         </p:txBody>
       </p:sp>
@@ -4087,7 +3998,7 @@
   <p:timing>
     <p:tnLst>
       <p:par>
-        <p:cTn xmlns:p14="http://schemas.microsoft.com/office/powerpoint/2010/main" id="1" dur="indefinite" restart="never" nodeType="tmRoot">
+        <p:cTn id="1" dur="indefinite" restart="never" nodeType="tmRoot">
           <p:childTnLst>
             <p:seq concurrent="1" nextAc="seek">
               <p:cTn id="2" dur="indefinite" nodeType="mainSeq">
@@ -5099,6 +5010,12 @@
               </a:rPr>
               <a:t>- closePath的意思不是结束路径，而是关闭路径，它会试图从（MoveTo点之后）当前路径的终点连一条路径到起点，让整个路径闭合起来。但是，这并不意味着它之后的路径就是新路径了</a:t>
             </a:r>
+            <a:endParaRPr lang="en-US" altLang="zh-CN" sz="2000" dirty="0">
+              <a:solidFill>
+                <a:schemeClr val="tx1"/>
+              </a:solidFill>
+              <a:sym typeface="+mn-ea"/>
+            </a:endParaRPr>
           </a:p>
           <a:p>
             <a:pPr>
@@ -5221,6 +5138,7 @@
               <a:rPr kumimoji="0" lang="zh-CN" altLang="en-US" dirty="0"/>
               <a:t>图形及路径</a:t>
             </a:r>
+            <a:endParaRPr kumimoji="0" lang="zh-CN" altLang="en-US" dirty="0"/>
           </a:p>
         </p:txBody>
       </p:sp>
@@ -5287,7 +5205,7 @@
   <p:timing>
     <p:tnLst>
       <p:par>
-        <p:cTn xmlns:p14="http://schemas.microsoft.com/office/powerpoint/2010/main" id="1" dur="indefinite" restart="never" nodeType="tmRoot">
+        <p:cTn id="1" dur="indefinite" restart="never" nodeType="tmRoot">
           <p:childTnLst>
             <p:seq concurrent="1" nextAc="seek">
               <p:cTn id="2" dur="indefinite" nodeType="mainSeq">
@@ -5832,17 +5750,6 @@
               </a:rPr>
               <a:t>fillStyle</a:t>
             </a:r>
-            <a:r>
-              <a:rPr lang="zh-CN" altLang="en-US" sz="2000" noProof="1">
-                <a:solidFill>
-                  <a:schemeClr val="tx1"/>
-                </a:solidFill>
-                <a:latin typeface="微软雅黑" panose="020B0503020204020204" pitchFamily="34" charset="-122"/>
-                <a:ea typeface="微软雅黑" panose="020B0503020204020204" pitchFamily="34" charset="-122"/>
-                <a:sym typeface="+mn-ea"/>
-              </a:rPr>
-              <a:t/>
-            </a:r>
             <a:br>
               <a:rPr lang="zh-CN" altLang="en-US" sz="2000" noProof="1">
                 <a:solidFill>
@@ -5897,6 +5804,14 @@
               </a:rPr>
               <a:t>（）</a:t>
             </a:r>
+            <a:endParaRPr lang="zh-CN" altLang="en-US" sz="2000" noProof="1">
+              <a:solidFill>
+                <a:schemeClr val="tx1"/>
+              </a:solidFill>
+              <a:latin typeface="微软雅黑" panose="020B0503020204020204" pitchFamily="34" charset="-122"/>
+              <a:ea typeface="微软雅黑" panose="020B0503020204020204" pitchFamily="34" charset="-122"/>
+              <a:sym typeface="+mn-ea"/>
+            </a:endParaRPr>
           </a:p>
           <a:p>
             <a:pPr>
@@ -6005,6 +5920,12 @@
               </a:rPr>
               <a:t>square</a:t>
             </a:r>
+            <a:endParaRPr lang="en-US" altLang="zh-CN" sz="2000" dirty="0">
+              <a:solidFill>
+                <a:schemeClr val="tx1"/>
+              </a:solidFill>
+              <a:sym typeface="+mn-ea"/>
+            </a:endParaRPr>
           </a:p>
           <a:p>
             <a:pPr>
@@ -6113,6 +6034,12 @@
               </a:rPr>
               <a:t>round</a:t>
             </a:r>
+            <a:endParaRPr lang="en-US" altLang="zh-CN" sz="2000" dirty="0">
+              <a:solidFill>
+                <a:schemeClr val="tx1"/>
+              </a:solidFill>
+              <a:sym typeface="+mn-ea"/>
+            </a:endParaRPr>
           </a:p>
           <a:p>
             <a:pPr>
@@ -6150,6 +6077,12 @@
               </a:rPr>
               <a:t>）</a:t>
             </a:r>
+            <a:endParaRPr lang="zh-CN" altLang="en-US" sz="2800" dirty="0">
+              <a:solidFill>
+                <a:schemeClr val="tx1"/>
+              </a:solidFill>
+              <a:sym typeface="+mn-ea"/>
+            </a:endParaRPr>
           </a:p>
           <a:p>
             <a:pPr>
@@ -6244,6 +6177,7 @@
               <a:rPr kumimoji="0" lang="zh-CN" altLang="en-US" dirty="0"/>
               <a:t>图形及路径</a:t>
             </a:r>
+            <a:endParaRPr kumimoji="0" lang="zh-CN" altLang="en-US" dirty="0"/>
           </a:p>
         </p:txBody>
       </p:sp>
@@ -6310,7 +6244,7 @@
   <p:timing>
     <p:tnLst>
       <p:par>
-        <p:cTn xmlns:p14="http://schemas.microsoft.com/office/powerpoint/2010/main" id="1" dur="indefinite" restart="never" nodeType="tmRoot">
+        <p:cTn id="1" dur="indefinite" restart="never" nodeType="tmRoot">
           <p:childTnLst>
             <p:seq concurrent="1" nextAc="seek">
               <p:cTn id="2" dur="indefinite" nodeType="mainSeq">
@@ -7009,6 +6943,14 @@
               </a:rPr>
               <a:t>);</a:t>
             </a:r>
+            <a:endParaRPr lang="en-US" altLang="zh-CN" sz="2000" noProof="1">
+              <a:solidFill>
+                <a:schemeClr val="tx1"/>
+              </a:solidFill>
+              <a:latin typeface="微软雅黑" panose="020B0503020204020204" pitchFamily="34" charset="-122"/>
+              <a:ea typeface="微软雅黑" panose="020B0503020204020204" pitchFamily="34" charset="-122"/>
+              <a:sym typeface="+mn-ea"/>
+            </a:endParaRPr>
           </a:p>
           <a:p>
             <a:pPr marL="0" marR="0" lvl="0" indent="0" algn="l" defTabSz="914400" rtl="0" eaLnBrk="0" fontAlgn="base" latinLnBrk="0" hangingPunct="0">
@@ -7157,17 +7099,6 @@
               <a:buNone/>
               <a:defRPr/>
             </a:pPr>
-            <a:r>
-              <a:rPr lang="en-US" altLang="zh-CN" sz="1800" noProof="1">
-                <a:solidFill>
-                  <a:schemeClr val="tx1"/>
-                </a:solidFill>
-                <a:latin typeface="微软雅黑" panose="020B0503020204020204" pitchFamily="34" charset="-122"/>
-                <a:ea typeface="微软雅黑" panose="020B0503020204020204" pitchFamily="34" charset="-122"/>
-                <a:sym typeface="+mn-ea"/>
-              </a:rPr>
-              <a:t/>
-            </a:r>
             <a:br>
               <a:rPr lang="en-US" altLang="zh-CN" sz="1800" noProof="1">
                 <a:solidFill>
@@ -7178,17 +7109,6 @@
                 <a:sym typeface="+mn-ea"/>
               </a:rPr>
             </a:br>
-            <a:r>
-              <a:rPr lang="en-US" altLang="zh-CN" sz="2000" noProof="1">
-                <a:solidFill>
-                  <a:schemeClr val="tx1"/>
-                </a:solidFill>
-                <a:latin typeface="微软雅黑" panose="020B0503020204020204" pitchFamily="34" charset="-122"/>
-                <a:ea typeface="微软雅黑" panose="020B0503020204020204" pitchFamily="34" charset="-122"/>
-                <a:sym typeface="+mn-ea"/>
-              </a:rPr>
-              <a:t/>
-            </a:r>
             <a:br>
               <a:rPr lang="en-US" altLang="zh-CN" sz="2000" noProof="1">
                 <a:solidFill>
@@ -7250,6 +7170,7 @@
               <a:rPr kumimoji="0" lang="zh-CN" altLang="en-US" dirty="0"/>
               <a:t>图形及路径</a:t>
             </a:r>
+            <a:endParaRPr kumimoji="0" lang="zh-CN" altLang="en-US" dirty="0"/>
           </a:p>
         </p:txBody>
       </p:sp>
@@ -7262,7 +7183,7 @@
           <p:nvPr/>
         </p:nvPicPr>
         <p:blipFill>
-          <a:blip r:embed="rId2"/>
+          <a:blip r:embed="rId1"/>
           <a:stretch>
             <a:fillRect/>
           </a:stretch>
@@ -7413,6 +7334,13 @@
               </a:rPr>
               <a:t>( x0 , y0 )</a:t>
             </a:r>
+            <a:endParaRPr lang="en-US" altLang="zh-CN" sz="2800" dirty="0">
+              <a:solidFill>
+                <a:schemeClr val="tx1"/>
+              </a:solidFill>
+              <a:latin typeface="Calibri" panose="020F0502020204030204" pitchFamily="34" charset="0"/>
+              <a:ea typeface="宋体" panose="02010600030101010101" pitchFamily="2" charset="-122"/>
+            </a:endParaRPr>
           </a:p>
         </p:txBody>
       </p:sp>
@@ -7548,6 +7476,13 @@
               </a:rPr>
               <a:t>( x2 , y2 )</a:t>
             </a:r>
+            <a:endParaRPr lang="en-US" altLang="zh-CN" sz="2600" dirty="0">
+              <a:solidFill>
+                <a:schemeClr val="tx1"/>
+              </a:solidFill>
+              <a:latin typeface="Calibri" panose="020F0502020204030204" pitchFamily="34" charset="0"/>
+              <a:ea typeface="宋体" panose="02010600030101010101" pitchFamily="2" charset="-122"/>
+            </a:endParaRPr>
           </a:p>
         </p:txBody>
       </p:sp>
@@ -7683,6 +7618,13 @@
               </a:rPr>
               <a:t>( x1 , y1 )</a:t>
             </a:r>
+            <a:endParaRPr lang="en-US" altLang="zh-CN" sz="2800" dirty="0">
+              <a:solidFill>
+                <a:schemeClr val="tx1"/>
+              </a:solidFill>
+              <a:latin typeface="Calibri" panose="020F0502020204030204" pitchFamily="34" charset="0"/>
+              <a:ea typeface="宋体" panose="02010600030101010101" pitchFamily="2" charset="-122"/>
+            </a:endParaRPr>
           </a:p>
         </p:txBody>
       </p:sp>
@@ -7695,7 +7637,7 @@
           <p:nvPr/>
         </p:nvPicPr>
         <p:blipFill>
-          <a:blip r:embed="rId3"/>
+          <a:blip r:embed="rId2"/>
           <a:stretch>
             <a:fillRect/>
           </a:stretch>
@@ -7744,6 +7686,14 @@
               </a:rPr>
               <a:t>2_PI</a:t>
             </a:r>
+            <a:endParaRPr lang="en-US" altLang="zh-CN" sz="2200" dirty="0">
+              <a:solidFill>
+                <a:srgbClr val="0070C0"/>
+              </a:solidFill>
+              <a:latin typeface="+mn-ea"/>
+              <a:ea typeface="+mn-ea"/>
+              <a:sym typeface="+mn-ea"/>
+            </a:endParaRPr>
           </a:p>
           <a:p>
             <a:pPr algn="l"/>
@@ -7758,6 +7708,14 @@
               </a:rPr>
               <a:t>0_PI</a:t>
             </a:r>
+            <a:endParaRPr lang="en-US" altLang="zh-CN" sz="2200" dirty="0">
+              <a:solidFill>
+                <a:srgbClr val="0070C0"/>
+              </a:solidFill>
+              <a:latin typeface="+mn-ea"/>
+              <a:ea typeface="+mn-ea"/>
+              <a:sym typeface="+mn-ea"/>
+            </a:endParaRPr>
           </a:p>
         </p:txBody>
       </p:sp>
@@ -7795,6 +7753,14 @@
               </a:rPr>
               <a:t>1_PI</a:t>
             </a:r>
+            <a:endParaRPr lang="en-US" altLang="zh-CN" sz="2200" dirty="0">
+              <a:solidFill>
+                <a:srgbClr val="0070C0"/>
+              </a:solidFill>
+              <a:latin typeface="+mn-ea"/>
+              <a:ea typeface="+mn-ea"/>
+              <a:sym typeface="+mn-ea"/>
+            </a:endParaRPr>
           </a:p>
         </p:txBody>
       </p:sp>
@@ -7910,7 +7876,7 @@
   <p:timing>
     <p:tnLst>
       <p:par>
-        <p:cTn xmlns:p14="http://schemas.microsoft.com/office/powerpoint/2010/main" id="1" dur="indefinite" restart="never" nodeType="tmRoot">
+        <p:cTn id="1" dur="indefinite" restart="never" nodeType="tmRoot">
           <p:childTnLst>
             <p:seq concurrent="1" nextAc="seek">
               <p:cTn id="2" dur="indefinite" nodeType="mainSeq">
@@ -8894,6 +8860,7 @@
               <a:rPr kumimoji="0" lang="zh-CN" altLang="en-US" dirty="0"/>
               <a:t>图形及路径</a:t>
             </a:r>
+            <a:endParaRPr kumimoji="0" lang="zh-CN" altLang="en-US" dirty="0"/>
           </a:p>
         </p:txBody>
       </p:sp>
@@ -9119,6 +9086,18 @@
               </a:rPr>
               <a:t>( x0 , y0 );</a:t>
             </a:r>
+            <a:endParaRPr kumimoji="0" lang="en-US" altLang="zh-CN" sz="3200" b="0" i="0" u="none" strike="noStrike" kern="1200" cap="none" spc="0" normalizeH="0" baseline="0" noProof="0" dirty="0" smtClean="0">
+              <a:ln>
+                <a:noFill/>
+              </a:ln>
+              <a:solidFill>
+                <a:schemeClr val="tx1"/>
+              </a:solidFill>
+              <a:effectLst/>
+              <a:uLnTx/>
+              <a:uFillTx/>
+              <a:cs typeface="+mn-cs"/>
+            </a:endParaRPr>
           </a:p>
           <a:p>
             <a:pPr marL="0" marR="0" lvl="0" indent="0" algn="l" defTabSz="914400" rtl="0" eaLnBrk="0" fontAlgn="base" latinLnBrk="0" hangingPunct="0">
@@ -9167,6 +9146,18 @@
               </a:rPr>
               <a:t>( </a:t>
             </a:r>
+            <a:endParaRPr kumimoji="0" lang="en-US" altLang="zh-CN" sz="3200" b="0" i="0" u="none" strike="noStrike" kern="1200" cap="none" spc="0" normalizeH="0" baseline="0" noProof="0" dirty="0" smtClean="0">
+              <a:ln>
+                <a:noFill/>
+              </a:ln>
+              <a:solidFill>
+                <a:schemeClr val="tx1"/>
+              </a:solidFill>
+              <a:effectLst/>
+              <a:uLnTx/>
+              <a:uFillTx/>
+              <a:cs typeface="+mn-cs"/>
+            </a:endParaRPr>
           </a:p>
           <a:p>
             <a:pPr marL="0" marR="0" lvl="0" indent="0" algn="l" defTabSz="914400" rtl="0" eaLnBrk="0" fontAlgn="base" latinLnBrk="0" hangingPunct="0">
@@ -9260,6 +9251,18 @@
               </a:rPr>
               <a:t>        </a:t>
             </a:r>
+            <a:endParaRPr kumimoji="0" lang="en-US" altLang="zh-CN" sz="3200" b="0" i="0" u="none" strike="noStrike" kern="1200" cap="none" spc="0" normalizeH="0" baseline="0" noProof="0" dirty="0" smtClean="0">
+              <a:ln>
+                <a:noFill/>
+              </a:ln>
+              <a:solidFill>
+                <a:schemeClr val="tx1"/>
+              </a:solidFill>
+              <a:effectLst/>
+              <a:uLnTx/>
+              <a:uFillTx/>
+              <a:cs typeface="+mn-cs"/>
+            </a:endParaRPr>
           </a:p>
           <a:p>
             <a:pPr marL="0" marR="0" lvl="0" indent="0" algn="l" defTabSz="914400" rtl="0" eaLnBrk="0" fontAlgn="base" latinLnBrk="0" hangingPunct="0">
@@ -9428,6 +9431,18 @@
               </a:rPr>
               <a:t>http://tinyurl.com/html5quadratic</a:t>
             </a:r>
+            <a:endParaRPr kumimoji="0" lang="en-US" altLang="zh-CN" sz="3200" b="0" i="0" u="none" strike="noStrike" kern="1200" cap="none" spc="0" normalizeH="0" baseline="0" noProof="0" dirty="0" smtClean="0">
+              <a:ln>
+                <a:noFill/>
+              </a:ln>
+              <a:solidFill>
+                <a:schemeClr val="tx1"/>
+              </a:solidFill>
+              <a:effectLst/>
+              <a:uLnTx/>
+              <a:uFillTx/>
+              <a:cs typeface="+mn-cs"/>
+            </a:endParaRPr>
           </a:p>
           <a:p>
             <a:pPr marL="0" marR="0" lvl="0" indent="0" algn="l" defTabSz="914400" rtl="0" eaLnBrk="0" fontAlgn="base" latinLnBrk="0" hangingPunct="0">
@@ -9804,9 +9819,218 @@
   <p:timing>
     <p:tnLst>
       <p:par>
-        <p:cTn xmlns:p14="http://schemas.microsoft.com/office/powerpoint/2010/main" id="1" dur="indefinite" restart="never" nodeType="tmRoot"/>
+        <p:cTn id="1" dur="indefinite" restart="never" nodeType="tmRoot">
+          <p:childTnLst>
+            <p:seq concurrent="1" nextAc="seek">
+              <p:cTn id="2" dur="indefinite" nodeType="mainSeq">
+                <p:childTnLst>
+                  <p:par>
+                    <p:cTn id="3" fill="hold">
+                      <p:stCondLst>
+                        <p:cond delay="indefinite"/>
+                      </p:stCondLst>
+                      <p:childTnLst>
+                        <p:par>
+                          <p:cTn id="4" fill="hold">
+                            <p:stCondLst>
+                              <p:cond delay="0"/>
+                            </p:stCondLst>
+                            <p:childTnLst>
+                              <p:par>
+                                <p:cTn id="5" presetID="2" presetClass="entr" presetSubtype="4" fill="hold" grpId="0" nodeType="clickEffect">
+                                  <p:stCondLst>
+                                    <p:cond delay="0"/>
+                                  </p:stCondLst>
+                                  <p:childTnLst>
+                                    <p:set>
+                                      <p:cBhvr>
+                                        <p:cTn id="6" dur="1" fill="hold">
+                                          <p:stCondLst>
+                                            <p:cond delay="0"/>
+                                          </p:stCondLst>
+                                        </p:cTn>
+                                        <p:tgtEl>
+                                          <p:spTgt spid="3"/>
+                                        </p:tgtEl>
+                                        <p:attrNameLst>
+                                          <p:attrName>style.visibility</p:attrName>
+                                        </p:attrNameLst>
+                                      </p:cBhvr>
+                                      <p:to>
+                                        <p:strVal val="visible"/>
+                                      </p:to>
+                                    </p:set>
+                                    <p:anim calcmode="lin" valueType="num">
+                                      <p:cBhvr additive="base">
+                                        <p:cTn id="7" dur="500" fill="hold"/>
+                                        <p:tgtEl>
+                                          <p:spTgt spid="3"/>
+                                        </p:tgtEl>
+                                        <p:attrNameLst>
+                                          <p:attrName>ppt_x</p:attrName>
+                                        </p:attrNameLst>
+                                      </p:cBhvr>
+                                      <p:tavLst>
+                                        <p:tav tm="0">
+                                          <p:val>
+                                            <p:strVal val="#ppt_x"/>
+                                          </p:val>
+                                        </p:tav>
+                                        <p:tav tm="100000">
+                                          <p:val>
+                                            <p:strVal val="#ppt_x"/>
+                                          </p:val>
+                                        </p:tav>
+                                      </p:tavLst>
+                                    </p:anim>
+                                    <p:anim calcmode="lin" valueType="num">
+                                      <p:cBhvr additive="base">
+                                        <p:cTn id="8" dur="500" fill="hold"/>
+                                        <p:tgtEl>
+                                          <p:spTgt spid="3"/>
+                                        </p:tgtEl>
+                                        <p:attrNameLst>
+                                          <p:attrName>ppt_y</p:attrName>
+                                        </p:attrNameLst>
+                                      </p:cBhvr>
+                                      <p:tavLst>
+                                        <p:tav tm="0">
+                                          <p:val>
+                                            <p:strVal val="1+#ppt_h/2"/>
+                                          </p:val>
+                                        </p:tav>
+                                        <p:tav tm="100000">
+                                          <p:val>
+                                            <p:strVal val="#ppt_y"/>
+                                          </p:val>
+                                        </p:tav>
+                                      </p:tavLst>
+                                    </p:anim>
+                                  </p:childTnLst>
+                                </p:cTn>
+                              </p:par>
+                            </p:childTnLst>
+                          </p:cTn>
+                        </p:par>
+                      </p:childTnLst>
+                    </p:cTn>
+                  </p:par>
+                  <p:par>
+                    <p:cTn id="9" fill="hold">
+                      <p:stCondLst>
+                        <p:cond delay="indefinite"/>
+                      </p:stCondLst>
+                      <p:childTnLst>
+                        <p:par>
+                          <p:cTn id="10" fill="hold">
+                            <p:stCondLst>
+                              <p:cond delay="0"/>
+                            </p:stCondLst>
+                            <p:childTnLst>
+                              <p:par>
+                                <p:cTn id="11" presetID="2" presetClass="entr" presetSubtype="4" fill="hold" grpId="0" nodeType="clickEffect">
+                                  <p:stCondLst>
+                                    <p:cond delay="0"/>
+                                  </p:stCondLst>
+                                  <p:childTnLst>
+                                    <p:set>
+                                      <p:cBhvr>
+                                        <p:cTn id="12" dur="1" fill="hold">
+                                          <p:stCondLst>
+                                            <p:cond delay="0"/>
+                                          </p:stCondLst>
+                                        </p:cTn>
+                                        <p:tgtEl>
+                                          <p:spTgt spid="16"/>
+                                        </p:tgtEl>
+                                        <p:attrNameLst>
+                                          <p:attrName>style.visibility</p:attrName>
+                                        </p:attrNameLst>
+                                      </p:cBhvr>
+                                      <p:to>
+                                        <p:strVal val="visible"/>
+                                      </p:to>
+                                    </p:set>
+                                    <p:anim calcmode="lin" valueType="num">
+                                      <p:cBhvr additive="base">
+                                        <p:cTn id="13" dur="500" fill="hold"/>
+                                        <p:tgtEl>
+                                          <p:spTgt spid="16"/>
+                                        </p:tgtEl>
+                                        <p:attrNameLst>
+                                          <p:attrName>ppt_x</p:attrName>
+                                        </p:attrNameLst>
+                                      </p:cBhvr>
+                                      <p:tavLst>
+                                        <p:tav tm="0">
+                                          <p:val>
+                                            <p:strVal val="#ppt_x"/>
+                                          </p:val>
+                                        </p:tav>
+                                        <p:tav tm="100000">
+                                          <p:val>
+                                            <p:strVal val="#ppt_x"/>
+                                          </p:val>
+                                        </p:tav>
+                                      </p:tavLst>
+                                    </p:anim>
+                                    <p:anim calcmode="lin" valueType="num">
+                                      <p:cBhvr additive="base">
+                                        <p:cTn id="14" dur="500" fill="hold"/>
+                                        <p:tgtEl>
+                                          <p:spTgt spid="16"/>
+                                        </p:tgtEl>
+                                        <p:attrNameLst>
+                                          <p:attrName>ppt_y</p:attrName>
+                                        </p:attrNameLst>
+                                      </p:cBhvr>
+                                      <p:tavLst>
+                                        <p:tav tm="0">
+                                          <p:val>
+                                            <p:strVal val="1+#ppt_h/2"/>
+                                          </p:val>
+                                        </p:tav>
+                                        <p:tav tm="100000">
+                                          <p:val>
+                                            <p:strVal val="#ppt_y"/>
+                                          </p:val>
+                                        </p:tav>
+                                      </p:tavLst>
+                                    </p:anim>
+                                  </p:childTnLst>
+                                </p:cTn>
+                              </p:par>
+                            </p:childTnLst>
+                          </p:cTn>
+                        </p:par>
+                      </p:childTnLst>
+                    </p:cTn>
+                  </p:par>
+                </p:childTnLst>
+              </p:cTn>
+              <p:prevCondLst>
+                <p:cond evt="onPrev" delay="0">
+                  <p:tgtEl>
+                    <p:sldTgt/>
+                  </p:tgtEl>
+                </p:cond>
+              </p:prevCondLst>
+              <p:nextCondLst>
+                <p:cond evt="onNext" delay="0">
+                  <p:tgtEl>
+                    <p:sldTgt/>
+                  </p:tgtEl>
+                </p:cond>
+              </p:nextCondLst>
+            </p:seq>
+          </p:childTnLst>
+        </p:cTn>
       </p:par>
     </p:tnLst>
+    <p:bldLst>
+      <p:bldP spid="3" grpId="0"/>
+      <p:bldP spid="16" grpId="0"/>
+    </p:bldLst>
   </p:timing>
 </p:sld>
 </file>
@@ -9856,6 +10080,7 @@
               <a:rPr kumimoji="0" lang="zh-CN" altLang="en-US" dirty="0"/>
               <a:t>图形及路径</a:t>
             </a:r>
+            <a:endParaRPr kumimoji="0" lang="zh-CN" altLang="en-US" dirty="0"/>
           </a:p>
         </p:txBody>
       </p:sp>
@@ -10081,132 +10306,6 @@
               </a:rPr>
               <a:t>( x0 , y0 );</a:t>
             </a:r>
-          </a:p>
-          <a:p>
-            <a:pPr marL="0" marR="0" lvl="0" indent="0" algn="l" defTabSz="914400" rtl="0" eaLnBrk="0" fontAlgn="base" latinLnBrk="0" hangingPunct="0">
-              <a:lnSpc>
-                <a:spcPct val="100000"/>
-              </a:lnSpc>
-              <a:spcBef>
-                <a:spcPct val="20000"/>
-              </a:spcBef>
-              <a:spcAft>
-                <a:spcPct val="0"/>
-              </a:spcAft>
-              <a:buClrTx/>
-              <a:buSzTx/>
-              <a:buFont typeface="Arial" panose="020B0604020202020204" pitchFamily="34" charset="0"/>
-              <a:buNone/>
-              <a:defRPr/>
-            </a:pPr>
-            <a:r>
-              <a:rPr kumimoji="0" lang="en-US" altLang="zh-CN" sz="3200" b="0" i="0" u="none" strike="noStrike" kern="1200" cap="none" spc="0" normalizeH="0" baseline="0" noProof="0" dirty="0" err="1" smtClean="0">
-                <a:ln>
-                  <a:noFill/>
-                </a:ln>
-                <a:solidFill>
-                  <a:schemeClr val="tx1"/>
-                </a:solidFill>
-                <a:effectLst/>
-                <a:uLnTx/>
-                <a:uFillTx/>
-                <a:cs typeface="+mn-cs"/>
-              </a:rPr>
-              <a:t>context.bezierCurveTo</a:t>
-            </a:r>
-            <a:r>
-              <a:rPr kumimoji="0" lang="en-US" altLang="zh-CN" sz="3200" b="0" i="0" u="none" strike="noStrike" kern="1200" cap="none" spc="0" normalizeH="0" baseline="0" noProof="0" dirty="0" smtClean="0">
-                <a:ln>
-                  <a:noFill/>
-                </a:ln>
-                <a:solidFill>
-                  <a:schemeClr val="tx1"/>
-                </a:solidFill>
-                <a:effectLst/>
-                <a:uLnTx/>
-                <a:uFillTx/>
-                <a:cs typeface="+mn-cs"/>
-              </a:rPr>
-              <a:t>( </a:t>
-            </a:r>
-          </a:p>
-          <a:p>
-            <a:pPr marL="0" marR="0" lvl="0" indent="0" algn="l" defTabSz="914400" rtl="0" eaLnBrk="0" fontAlgn="base" latinLnBrk="0" hangingPunct="0">
-              <a:lnSpc>
-                <a:spcPct val="100000"/>
-              </a:lnSpc>
-              <a:spcBef>
-                <a:spcPct val="20000"/>
-              </a:spcBef>
-              <a:spcAft>
-                <a:spcPct val="0"/>
-              </a:spcAft>
-              <a:buClrTx/>
-              <a:buSzTx/>
-              <a:buFont typeface="Arial" panose="020B0604020202020204" pitchFamily="34" charset="0"/>
-              <a:buNone/>
-              <a:defRPr/>
-            </a:pPr>
-            <a:r>
-              <a:rPr kumimoji="0" lang="en-US" altLang="zh-CN" sz="3200" b="0" i="0" u="none" strike="noStrike" kern="1200" cap="none" spc="0" normalizeH="0" baseline="0" noProof="0" dirty="0">
-                <a:ln>
-                  <a:noFill/>
-                </a:ln>
-                <a:solidFill>
-                  <a:schemeClr val="tx1"/>
-                </a:solidFill>
-                <a:effectLst/>
-                <a:uLnTx/>
-                <a:uFillTx/>
-                <a:cs typeface="+mn-cs"/>
-              </a:rPr>
-              <a:t>	</a:t>
-            </a:r>
-            <a:r>
-              <a:rPr kumimoji="0" lang="en-US" altLang="zh-CN" sz="3200" b="0" i="0" u="none" strike="noStrike" kern="1200" cap="none" spc="0" normalizeH="0" baseline="0" noProof="0" dirty="0" smtClean="0">
-                <a:ln>
-                  <a:noFill/>
-                </a:ln>
-                <a:solidFill>
-                  <a:schemeClr val="tx1"/>
-                </a:solidFill>
-                <a:effectLst/>
-                <a:uLnTx/>
-                <a:uFillTx/>
-                <a:cs typeface="+mn-cs"/>
-              </a:rPr>
-              <a:t>		  x1, y1, 		</a:t>
-            </a:r>
-            <a:r>
-              <a:rPr lang="en-US" altLang="zh-CN" noProof="0" dirty="0" smtClean="0">
-                <a:ln>
-                  <a:noFill/>
-                </a:ln>
-                <a:solidFill>
-                  <a:schemeClr val="tx2"/>
-                </a:solidFill>
-                <a:effectLst/>
-                <a:uLnTx/>
-                <a:uFillTx/>
-                <a:sym typeface="+mn-ea"/>
-              </a:rPr>
-              <a:t>//</a:t>
-            </a:r>
-            <a:r>
-              <a:rPr lang="zh-CN" altLang="en-US" noProof="0" dirty="0" smtClean="0">
-                <a:ln>
-                  <a:noFill/>
-                </a:ln>
-                <a:solidFill>
-                  <a:schemeClr val="tx2"/>
-                </a:solidFill>
-                <a:effectLst/>
-                <a:uLnTx/>
-                <a:uFillTx/>
-                <a:sym typeface="+mn-ea"/>
-              </a:rPr>
-              <a:t>控制点</a:t>
-            </a:r>
             <a:endParaRPr kumimoji="0" lang="en-US" altLang="zh-CN" sz="3200" b="0" i="0" u="none" strike="noStrike" kern="1200" cap="none" spc="0" normalizeH="0" baseline="0" noProof="0" dirty="0" smtClean="0">
               <a:ln>
                 <a:noFill/>
@@ -10238,7 +10337,7 @@
               <a:defRPr/>
             </a:pPr>
             <a:r>
-              <a:rPr kumimoji="0" lang="en-US" altLang="zh-CN" sz="3200" b="0" i="0" u="none" strike="noStrike" kern="1200" cap="none" spc="0" normalizeH="0" baseline="0" noProof="0" dirty="0">
+              <a:rPr kumimoji="0" lang="en-US" altLang="zh-CN" sz="3200" b="0" i="0" u="none" strike="noStrike" kern="1200" cap="none" spc="0" normalizeH="0" baseline="0" noProof="0" dirty="0" err="1" smtClean="0">
                 <a:ln>
                   <a:noFill/>
                 </a:ln>
@@ -10250,7 +10349,7 @@
                 <a:uFillTx/>
                 <a:cs typeface="+mn-cs"/>
               </a:rPr>
-              <a:t>	</a:t>
+              <a:t>context.bezierCurveTo</a:t>
             </a:r>
             <a:r>
               <a:rPr kumimoji="0" lang="en-US" altLang="zh-CN" sz="3200" b="0" i="0" u="none" strike="noStrike" kern="1200" cap="none" spc="0" normalizeH="0" baseline="0" noProof="0" dirty="0" smtClean="0">
@@ -10265,37 +10364,7 @@
                 <a:uFillTx/>
                 <a:cs typeface="+mn-cs"/>
               </a:rPr>
-              <a:t>		  x2, y2, 		</a:t>
-            </a:r>
-            <a:r>
-              <a:rPr lang="en-US" altLang="zh-CN" noProof="0" dirty="0" smtClean="0">
-                <a:ln>
-                  <a:noFill/>
-                </a:ln>
-                <a:solidFill>
-                  <a:schemeClr val="tx2"/>
-                </a:solidFill>
-                <a:effectLst/>
-                <a:uLnTx/>
-                <a:uFillTx/>
-                <a:sym typeface="+mn-ea"/>
-              </a:rPr>
-              <a:t>//</a:t>
-            </a:r>
-            <a:r>
-              <a:rPr lang="zh-CN" altLang="en-US" noProof="0" dirty="0" smtClean="0">
-                <a:ln>
-                  <a:noFill/>
-                </a:ln>
-                <a:solidFill>
-                  <a:schemeClr val="tx2"/>
-                </a:solidFill>
-                <a:effectLst/>
-                <a:uLnTx/>
-                <a:uFillTx/>
-                <a:sym typeface="+mn-ea"/>
-              </a:rPr>
-              <a:t>控制点</a:t>
+              <a:t>( </a:t>
             </a:r>
             <a:endParaRPr kumimoji="0" lang="en-US" altLang="zh-CN" sz="3200" b="0" i="0" u="none" strike="noStrike" kern="1200" cap="none" spc="0" normalizeH="0" baseline="0" noProof="0" dirty="0" smtClean="0">
               <a:ln>
@@ -10340,7 +10409,7 @@
                 <a:uFillTx/>
                 <a:cs typeface="+mn-cs"/>
               </a:rPr>
-              <a:t> </a:t>
+              <a:t>	</a:t>
             </a:r>
             <a:r>
               <a:rPr kumimoji="0" lang="en-US" altLang="zh-CN" sz="3200" b="0" i="0" u="none" strike="noStrike" kern="1200" cap="none" spc="0" normalizeH="0" baseline="0" noProof="0" dirty="0" smtClean="0">
@@ -10355,7 +10424,7 @@
                 <a:uFillTx/>
                 <a:cs typeface="+mn-cs"/>
               </a:rPr>
-              <a:t>                        x3, y3  );	</a:t>
+              <a:t>		  x1, y1, 		</a:t>
             </a:r>
             <a:r>
               <a:rPr lang="en-US" altLang="zh-CN" noProof="0" dirty="0" smtClean="0">
@@ -10385,7 +10454,7 @@
                 <a:uFillTx/>
                 <a:sym typeface="+mn-ea"/>
               </a:rPr>
-              <a:t>结束点</a:t>
+              <a:t>控制点</a:t>
             </a:r>
             <a:endParaRPr kumimoji="0" lang="en-US" altLang="zh-CN" sz="3200" b="0" i="0" u="none" strike="noStrike" kern="1200" cap="none" spc="0" normalizeH="0" baseline="0" noProof="0" dirty="0" smtClean="0">
               <a:ln>
@@ -10418,6 +10487,186 @@
               <a:defRPr/>
             </a:pPr>
             <a:r>
+              <a:rPr kumimoji="0" lang="en-US" altLang="zh-CN" sz="3200" b="0" i="0" u="none" strike="noStrike" kern="1200" cap="none" spc="0" normalizeH="0" baseline="0" noProof="0" dirty="0">
+                <a:ln>
+                  <a:noFill/>
+                </a:ln>
+                <a:solidFill>
+                  <a:schemeClr val="tx1"/>
+                </a:solidFill>
+                <a:effectLst/>
+                <a:uLnTx/>
+                <a:uFillTx/>
+                <a:cs typeface="+mn-cs"/>
+              </a:rPr>
+              <a:t>	</a:t>
+            </a:r>
+            <a:r>
+              <a:rPr kumimoji="0" lang="en-US" altLang="zh-CN" sz="3200" b="0" i="0" u="none" strike="noStrike" kern="1200" cap="none" spc="0" normalizeH="0" baseline="0" noProof="0" dirty="0" smtClean="0">
+                <a:ln>
+                  <a:noFill/>
+                </a:ln>
+                <a:solidFill>
+                  <a:schemeClr val="tx1"/>
+                </a:solidFill>
+                <a:effectLst/>
+                <a:uLnTx/>
+                <a:uFillTx/>
+                <a:cs typeface="+mn-cs"/>
+              </a:rPr>
+              <a:t>		  x2, y2, 		</a:t>
+            </a:r>
+            <a:r>
+              <a:rPr lang="en-US" altLang="zh-CN" noProof="0" dirty="0" smtClean="0">
+                <a:ln>
+                  <a:noFill/>
+                </a:ln>
+                <a:solidFill>
+                  <a:schemeClr val="tx2"/>
+                </a:solidFill>
+                <a:effectLst/>
+                <a:uLnTx/>
+                <a:uFillTx/>
+                <a:sym typeface="+mn-ea"/>
+              </a:rPr>
+              <a:t>//</a:t>
+            </a:r>
+            <a:r>
+              <a:rPr lang="zh-CN" altLang="en-US" noProof="0" dirty="0" smtClean="0">
+                <a:ln>
+                  <a:noFill/>
+                </a:ln>
+                <a:solidFill>
+                  <a:schemeClr val="tx2"/>
+                </a:solidFill>
+                <a:effectLst/>
+                <a:uLnTx/>
+                <a:uFillTx/>
+                <a:sym typeface="+mn-ea"/>
+              </a:rPr>
+              <a:t>控制点</a:t>
+            </a:r>
+            <a:endParaRPr kumimoji="0" lang="en-US" altLang="zh-CN" sz="3200" b="0" i="0" u="none" strike="noStrike" kern="1200" cap="none" spc="0" normalizeH="0" baseline="0" noProof="0" dirty="0" smtClean="0">
+              <a:ln>
+                <a:noFill/>
+              </a:ln>
+              <a:solidFill>
+                <a:schemeClr val="tx1"/>
+              </a:solidFill>
+              <a:effectLst/>
+              <a:uLnTx/>
+              <a:uFillTx/>
+              <a:cs typeface="+mn-cs"/>
+            </a:endParaRPr>
+          </a:p>
+          <a:p>
+            <a:pPr marL="0" marR="0" lvl="0" indent="0" algn="l" defTabSz="914400" rtl="0" eaLnBrk="0" fontAlgn="base" latinLnBrk="0" hangingPunct="0">
+              <a:lnSpc>
+                <a:spcPct val="100000"/>
+              </a:lnSpc>
+              <a:spcBef>
+                <a:spcPct val="20000"/>
+              </a:spcBef>
+              <a:spcAft>
+                <a:spcPct val="0"/>
+              </a:spcAft>
+              <a:buClrTx/>
+              <a:buSzTx/>
+              <a:buFont typeface="Arial" panose="020B0604020202020204" pitchFamily="34" charset="0"/>
+              <a:buNone/>
+              <a:defRPr/>
+            </a:pPr>
+            <a:r>
+              <a:rPr kumimoji="0" lang="en-US" altLang="zh-CN" sz="3200" b="0" i="0" u="none" strike="noStrike" kern="1200" cap="none" spc="0" normalizeH="0" baseline="0" noProof="0" dirty="0">
+                <a:ln>
+                  <a:noFill/>
+                </a:ln>
+                <a:solidFill>
+                  <a:schemeClr val="tx1"/>
+                </a:solidFill>
+                <a:effectLst/>
+                <a:uLnTx/>
+                <a:uFillTx/>
+                <a:cs typeface="+mn-cs"/>
+              </a:rPr>
+              <a:t> </a:t>
+            </a:r>
+            <a:r>
+              <a:rPr kumimoji="0" lang="en-US" altLang="zh-CN" sz="3200" b="0" i="0" u="none" strike="noStrike" kern="1200" cap="none" spc="0" normalizeH="0" baseline="0" noProof="0" dirty="0" smtClean="0">
+                <a:ln>
+                  <a:noFill/>
+                </a:ln>
+                <a:solidFill>
+                  <a:schemeClr val="tx1"/>
+                </a:solidFill>
+                <a:effectLst/>
+                <a:uLnTx/>
+                <a:uFillTx/>
+                <a:cs typeface="+mn-cs"/>
+              </a:rPr>
+              <a:t>                        x3, y3  );	</a:t>
+            </a:r>
+            <a:r>
+              <a:rPr lang="en-US" altLang="zh-CN" noProof="0" dirty="0" smtClean="0">
+                <a:ln>
+                  <a:noFill/>
+                </a:ln>
+                <a:solidFill>
+                  <a:schemeClr val="tx2"/>
+                </a:solidFill>
+                <a:effectLst/>
+                <a:uLnTx/>
+                <a:uFillTx/>
+                <a:sym typeface="+mn-ea"/>
+              </a:rPr>
+              <a:t>//</a:t>
+            </a:r>
+            <a:r>
+              <a:rPr lang="zh-CN" altLang="en-US" noProof="0" dirty="0" smtClean="0">
+                <a:ln>
+                  <a:noFill/>
+                </a:ln>
+                <a:solidFill>
+                  <a:schemeClr val="tx2"/>
+                </a:solidFill>
+                <a:effectLst/>
+                <a:uLnTx/>
+                <a:uFillTx/>
+                <a:sym typeface="+mn-ea"/>
+              </a:rPr>
+              <a:t>结束点</a:t>
+            </a:r>
+            <a:endParaRPr kumimoji="0" lang="en-US" altLang="zh-CN" sz="3200" b="0" i="0" u="none" strike="noStrike" kern="1200" cap="none" spc="0" normalizeH="0" baseline="0" noProof="0" dirty="0" smtClean="0">
+              <a:ln>
+                <a:noFill/>
+              </a:ln>
+              <a:solidFill>
+                <a:schemeClr val="tx1"/>
+              </a:solidFill>
+              <a:effectLst/>
+              <a:uLnTx/>
+              <a:uFillTx/>
+              <a:cs typeface="+mn-cs"/>
+            </a:endParaRPr>
+          </a:p>
+          <a:p>
+            <a:pPr marL="0" marR="0" lvl="0" indent="0" algn="l" defTabSz="914400" rtl="0" eaLnBrk="0" fontAlgn="base" latinLnBrk="0" hangingPunct="0">
+              <a:lnSpc>
+                <a:spcPct val="100000"/>
+              </a:lnSpc>
+              <a:spcBef>
+                <a:spcPct val="20000"/>
+              </a:spcBef>
+              <a:spcAft>
+                <a:spcPct val="0"/>
+              </a:spcAft>
+              <a:buClrTx/>
+              <a:buSzTx/>
+              <a:buFont typeface="Arial" panose="020B0604020202020204" pitchFamily="34" charset="0"/>
+              <a:buNone/>
+              <a:defRPr/>
+            </a:pPr>
+            <a:r>
               <a:rPr kumimoji="0" lang="zh-CN" altLang="en-US" sz="3200" b="0" i="0" u="none" strike="noStrike" kern="1200" cap="none" spc="0" normalizeH="0" baseline="0" noProof="0" dirty="0" smtClean="0">
                 <a:ln>
                   <a:noFill/>
@@ -10447,6 +10696,18 @@
               </a:rPr>
               <a:t>http://tinyurl.com/html5bezier</a:t>
             </a:r>
+            <a:endParaRPr kumimoji="0" lang="en-US" altLang="zh-CN" sz="3200" b="0" i="0" u="none" strike="noStrike" kern="1200" cap="none" spc="0" normalizeH="0" baseline="0" noProof="0" dirty="0" smtClean="0">
+              <a:ln>
+                <a:noFill/>
+              </a:ln>
+              <a:solidFill>
+                <a:schemeClr val="tx1"/>
+              </a:solidFill>
+              <a:effectLst/>
+              <a:uLnTx/>
+              <a:uFillTx/>
+              <a:cs typeface="+mn-cs"/>
+            </a:endParaRPr>
           </a:p>
           <a:p>
             <a:pPr marL="0" marR="0" lvl="0" indent="0" algn="l" defTabSz="914400" rtl="0" eaLnBrk="0" fontAlgn="base" latinLnBrk="0" hangingPunct="0">
@@ -10821,9 +11082,218 @@
   <p:timing>
     <p:tnLst>
       <p:par>
-        <p:cTn xmlns:p14="http://schemas.microsoft.com/office/powerpoint/2010/main" id="1" dur="indefinite" restart="never" nodeType="tmRoot"/>
+        <p:cTn id="1" dur="indefinite" restart="never" nodeType="tmRoot">
+          <p:childTnLst>
+            <p:seq concurrent="1" nextAc="seek">
+              <p:cTn id="2" dur="indefinite" nodeType="mainSeq">
+                <p:childTnLst>
+                  <p:par>
+                    <p:cTn id="3" fill="hold">
+                      <p:stCondLst>
+                        <p:cond delay="indefinite"/>
+                      </p:stCondLst>
+                      <p:childTnLst>
+                        <p:par>
+                          <p:cTn id="4" fill="hold">
+                            <p:stCondLst>
+                              <p:cond delay="0"/>
+                            </p:stCondLst>
+                            <p:childTnLst>
+                              <p:par>
+                                <p:cTn id="5" presetID="2" presetClass="entr" presetSubtype="4" fill="hold" grpId="0" nodeType="clickEffect">
+                                  <p:stCondLst>
+                                    <p:cond delay="0"/>
+                                  </p:stCondLst>
+                                  <p:childTnLst>
+                                    <p:set>
+                                      <p:cBhvr>
+                                        <p:cTn id="6" dur="1" fill="hold">
+                                          <p:stCondLst>
+                                            <p:cond delay="0"/>
+                                          </p:stCondLst>
+                                        </p:cTn>
+                                        <p:tgtEl>
+                                          <p:spTgt spid="4"/>
+                                        </p:tgtEl>
+                                        <p:attrNameLst>
+                                          <p:attrName>style.visibility</p:attrName>
+                                        </p:attrNameLst>
+                                      </p:cBhvr>
+                                      <p:to>
+                                        <p:strVal val="visible"/>
+                                      </p:to>
+                                    </p:set>
+                                    <p:anim calcmode="lin" valueType="num">
+                                      <p:cBhvr additive="base">
+                                        <p:cTn id="7" dur="500" fill="hold"/>
+                                        <p:tgtEl>
+                                          <p:spTgt spid="4"/>
+                                        </p:tgtEl>
+                                        <p:attrNameLst>
+                                          <p:attrName>ppt_x</p:attrName>
+                                        </p:attrNameLst>
+                                      </p:cBhvr>
+                                      <p:tavLst>
+                                        <p:tav tm="0">
+                                          <p:val>
+                                            <p:strVal val="#ppt_x"/>
+                                          </p:val>
+                                        </p:tav>
+                                        <p:tav tm="100000">
+                                          <p:val>
+                                            <p:strVal val="#ppt_x"/>
+                                          </p:val>
+                                        </p:tav>
+                                      </p:tavLst>
+                                    </p:anim>
+                                    <p:anim calcmode="lin" valueType="num">
+                                      <p:cBhvr additive="base">
+                                        <p:cTn id="8" dur="500" fill="hold"/>
+                                        <p:tgtEl>
+                                          <p:spTgt spid="4"/>
+                                        </p:tgtEl>
+                                        <p:attrNameLst>
+                                          <p:attrName>ppt_y</p:attrName>
+                                        </p:attrNameLst>
+                                      </p:cBhvr>
+                                      <p:tavLst>
+                                        <p:tav tm="0">
+                                          <p:val>
+                                            <p:strVal val="1+#ppt_h/2"/>
+                                          </p:val>
+                                        </p:tav>
+                                        <p:tav tm="100000">
+                                          <p:val>
+                                            <p:strVal val="#ppt_y"/>
+                                          </p:val>
+                                        </p:tav>
+                                      </p:tavLst>
+                                    </p:anim>
+                                  </p:childTnLst>
+                                </p:cTn>
+                              </p:par>
+                            </p:childTnLst>
+                          </p:cTn>
+                        </p:par>
+                      </p:childTnLst>
+                    </p:cTn>
+                  </p:par>
+                  <p:par>
+                    <p:cTn id="9" fill="hold">
+                      <p:stCondLst>
+                        <p:cond delay="indefinite"/>
+                      </p:stCondLst>
+                      <p:childTnLst>
+                        <p:par>
+                          <p:cTn id="10" fill="hold">
+                            <p:stCondLst>
+                              <p:cond delay="0"/>
+                            </p:stCondLst>
+                            <p:childTnLst>
+                              <p:par>
+                                <p:cTn id="11" presetID="2" presetClass="entr" presetSubtype="4" fill="hold" grpId="0" nodeType="clickEffect">
+                                  <p:stCondLst>
+                                    <p:cond delay="0"/>
+                                  </p:stCondLst>
+                                  <p:childTnLst>
+                                    <p:set>
+                                      <p:cBhvr>
+                                        <p:cTn id="12" dur="1" fill="hold">
+                                          <p:stCondLst>
+                                            <p:cond delay="0"/>
+                                          </p:stCondLst>
+                                        </p:cTn>
+                                        <p:tgtEl>
+                                          <p:spTgt spid="16"/>
+                                        </p:tgtEl>
+                                        <p:attrNameLst>
+                                          <p:attrName>style.visibility</p:attrName>
+                                        </p:attrNameLst>
+                                      </p:cBhvr>
+                                      <p:to>
+                                        <p:strVal val="visible"/>
+                                      </p:to>
+                                    </p:set>
+                                    <p:anim calcmode="lin" valueType="num">
+                                      <p:cBhvr additive="base">
+                                        <p:cTn id="13" dur="500" fill="hold"/>
+                                        <p:tgtEl>
+                                          <p:spTgt spid="16"/>
+                                        </p:tgtEl>
+                                        <p:attrNameLst>
+                                          <p:attrName>ppt_x</p:attrName>
+                                        </p:attrNameLst>
+                                      </p:cBhvr>
+                                      <p:tavLst>
+                                        <p:tav tm="0">
+                                          <p:val>
+                                            <p:strVal val="#ppt_x"/>
+                                          </p:val>
+                                        </p:tav>
+                                        <p:tav tm="100000">
+                                          <p:val>
+                                            <p:strVal val="#ppt_x"/>
+                                          </p:val>
+                                        </p:tav>
+                                      </p:tavLst>
+                                    </p:anim>
+                                    <p:anim calcmode="lin" valueType="num">
+                                      <p:cBhvr additive="base">
+                                        <p:cTn id="14" dur="500" fill="hold"/>
+                                        <p:tgtEl>
+                                          <p:spTgt spid="16"/>
+                                        </p:tgtEl>
+                                        <p:attrNameLst>
+                                          <p:attrName>ppt_y</p:attrName>
+                                        </p:attrNameLst>
+                                      </p:cBhvr>
+                                      <p:tavLst>
+                                        <p:tav tm="0">
+                                          <p:val>
+                                            <p:strVal val="1+#ppt_h/2"/>
+                                          </p:val>
+                                        </p:tav>
+                                        <p:tav tm="100000">
+                                          <p:val>
+                                            <p:strVal val="#ppt_y"/>
+                                          </p:val>
+                                        </p:tav>
+                                      </p:tavLst>
+                                    </p:anim>
+                                  </p:childTnLst>
+                                </p:cTn>
+                              </p:par>
+                            </p:childTnLst>
+                          </p:cTn>
+                        </p:par>
+                      </p:childTnLst>
+                    </p:cTn>
+                  </p:par>
+                </p:childTnLst>
+              </p:cTn>
+              <p:prevCondLst>
+                <p:cond evt="onPrev" delay="0">
+                  <p:tgtEl>
+                    <p:sldTgt/>
+                  </p:tgtEl>
+                </p:cond>
+              </p:prevCondLst>
+              <p:nextCondLst>
+                <p:cond evt="onNext" delay="0">
+                  <p:tgtEl>
+                    <p:sldTgt/>
+                  </p:tgtEl>
+                </p:cond>
+              </p:nextCondLst>
+            </p:seq>
+          </p:childTnLst>
+        </p:cTn>
       </p:par>
     </p:tnLst>
+    <p:bldLst>
+      <p:bldP spid="4" grpId="0"/>
+      <p:bldP spid="16" grpId="0"/>
+    </p:bldLst>
   </p:timing>
 </p:sld>
 </file>
@@ -11048,6 +11518,7 @@
               <a:rPr lang="zh-CN" dirty="0" smtClean="0"/>
               <a:t>内容刚要</a:t>
             </a:r>
+            <a:endParaRPr lang="zh-CN" dirty="0" smtClean="0"/>
           </a:p>
         </p:txBody>
       </p:sp>
@@ -11077,15 +11548,6 @@
             <a:prstDash val="sysDot"/>
             <a:round/>
           </a:ln>
-          <a:extLst>
-            <a:ext uri="{909E8E84-426E-40dd-AFC4-6F175D3DCCD1}">
-              <a14:hiddenFill xmlns:a14="http://schemas.microsoft.com/office/drawing/2010/main">
-                <a:solidFill>
-                  <a:srgbClr val="FFFFFF"/>
-                </a:solidFill>
-              </a14:hiddenFill>
-            </a:ext>
-          </a:extLst>
         </p:spPr>
         <p:txBody>
           <a:bodyPr wrap="none" anchor="ctr"/>
@@ -11229,6 +11691,11 @@
               </a:rPr>
               <a:t>路径绘制</a:t>
             </a:r>
+            <a:endParaRPr lang="zh-CN" altLang="en-US" sz="2800" b="1">
+              <a:solidFill>
+                <a:schemeClr val="tx1"/>
+              </a:solidFill>
+            </a:endParaRPr>
           </a:p>
           <a:p>
             <a:pPr algn="l">
@@ -11263,6 +11730,11 @@
               </a:rPr>
               <a:t>基本形状</a:t>
             </a:r>
+            <a:endParaRPr lang="zh-CN" altLang="en-US" sz="2800" b="1">
+              <a:solidFill>
+                <a:schemeClr val="accent3"/>
+              </a:solidFill>
+            </a:endParaRPr>
           </a:p>
           <a:p>
             <a:pPr algn="l">
@@ -11313,7 +11785,7 @@
   <p:timing>
     <p:tnLst>
       <p:par>
-        <p:cTn xmlns:p14="http://schemas.microsoft.com/office/powerpoint/2010/main" id="1" dur="indefinite" restart="never" nodeType="tmRoot"/>
+        <p:cTn id="1" dur="indefinite" restart="never" nodeType="tmRoot"/>
       </p:par>
     </p:tnLst>
   </p:timing>
@@ -11398,6 +11870,14 @@
               </a:rPr>
               <a:t>绘制矩形相关</a:t>
             </a:r>
+            <a:endParaRPr lang="zh-CN" altLang="en-US" sz="2800" noProof="1">
+              <a:solidFill>
+                <a:schemeClr val="tx1"/>
+              </a:solidFill>
+              <a:latin typeface="微软雅黑" panose="020B0503020204020204" pitchFamily="34" charset="-122"/>
+              <a:ea typeface="微软雅黑" panose="020B0503020204020204" pitchFamily="34" charset="-122"/>
+              <a:sym typeface="+mn-ea"/>
+            </a:endParaRPr>
           </a:p>
           <a:p>
             <a:pPr>
@@ -11471,6 +11951,12 @@
               </a:rPr>
               <a:t>手动绘制的区别在于能够控制绘图的方向（对填充的影响）</a:t>
             </a:r>
+            <a:endParaRPr lang="zh-CN" altLang="en-US" sz="2800">
+              <a:solidFill>
+                <a:schemeClr val="tx1"/>
+              </a:solidFill>
+              <a:sym typeface="+mn-ea"/>
+            </a:endParaRPr>
           </a:p>
           <a:p>
             <a:pPr>
@@ -11544,12 +12030,22 @@
               </a:rPr>
               <a:t>（）</a:t>
             </a:r>
-            <a:endParaRPr lang="en-US" altLang="zh-CN" noProof="1">
+            <a:r>
+              <a:rPr lang="en-US" altLang="zh-CN" sz="2800">
+                <a:solidFill>
+                  <a:schemeClr val="tx1"/>
+                </a:solidFill>
+                <a:sym typeface="+mn-ea"/>
+              </a:rPr>
+              <a:t>)</a:t>
+            </a:r>
+            <a:endParaRPr lang="en-US" altLang="zh-CN" sz="2800" noProof="1">
               <a:solidFill>
                 <a:schemeClr val="tx1"/>
               </a:solidFill>
               <a:latin typeface="微软雅黑" panose="020B0503020204020204" pitchFamily="34" charset="-122"/>
               <a:ea typeface="微软雅黑" panose="020B0503020204020204" pitchFamily="34" charset="-122"/>
+              <a:sym typeface="+mn-ea"/>
             </a:endParaRPr>
           </a:p>
         </p:txBody>
@@ -11582,6 +12078,7 @@
               <a:rPr kumimoji="0" lang="zh-CN" altLang="en-US" dirty="0"/>
               <a:t>绘制基本形状</a:t>
             </a:r>
+            <a:endParaRPr kumimoji="0" lang="zh-CN" altLang="en-US" dirty="0"/>
           </a:p>
         </p:txBody>
       </p:sp>
@@ -11807,6 +12304,18 @@
               </a:rPr>
               <a:t>( x , y );</a:t>
             </a:r>
+            <a:endParaRPr kumimoji="0" lang="en-US" altLang="zh-CN" sz="2400" b="0" i="0" u="none" strike="noStrike" kern="1200" cap="none" spc="0" normalizeH="0" baseline="0" noProof="0" dirty="0">
+              <a:ln>
+                <a:noFill/>
+              </a:ln>
+              <a:solidFill>
+                <a:schemeClr val="tx1"/>
+              </a:solidFill>
+              <a:effectLst/>
+              <a:uLnTx/>
+              <a:uFillTx/>
+              <a:cs typeface="+mn-cs"/>
+            </a:endParaRPr>
           </a:p>
           <a:p>
             <a:pPr marL="0" marR="0" lvl="0" indent="0" algn="l" defTabSz="914400" rtl="0" eaLnBrk="0" fontAlgn="base" latinLnBrk="0" hangingPunct="0">
@@ -11855,6 +12364,18 @@
               </a:rPr>
               <a:t>( x + width , y );</a:t>
             </a:r>
+            <a:endParaRPr kumimoji="0" lang="en-US" altLang="zh-CN" sz="2400" b="0" i="0" u="none" strike="noStrike" kern="1200" cap="none" spc="0" normalizeH="0" baseline="0" noProof="0" dirty="0">
+              <a:ln>
+                <a:noFill/>
+              </a:ln>
+              <a:solidFill>
+                <a:schemeClr val="tx1"/>
+              </a:solidFill>
+              <a:effectLst/>
+              <a:uLnTx/>
+              <a:uFillTx/>
+              <a:cs typeface="+mn-cs"/>
+            </a:endParaRPr>
           </a:p>
           <a:p>
             <a:pPr marL="0" marR="0" lvl="0" indent="0" algn="l" defTabSz="914400" rtl="0" eaLnBrk="0" fontAlgn="base" latinLnBrk="0" hangingPunct="0">
@@ -11903,6 +12424,18 @@
               </a:rPr>
               <a:t>( x + width , y + height );</a:t>
             </a:r>
+            <a:endParaRPr kumimoji="0" lang="en-US" altLang="zh-CN" sz="2400" b="0" i="0" u="none" strike="noStrike" kern="1200" cap="none" spc="0" normalizeH="0" baseline="0" noProof="0" dirty="0">
+              <a:ln>
+                <a:noFill/>
+              </a:ln>
+              <a:solidFill>
+                <a:schemeClr val="tx1"/>
+              </a:solidFill>
+              <a:effectLst/>
+              <a:uLnTx/>
+              <a:uFillTx/>
+              <a:cs typeface="+mn-cs"/>
+            </a:endParaRPr>
           </a:p>
           <a:p>
             <a:pPr marL="0" marR="0" lvl="0" indent="0" algn="l" defTabSz="914400" rtl="0" eaLnBrk="0" fontAlgn="base" latinLnBrk="0" hangingPunct="0">
@@ -11966,6 +12499,18 @@
               </a:rPr>
               <a:t>);</a:t>
             </a:r>
+            <a:endParaRPr kumimoji="0" lang="en-US" altLang="zh-CN" sz="2400" b="0" i="0" u="none" strike="noStrike" kern="1200" cap="none" spc="0" normalizeH="0" baseline="0" noProof="0" dirty="0" smtClean="0">
+              <a:ln>
+                <a:noFill/>
+              </a:ln>
+              <a:solidFill>
+                <a:schemeClr val="tx1"/>
+              </a:solidFill>
+              <a:effectLst/>
+              <a:uLnTx/>
+              <a:uFillTx/>
+              <a:cs typeface="+mn-cs"/>
+            </a:endParaRPr>
           </a:p>
           <a:p>
             <a:pPr marL="0" marR="0" lvl="0" indent="0" algn="l" defTabSz="914400" rtl="0" eaLnBrk="0" fontAlgn="base" latinLnBrk="0" hangingPunct="0">
@@ -12059,6 +12604,18 @@
               </a:rPr>
               <a:t>( x , y , width , height );</a:t>
             </a:r>
+            <a:endParaRPr kumimoji="0" lang="en-US" altLang="zh-CN" sz="2400" b="0" i="0" u="none" strike="noStrike" kern="1200" cap="none" spc="0" normalizeH="0" baseline="0" noProof="0" dirty="0" smtClean="0">
+              <a:ln>
+                <a:noFill/>
+              </a:ln>
+              <a:solidFill>
+                <a:schemeClr val="tx1"/>
+              </a:solidFill>
+              <a:effectLst/>
+              <a:uLnTx/>
+              <a:uFillTx/>
+              <a:cs typeface="+mn-cs"/>
+            </a:endParaRPr>
           </a:p>
           <a:p>
             <a:pPr marL="0" marR="0" lvl="0" indent="0" algn="l" defTabSz="914400" rtl="0" eaLnBrk="0" fontAlgn="base" latinLnBrk="0" hangingPunct="0">
@@ -12225,9 +12782,603 @@
   <p:timing>
     <p:tnLst>
       <p:par>
-        <p:cTn xmlns:p14="http://schemas.microsoft.com/office/powerpoint/2010/main" id="1" dur="indefinite" restart="never" nodeType="tmRoot"/>
+        <p:cTn id="1" dur="indefinite" restart="never" nodeType="tmRoot">
+          <p:childTnLst>
+            <p:seq concurrent="1" nextAc="seek">
+              <p:cTn id="2" dur="indefinite" nodeType="mainSeq">
+                <p:childTnLst>
+                  <p:par>
+                    <p:cTn id="3" fill="hold">
+                      <p:stCondLst>
+                        <p:cond delay="indefinite"/>
+                      </p:stCondLst>
+                      <p:childTnLst>
+                        <p:par>
+                          <p:cTn id="4" fill="hold">
+                            <p:stCondLst>
+                              <p:cond delay="0"/>
+                            </p:stCondLst>
+                            <p:childTnLst>
+                              <p:par>
+                                <p:cTn id="5" presetID="2" presetClass="entr" presetSubtype="4" fill="hold" grpId="1" nodeType="clickEffect">
+                                  <p:stCondLst>
+                                    <p:cond delay="0"/>
+                                  </p:stCondLst>
+                                  <p:childTnLst>
+                                    <p:set>
+                                      <p:cBhvr>
+                                        <p:cTn id="6" dur="1" fill="hold">
+                                          <p:stCondLst>
+                                            <p:cond delay="0"/>
+                                          </p:stCondLst>
+                                        </p:cTn>
+                                        <p:tgtEl>
+                                          <p:spTgt spid="5122">
+                                            <p:txEl>
+                                              <p:pRg st="0" end="0"/>
+                                            </p:txEl>
+                                          </p:spTgt>
+                                        </p:tgtEl>
+                                        <p:attrNameLst>
+                                          <p:attrName>style.visibility</p:attrName>
+                                        </p:attrNameLst>
+                                      </p:cBhvr>
+                                      <p:to>
+                                        <p:strVal val="visible"/>
+                                      </p:to>
+                                    </p:set>
+                                    <p:anim calcmode="lin" valueType="num">
+                                      <p:cBhvr additive="base">
+                                        <p:cTn id="7" dur="500" fill="hold"/>
+                                        <p:tgtEl>
+                                          <p:spTgt spid="5122">
+                                            <p:txEl>
+                                              <p:pRg st="0" end="0"/>
+                                            </p:txEl>
+                                          </p:spTgt>
+                                        </p:tgtEl>
+                                        <p:attrNameLst>
+                                          <p:attrName>ppt_x</p:attrName>
+                                        </p:attrNameLst>
+                                      </p:cBhvr>
+                                      <p:tavLst>
+                                        <p:tav tm="0">
+                                          <p:val>
+                                            <p:strVal val="#ppt_x"/>
+                                          </p:val>
+                                        </p:tav>
+                                        <p:tav tm="100000">
+                                          <p:val>
+                                            <p:strVal val="#ppt_x"/>
+                                          </p:val>
+                                        </p:tav>
+                                      </p:tavLst>
+                                    </p:anim>
+                                    <p:anim calcmode="lin" valueType="num">
+                                      <p:cBhvr additive="base">
+                                        <p:cTn id="8" dur="500" fill="hold"/>
+                                        <p:tgtEl>
+                                          <p:spTgt spid="5122">
+                                            <p:txEl>
+                                              <p:pRg st="0" end="0"/>
+                                            </p:txEl>
+                                          </p:spTgt>
+                                        </p:tgtEl>
+                                        <p:attrNameLst>
+                                          <p:attrName>ppt_y</p:attrName>
+                                        </p:attrNameLst>
+                                      </p:cBhvr>
+                                      <p:tavLst>
+                                        <p:tav tm="0">
+                                          <p:val>
+                                            <p:strVal val="1+#ppt_h/2"/>
+                                          </p:val>
+                                        </p:tav>
+                                        <p:tav tm="100000">
+                                          <p:val>
+                                            <p:strVal val="#ppt_y"/>
+                                          </p:val>
+                                        </p:tav>
+                                      </p:tavLst>
+                                    </p:anim>
+                                  </p:childTnLst>
+                                </p:cTn>
+                              </p:par>
+                            </p:childTnLst>
+                          </p:cTn>
+                        </p:par>
+                        <p:par>
+                          <p:cTn id="9" fill="hold">
+                            <p:stCondLst>
+                              <p:cond delay="500"/>
+                            </p:stCondLst>
+                            <p:childTnLst>
+                              <p:par>
+                                <p:cTn id="10" presetID="2" presetClass="entr" presetSubtype="4" fill="hold" grpId="0" nodeType="afterEffect">
+                                  <p:stCondLst>
+                                    <p:cond delay="0"/>
+                                  </p:stCondLst>
+                                  <p:childTnLst>
+                                    <p:set>
+                                      <p:cBhvr>
+                                        <p:cTn id="11" dur="1" fill="hold">
+                                          <p:stCondLst>
+                                            <p:cond delay="0"/>
+                                          </p:stCondLst>
+                                        </p:cTn>
+                                        <p:tgtEl>
+                                          <p:spTgt spid="3"/>
+                                        </p:tgtEl>
+                                        <p:attrNameLst>
+                                          <p:attrName>style.visibility</p:attrName>
+                                        </p:attrNameLst>
+                                      </p:cBhvr>
+                                      <p:to>
+                                        <p:strVal val="visible"/>
+                                      </p:to>
+                                    </p:set>
+                                    <p:anim calcmode="lin" valueType="num">
+                                      <p:cBhvr additive="base">
+                                        <p:cTn id="12" dur="500" fill="hold"/>
+                                        <p:tgtEl>
+                                          <p:spTgt spid="3"/>
+                                        </p:tgtEl>
+                                        <p:attrNameLst>
+                                          <p:attrName>ppt_x</p:attrName>
+                                        </p:attrNameLst>
+                                      </p:cBhvr>
+                                      <p:tavLst>
+                                        <p:tav tm="0">
+                                          <p:val>
+                                            <p:strVal val="#ppt_x"/>
+                                          </p:val>
+                                        </p:tav>
+                                        <p:tav tm="100000">
+                                          <p:val>
+                                            <p:strVal val="#ppt_x"/>
+                                          </p:val>
+                                        </p:tav>
+                                      </p:tavLst>
+                                    </p:anim>
+                                    <p:anim calcmode="lin" valueType="num">
+                                      <p:cBhvr additive="base">
+                                        <p:cTn id="13" dur="500" fill="hold"/>
+                                        <p:tgtEl>
+                                          <p:spTgt spid="3"/>
+                                        </p:tgtEl>
+                                        <p:attrNameLst>
+                                          <p:attrName>ppt_y</p:attrName>
+                                        </p:attrNameLst>
+                                      </p:cBhvr>
+                                      <p:tavLst>
+                                        <p:tav tm="0">
+                                          <p:val>
+                                            <p:strVal val="1+#ppt_h/2"/>
+                                          </p:val>
+                                        </p:tav>
+                                        <p:tav tm="100000">
+                                          <p:val>
+                                            <p:strVal val="#ppt_y"/>
+                                          </p:val>
+                                        </p:tav>
+                                      </p:tavLst>
+                                    </p:anim>
+                                  </p:childTnLst>
+                                </p:cTn>
+                              </p:par>
+                            </p:childTnLst>
+                          </p:cTn>
+                        </p:par>
+                        <p:par>
+                          <p:cTn id="14" fill="hold">
+                            <p:stCondLst>
+                              <p:cond delay="1000"/>
+                            </p:stCondLst>
+                            <p:childTnLst>
+                              <p:par>
+                                <p:cTn id="15" presetID="2" presetClass="entr" presetSubtype="4" fill="hold" grpId="0" nodeType="afterEffect">
+                                  <p:stCondLst>
+                                    <p:cond delay="0"/>
+                                  </p:stCondLst>
+                                  <p:childTnLst>
+                                    <p:set>
+                                      <p:cBhvr>
+                                        <p:cTn id="16" dur="1" fill="hold">
+                                          <p:stCondLst>
+                                            <p:cond delay="0"/>
+                                          </p:stCondLst>
+                                        </p:cTn>
+                                        <p:tgtEl>
+                                          <p:spTgt spid="4"/>
+                                        </p:tgtEl>
+                                        <p:attrNameLst>
+                                          <p:attrName>style.visibility</p:attrName>
+                                        </p:attrNameLst>
+                                      </p:cBhvr>
+                                      <p:to>
+                                        <p:strVal val="visible"/>
+                                      </p:to>
+                                    </p:set>
+                                    <p:anim calcmode="lin" valueType="num">
+                                      <p:cBhvr additive="base">
+                                        <p:cTn id="17" dur="500" fill="hold"/>
+                                        <p:tgtEl>
+                                          <p:spTgt spid="4"/>
+                                        </p:tgtEl>
+                                        <p:attrNameLst>
+                                          <p:attrName>ppt_x</p:attrName>
+                                        </p:attrNameLst>
+                                      </p:cBhvr>
+                                      <p:tavLst>
+                                        <p:tav tm="0">
+                                          <p:val>
+                                            <p:strVal val="#ppt_x"/>
+                                          </p:val>
+                                        </p:tav>
+                                        <p:tav tm="100000">
+                                          <p:val>
+                                            <p:strVal val="#ppt_x"/>
+                                          </p:val>
+                                        </p:tav>
+                                      </p:tavLst>
+                                    </p:anim>
+                                    <p:anim calcmode="lin" valueType="num">
+                                      <p:cBhvr additive="base">
+                                        <p:cTn id="18" dur="500" fill="hold"/>
+                                        <p:tgtEl>
+                                          <p:spTgt spid="4"/>
+                                        </p:tgtEl>
+                                        <p:attrNameLst>
+                                          <p:attrName>ppt_y</p:attrName>
+                                        </p:attrNameLst>
+                                      </p:cBhvr>
+                                      <p:tavLst>
+                                        <p:tav tm="0">
+                                          <p:val>
+                                            <p:strVal val="1+#ppt_h/2"/>
+                                          </p:val>
+                                        </p:tav>
+                                        <p:tav tm="100000">
+                                          <p:val>
+                                            <p:strVal val="#ppt_y"/>
+                                          </p:val>
+                                        </p:tav>
+                                      </p:tavLst>
+                                    </p:anim>
+                                  </p:childTnLst>
+                                </p:cTn>
+                              </p:par>
+                            </p:childTnLst>
+                          </p:cTn>
+                        </p:par>
+                      </p:childTnLst>
+                    </p:cTn>
+                  </p:par>
+                  <p:par>
+                    <p:cTn id="19" fill="hold">
+                      <p:stCondLst>
+                        <p:cond delay="indefinite"/>
+                      </p:stCondLst>
+                      <p:childTnLst>
+                        <p:par>
+                          <p:cTn id="20" fill="hold">
+                            <p:stCondLst>
+                              <p:cond delay="0"/>
+                            </p:stCondLst>
+                            <p:childTnLst>
+                              <p:par>
+                                <p:cTn id="21" presetID="2" presetClass="entr" presetSubtype="4" fill="hold" nodeType="clickEffect">
+                                  <p:stCondLst>
+                                    <p:cond delay="0"/>
+                                  </p:stCondLst>
+                                  <p:childTnLst>
+                                    <p:set>
+                                      <p:cBhvr>
+                                        <p:cTn id="22" dur="1" fill="hold">
+                                          <p:stCondLst>
+                                            <p:cond delay="0"/>
+                                          </p:stCondLst>
+                                        </p:cTn>
+                                        <p:tgtEl>
+                                          <p:spTgt spid="5122">
+                                            <p:txEl>
+                                              <p:pRg st="4" end="4"/>
+                                            </p:txEl>
+                                          </p:spTgt>
+                                        </p:tgtEl>
+                                        <p:attrNameLst>
+                                          <p:attrName>style.visibility</p:attrName>
+                                        </p:attrNameLst>
+                                      </p:cBhvr>
+                                      <p:to>
+                                        <p:strVal val="visible"/>
+                                      </p:to>
+                                    </p:set>
+                                    <p:anim calcmode="lin" valueType="num">
+                                      <p:cBhvr additive="base">
+                                        <p:cTn id="23" dur="500" fill="hold"/>
+                                        <p:tgtEl>
+                                          <p:spTgt spid="5122">
+                                            <p:txEl>
+                                              <p:pRg st="4" end="4"/>
+                                            </p:txEl>
+                                          </p:spTgt>
+                                        </p:tgtEl>
+                                        <p:attrNameLst>
+                                          <p:attrName>ppt_x</p:attrName>
+                                        </p:attrNameLst>
+                                      </p:cBhvr>
+                                      <p:tavLst>
+                                        <p:tav tm="0">
+                                          <p:val>
+                                            <p:strVal val="#ppt_x"/>
+                                          </p:val>
+                                        </p:tav>
+                                        <p:tav tm="100000">
+                                          <p:val>
+                                            <p:strVal val="#ppt_x"/>
+                                          </p:val>
+                                        </p:tav>
+                                      </p:tavLst>
+                                    </p:anim>
+                                    <p:anim calcmode="lin" valueType="num">
+                                      <p:cBhvr additive="base">
+                                        <p:cTn id="24" dur="500" fill="hold"/>
+                                        <p:tgtEl>
+                                          <p:spTgt spid="5122">
+                                            <p:txEl>
+                                              <p:pRg st="4" end="4"/>
+                                            </p:txEl>
+                                          </p:spTgt>
+                                        </p:tgtEl>
+                                        <p:attrNameLst>
+                                          <p:attrName>ppt_y</p:attrName>
+                                        </p:attrNameLst>
+                                      </p:cBhvr>
+                                      <p:tavLst>
+                                        <p:tav tm="0">
+                                          <p:val>
+                                            <p:strVal val="1+#ppt_h/2"/>
+                                          </p:val>
+                                        </p:tav>
+                                        <p:tav tm="100000">
+                                          <p:val>
+                                            <p:strVal val="#ppt_y"/>
+                                          </p:val>
+                                        </p:tav>
+                                      </p:tavLst>
+                                    </p:anim>
+                                  </p:childTnLst>
+                                </p:cTn>
+                              </p:par>
+                            </p:childTnLst>
+                          </p:cTn>
+                        </p:par>
+                      </p:childTnLst>
+                    </p:cTn>
+                  </p:par>
+                  <p:par>
+                    <p:cTn id="25" fill="hold">
+                      <p:stCondLst>
+                        <p:cond delay="indefinite"/>
+                      </p:stCondLst>
+                      <p:childTnLst>
+                        <p:par>
+                          <p:cTn id="26" fill="hold">
+                            <p:stCondLst>
+                              <p:cond delay="0"/>
+                            </p:stCondLst>
+                            <p:childTnLst>
+                              <p:par>
+                                <p:cTn id="27" presetID="2" presetClass="entr" presetSubtype="4" fill="hold" grpId="0" nodeType="clickEffect">
+                                  <p:stCondLst>
+                                    <p:cond delay="0"/>
+                                  </p:stCondLst>
+                                  <p:childTnLst>
+                                    <p:set>
+                                      <p:cBhvr>
+                                        <p:cTn id="28" dur="1" fill="hold">
+                                          <p:stCondLst>
+                                            <p:cond delay="0"/>
+                                          </p:stCondLst>
+                                        </p:cTn>
+                                        <p:tgtEl>
+                                          <p:spTgt spid="5122">
+                                            <p:txEl>
+                                              <p:pRg st="5" end="5"/>
+                                            </p:txEl>
+                                          </p:spTgt>
+                                        </p:tgtEl>
+                                        <p:attrNameLst>
+                                          <p:attrName>style.visibility</p:attrName>
+                                        </p:attrNameLst>
+                                      </p:cBhvr>
+                                      <p:to>
+                                        <p:strVal val="visible"/>
+                                      </p:to>
+                                    </p:set>
+                                    <p:anim calcmode="lin" valueType="num">
+                                      <p:cBhvr additive="base">
+                                        <p:cTn id="29" dur="500" fill="hold"/>
+                                        <p:tgtEl>
+                                          <p:spTgt spid="5122">
+                                            <p:txEl>
+                                              <p:pRg st="5" end="5"/>
+                                            </p:txEl>
+                                          </p:spTgt>
+                                        </p:tgtEl>
+                                        <p:attrNameLst>
+                                          <p:attrName>ppt_x</p:attrName>
+                                        </p:attrNameLst>
+                                      </p:cBhvr>
+                                      <p:tavLst>
+                                        <p:tav tm="0">
+                                          <p:val>
+                                            <p:strVal val="#ppt_x"/>
+                                          </p:val>
+                                        </p:tav>
+                                        <p:tav tm="100000">
+                                          <p:val>
+                                            <p:strVal val="#ppt_x"/>
+                                          </p:val>
+                                        </p:tav>
+                                      </p:tavLst>
+                                    </p:anim>
+                                    <p:anim calcmode="lin" valueType="num">
+                                      <p:cBhvr additive="base">
+                                        <p:cTn id="30" dur="500" fill="hold"/>
+                                        <p:tgtEl>
+                                          <p:spTgt spid="5122">
+                                            <p:txEl>
+                                              <p:pRg st="5" end="5"/>
+                                            </p:txEl>
+                                          </p:spTgt>
+                                        </p:tgtEl>
+                                        <p:attrNameLst>
+                                          <p:attrName>ppt_y</p:attrName>
+                                        </p:attrNameLst>
+                                      </p:cBhvr>
+                                      <p:tavLst>
+                                        <p:tav tm="0">
+                                          <p:val>
+                                            <p:strVal val="1+#ppt_h/2"/>
+                                          </p:val>
+                                        </p:tav>
+                                        <p:tav tm="100000">
+                                          <p:val>
+                                            <p:strVal val="#ppt_y"/>
+                                          </p:val>
+                                        </p:tav>
+                                      </p:tavLst>
+                                    </p:anim>
+                                  </p:childTnLst>
+                                </p:cTn>
+                              </p:par>
+                            </p:childTnLst>
+                          </p:cTn>
+                        </p:par>
+                      </p:childTnLst>
+                    </p:cTn>
+                  </p:par>
+                  <p:par>
+                    <p:cTn id="31" fill="hold">
+                      <p:stCondLst>
+                        <p:cond delay="indefinite"/>
+                      </p:stCondLst>
+                      <p:childTnLst>
+                        <p:par>
+                          <p:cTn id="32" fill="hold">
+                            <p:stCondLst>
+                              <p:cond delay="0"/>
+                            </p:stCondLst>
+                            <p:childTnLst>
+                              <p:par>
+                                <p:cTn id="33" presetID="2" presetClass="entr" presetSubtype="4" fill="hold" grpId="0" nodeType="clickEffect">
+                                  <p:stCondLst>
+                                    <p:cond delay="0"/>
+                                  </p:stCondLst>
+                                  <p:childTnLst>
+                                    <p:set>
+                                      <p:cBhvr>
+                                        <p:cTn id="34" dur="1" fill="hold">
+                                          <p:stCondLst>
+                                            <p:cond delay="0"/>
+                                          </p:stCondLst>
+                                        </p:cTn>
+                                        <p:tgtEl>
+                                          <p:spTgt spid="16"/>
+                                        </p:tgtEl>
+                                        <p:attrNameLst>
+                                          <p:attrName>style.visibility</p:attrName>
+                                        </p:attrNameLst>
+                                      </p:cBhvr>
+                                      <p:to>
+                                        <p:strVal val="visible"/>
+                                      </p:to>
+                                    </p:set>
+                                    <p:anim calcmode="lin" valueType="num">
+                                      <p:cBhvr additive="base">
+                                        <p:cTn id="35" dur="500" fill="hold"/>
+                                        <p:tgtEl>
+                                          <p:spTgt spid="16"/>
+                                        </p:tgtEl>
+                                        <p:attrNameLst>
+                                          <p:attrName>ppt_x</p:attrName>
+                                        </p:attrNameLst>
+                                      </p:cBhvr>
+                                      <p:tavLst>
+                                        <p:tav tm="0">
+                                          <p:val>
+                                            <p:strVal val="#ppt_x"/>
+                                          </p:val>
+                                        </p:tav>
+                                        <p:tav tm="100000">
+                                          <p:val>
+                                            <p:strVal val="#ppt_x"/>
+                                          </p:val>
+                                        </p:tav>
+                                      </p:tavLst>
+                                    </p:anim>
+                                    <p:anim calcmode="lin" valueType="num">
+                                      <p:cBhvr additive="base">
+                                        <p:cTn id="36" dur="500" fill="hold"/>
+                                        <p:tgtEl>
+                                          <p:spTgt spid="16"/>
+                                        </p:tgtEl>
+                                        <p:attrNameLst>
+                                          <p:attrName>ppt_y</p:attrName>
+                                        </p:attrNameLst>
+                                      </p:cBhvr>
+                                      <p:tavLst>
+                                        <p:tav tm="0">
+                                          <p:val>
+                                            <p:strVal val="1+#ppt_h/2"/>
+                                          </p:val>
+                                        </p:tav>
+                                        <p:tav tm="100000">
+                                          <p:val>
+                                            <p:strVal val="#ppt_y"/>
+                                          </p:val>
+                                        </p:tav>
+                                      </p:tavLst>
+                                    </p:anim>
+                                  </p:childTnLst>
+                                </p:cTn>
+                              </p:par>
+                            </p:childTnLst>
+                          </p:cTn>
+                        </p:par>
+                      </p:childTnLst>
+                    </p:cTn>
+                  </p:par>
+                </p:childTnLst>
+              </p:cTn>
+              <p:prevCondLst>
+                <p:cond evt="onPrev" delay="0">
+                  <p:tgtEl>
+                    <p:sldTgt/>
+                  </p:tgtEl>
+                </p:cond>
+              </p:prevCondLst>
+              <p:nextCondLst>
+                <p:cond evt="onNext" delay="0">
+                  <p:tgtEl>
+                    <p:sldTgt/>
+                  </p:tgtEl>
+                </p:cond>
+              </p:nextCondLst>
+            </p:seq>
+          </p:childTnLst>
+        </p:cTn>
       </p:par>
     </p:tnLst>
+    <p:bldLst>
+      <p:bldP spid="3" grpId="0"/>
+      <p:bldP spid="5122" grpId="0" uiExpand="1" build="p"/>
+      <p:bldP spid="4" grpId="0" animBg="1"/>
+      <p:bldP spid="5122" grpId="1" uiExpand="1" build="p"/>
+      <p:bldP spid="16" grpId="0"/>
+    </p:bldLst>
   </p:timing>
 </p:sld>
 </file>
@@ -12310,15 +13461,6 @@
               </a:rPr>
               <a:t>绘制椭圆形相关</a:t>
             </a:r>
-            <a:r>
-              <a:rPr lang="en-US" altLang="zh-CN" sz="2800" noProof="1">
-                <a:solidFill>
-                  <a:schemeClr val="tx1"/>
-                </a:solidFill>
-                <a:sym typeface="+mn-ea"/>
-              </a:rPr>
-              <a:t/>
-            </a:r>
             <a:br>
               <a:rPr lang="en-US" altLang="zh-CN" sz="2800" noProof="1">
                 <a:solidFill>
@@ -12342,7 +13484,7 @@
                   <a:schemeClr val="tx1"/>
                 </a:solidFill>
                 <a:sym typeface="+mn-ea"/>
-                <a:hlinkClick r:id="rId2"/>
+                <a:hlinkClick r:id="rId1"/>
               </a:rPr>
               <a:t>https://developer.mozilla.org/zh-CN/docs/Web/API/CanvasRenderingContext2D/</a:t>
             </a:r>
@@ -12352,18 +13494,9 @@
                   <a:schemeClr val="tx1"/>
                 </a:solidFill>
                 <a:sym typeface="+mn-ea"/>
-                <a:hlinkClick r:id="rId2"/>
+                <a:hlinkClick r:id="rId1"/>
               </a:rPr>
               <a:t>ellipse</a:t>
-            </a:r>
-            <a:r>
-              <a:rPr lang="en-US" altLang="zh-CN" sz="1800" noProof="1">
-                <a:solidFill>
-                  <a:schemeClr val="tx1"/>
-                </a:solidFill>
-                <a:sym typeface="+mn-ea"/>
-              </a:rPr>
-              <a:t/>
             </a:r>
             <a:br>
               <a:rPr lang="en-US" altLang="zh-CN" sz="1800" noProof="1">
@@ -12477,15 +13610,6 @@
                 <a:sym typeface="+mn-ea"/>
               </a:rPr>
               <a:t>角</a:t>
-            </a:r>
-            <a:r>
-              <a:rPr lang="en-US" altLang="zh-CN" sz="1800" noProof="1" smtClean="0">
-                <a:solidFill>
-                  <a:schemeClr val="tx1"/>
-                </a:solidFill>
-                <a:sym typeface="+mn-ea"/>
-              </a:rPr>
-              <a:t/>
             </a:r>
             <a:br>
               <a:rPr lang="en-US" altLang="zh-CN" sz="1800" noProof="1" smtClean="0">
@@ -12591,6 +13715,13 @@
               </a:rPr>
               <a:t>库？</a:t>
             </a:r>
+            <a:endParaRPr lang="zh-CN" altLang="en-US" sz="2800" noProof="1">
+              <a:solidFill>
+                <a:schemeClr val="tx1"/>
+              </a:solidFill>
+              <a:latin typeface="微软雅黑" panose="020B0503020204020204" pitchFamily="34" charset="-122"/>
+              <a:ea typeface="微软雅黑" panose="020B0503020204020204" pitchFamily="34" charset="-122"/>
+            </a:endParaRPr>
           </a:p>
         </p:txBody>
       </p:sp>
@@ -12622,6 +13753,7 @@
               <a:rPr kumimoji="0" lang="zh-CN" altLang="en-US" dirty="0"/>
               <a:t>绘制基本形状</a:t>
             </a:r>
+            <a:endParaRPr kumimoji="0" lang="zh-CN" altLang="en-US" dirty="0"/>
           </a:p>
         </p:txBody>
       </p:sp>
@@ -12688,9 +13820,323 @@
   <p:timing>
     <p:tnLst>
       <p:par>
-        <p:cTn xmlns:p14="http://schemas.microsoft.com/office/powerpoint/2010/main" id="1" dur="indefinite" restart="never" nodeType="tmRoot"/>
+        <p:cTn id="1" dur="indefinite" restart="never" nodeType="tmRoot">
+          <p:childTnLst>
+            <p:seq concurrent="1" nextAc="seek">
+              <p:cTn id="2" dur="indefinite" nodeType="mainSeq">
+                <p:childTnLst>
+                  <p:par>
+                    <p:cTn id="3" fill="hold">
+                      <p:stCondLst>
+                        <p:cond delay="indefinite"/>
+                      </p:stCondLst>
+                      <p:childTnLst>
+                        <p:par>
+                          <p:cTn id="4" fill="hold">
+                            <p:stCondLst>
+                              <p:cond delay="0"/>
+                            </p:stCondLst>
+                            <p:childTnLst>
+                              <p:par>
+                                <p:cTn id="5" presetID="2" presetClass="entr" presetSubtype="4" fill="hold" nodeType="clickEffect">
+                                  <p:stCondLst>
+                                    <p:cond delay="0"/>
+                                  </p:stCondLst>
+                                  <p:childTnLst>
+                                    <p:set>
+                                      <p:cBhvr>
+                                        <p:cTn id="6" dur="1" fill="hold">
+                                          <p:stCondLst>
+                                            <p:cond delay="0"/>
+                                          </p:stCondLst>
+                                        </p:cTn>
+                                        <p:tgtEl>
+                                          <p:spTgt spid="5122">
+                                            <p:txEl>
+                                              <p:pRg st="0" end="0"/>
+                                            </p:txEl>
+                                          </p:spTgt>
+                                        </p:tgtEl>
+                                        <p:attrNameLst>
+                                          <p:attrName>style.visibility</p:attrName>
+                                        </p:attrNameLst>
+                                      </p:cBhvr>
+                                      <p:to>
+                                        <p:strVal val="visible"/>
+                                      </p:to>
+                                    </p:set>
+                                    <p:anim calcmode="lin" valueType="num">
+                                      <p:cBhvr additive="base">
+                                        <p:cTn id="7" dur="500" fill="hold"/>
+                                        <p:tgtEl>
+                                          <p:spTgt spid="5122">
+                                            <p:txEl>
+                                              <p:pRg st="0" end="0"/>
+                                            </p:txEl>
+                                          </p:spTgt>
+                                        </p:tgtEl>
+                                        <p:attrNameLst>
+                                          <p:attrName>ppt_x</p:attrName>
+                                        </p:attrNameLst>
+                                      </p:cBhvr>
+                                      <p:tavLst>
+                                        <p:tav tm="0">
+                                          <p:val>
+                                            <p:strVal val="#ppt_x"/>
+                                          </p:val>
+                                        </p:tav>
+                                        <p:tav tm="100000">
+                                          <p:val>
+                                            <p:strVal val="#ppt_x"/>
+                                          </p:val>
+                                        </p:tav>
+                                      </p:tavLst>
+                                    </p:anim>
+                                    <p:anim calcmode="lin" valueType="num">
+                                      <p:cBhvr additive="base">
+                                        <p:cTn id="8" dur="500" fill="hold"/>
+                                        <p:tgtEl>
+                                          <p:spTgt spid="5122">
+                                            <p:txEl>
+                                              <p:pRg st="0" end="0"/>
+                                            </p:txEl>
+                                          </p:spTgt>
+                                        </p:tgtEl>
+                                        <p:attrNameLst>
+                                          <p:attrName>ppt_y</p:attrName>
+                                        </p:attrNameLst>
+                                      </p:cBhvr>
+                                      <p:tavLst>
+                                        <p:tav tm="0">
+                                          <p:val>
+                                            <p:strVal val="1+#ppt_h/2"/>
+                                          </p:val>
+                                        </p:tav>
+                                        <p:tav tm="100000">
+                                          <p:val>
+                                            <p:strVal val="#ppt_y"/>
+                                          </p:val>
+                                        </p:tav>
+                                      </p:tavLst>
+                                    </p:anim>
+                                  </p:childTnLst>
+                                </p:cTn>
+                              </p:par>
+                            </p:childTnLst>
+                          </p:cTn>
+                        </p:par>
+                      </p:childTnLst>
+                    </p:cTn>
+                  </p:par>
+                  <p:par>
+                    <p:cTn id="9" fill="hold">
+                      <p:stCondLst>
+                        <p:cond delay="indefinite"/>
+                      </p:stCondLst>
+                      <p:childTnLst>
+                        <p:par>
+                          <p:cTn id="10" fill="hold">
+                            <p:stCondLst>
+                              <p:cond delay="0"/>
+                            </p:stCondLst>
+                            <p:childTnLst>
+                              <p:par>
+                                <p:cTn id="11" presetID="2" presetClass="entr" presetSubtype="4" fill="hold" nodeType="clickEffect">
+                                  <p:stCondLst>
+                                    <p:cond delay="0"/>
+                                  </p:stCondLst>
+                                  <p:childTnLst>
+                                    <p:set>
+                                      <p:cBhvr>
+                                        <p:cTn id="12" dur="1" fill="hold">
+                                          <p:stCondLst>
+                                            <p:cond delay="0"/>
+                                          </p:stCondLst>
+                                        </p:cTn>
+                                        <p:tgtEl>
+                                          <p:spTgt spid="5122">
+                                            <p:txEl>
+                                              <p:pRg st="1" end="1"/>
+                                            </p:txEl>
+                                          </p:spTgt>
+                                        </p:tgtEl>
+                                        <p:attrNameLst>
+                                          <p:attrName>style.visibility</p:attrName>
+                                        </p:attrNameLst>
+                                      </p:cBhvr>
+                                      <p:to>
+                                        <p:strVal val="visible"/>
+                                      </p:to>
+                                    </p:set>
+                                    <p:anim calcmode="lin" valueType="num">
+                                      <p:cBhvr additive="base">
+                                        <p:cTn id="13" dur="500" fill="hold"/>
+                                        <p:tgtEl>
+                                          <p:spTgt spid="5122">
+                                            <p:txEl>
+                                              <p:pRg st="1" end="1"/>
+                                            </p:txEl>
+                                          </p:spTgt>
+                                        </p:tgtEl>
+                                        <p:attrNameLst>
+                                          <p:attrName>ppt_x</p:attrName>
+                                        </p:attrNameLst>
+                                      </p:cBhvr>
+                                      <p:tavLst>
+                                        <p:tav tm="0">
+                                          <p:val>
+                                            <p:strVal val="#ppt_x"/>
+                                          </p:val>
+                                        </p:tav>
+                                        <p:tav tm="100000">
+                                          <p:val>
+                                            <p:strVal val="#ppt_x"/>
+                                          </p:val>
+                                        </p:tav>
+                                      </p:tavLst>
+                                    </p:anim>
+                                    <p:anim calcmode="lin" valueType="num">
+                                      <p:cBhvr additive="base">
+                                        <p:cTn id="14" dur="500" fill="hold"/>
+                                        <p:tgtEl>
+                                          <p:spTgt spid="5122">
+                                            <p:txEl>
+                                              <p:pRg st="1" end="1"/>
+                                            </p:txEl>
+                                          </p:spTgt>
+                                        </p:tgtEl>
+                                        <p:attrNameLst>
+                                          <p:attrName>ppt_y</p:attrName>
+                                        </p:attrNameLst>
+                                      </p:cBhvr>
+                                      <p:tavLst>
+                                        <p:tav tm="0">
+                                          <p:val>
+                                            <p:strVal val="1+#ppt_h/2"/>
+                                          </p:val>
+                                        </p:tav>
+                                        <p:tav tm="100000">
+                                          <p:val>
+                                            <p:strVal val="#ppt_y"/>
+                                          </p:val>
+                                        </p:tav>
+                                      </p:tavLst>
+                                    </p:anim>
+                                  </p:childTnLst>
+                                </p:cTn>
+                              </p:par>
+                            </p:childTnLst>
+                          </p:cTn>
+                        </p:par>
+                        <p:par>
+                          <p:cTn id="15" fill="hold">
+                            <p:stCondLst>
+                              <p:cond delay="500"/>
+                            </p:stCondLst>
+                            <p:childTnLst>
+                              <p:par>
+                                <p:cTn id="16" presetID="2" presetClass="entr" presetSubtype="4" fill="hold" grpId="0" nodeType="afterEffect">
+                                  <p:stCondLst>
+                                    <p:cond delay="0"/>
+                                  </p:stCondLst>
+                                  <p:childTnLst>
+                                    <p:set>
+                                      <p:cBhvr>
+                                        <p:cTn id="17" dur="1" fill="hold">
+                                          <p:stCondLst>
+                                            <p:cond delay="0"/>
+                                          </p:stCondLst>
+                                        </p:cTn>
+                                        <p:tgtEl>
+                                          <p:spTgt spid="16"/>
+                                        </p:tgtEl>
+                                        <p:attrNameLst>
+                                          <p:attrName>style.visibility</p:attrName>
+                                        </p:attrNameLst>
+                                      </p:cBhvr>
+                                      <p:to>
+                                        <p:strVal val="visible"/>
+                                      </p:to>
+                                    </p:set>
+                                    <p:anim calcmode="lin" valueType="num">
+                                      <p:cBhvr additive="base">
+                                        <p:cTn id="18" dur="500" fill="hold"/>
+                                        <p:tgtEl>
+                                          <p:spTgt spid="16"/>
+                                        </p:tgtEl>
+                                        <p:attrNameLst>
+                                          <p:attrName>ppt_x</p:attrName>
+                                        </p:attrNameLst>
+                                      </p:cBhvr>
+                                      <p:tavLst>
+                                        <p:tav tm="0">
+                                          <p:val>
+                                            <p:strVal val="#ppt_x"/>
+                                          </p:val>
+                                        </p:tav>
+                                        <p:tav tm="100000">
+                                          <p:val>
+                                            <p:strVal val="#ppt_x"/>
+                                          </p:val>
+                                        </p:tav>
+                                      </p:tavLst>
+                                    </p:anim>
+                                    <p:anim calcmode="lin" valueType="num">
+                                      <p:cBhvr additive="base">
+                                        <p:cTn id="19" dur="500" fill="hold"/>
+                                        <p:tgtEl>
+                                          <p:spTgt spid="16"/>
+                                        </p:tgtEl>
+                                        <p:attrNameLst>
+                                          <p:attrName>ppt_y</p:attrName>
+                                        </p:attrNameLst>
+                                      </p:cBhvr>
+                                      <p:tavLst>
+                                        <p:tav tm="0">
+                                          <p:val>
+                                            <p:strVal val="1+#ppt_h/2"/>
+                                          </p:val>
+                                        </p:tav>
+                                        <p:tav tm="100000">
+                                          <p:val>
+                                            <p:strVal val="#ppt_y"/>
+                                          </p:val>
+                                        </p:tav>
+                                      </p:tavLst>
+                                    </p:anim>
+                                  </p:childTnLst>
+                                </p:cTn>
+                              </p:par>
+                            </p:childTnLst>
+                          </p:cTn>
+                        </p:par>
+                      </p:childTnLst>
+                    </p:cTn>
+                  </p:par>
+                </p:childTnLst>
+              </p:cTn>
+              <p:prevCondLst>
+                <p:cond evt="onPrev" delay="0">
+                  <p:tgtEl>
+                    <p:sldTgt/>
+                  </p:tgtEl>
+                </p:cond>
+              </p:prevCondLst>
+              <p:nextCondLst>
+                <p:cond evt="onNext" delay="0">
+                  <p:tgtEl>
+                    <p:sldTgt/>
+                  </p:tgtEl>
+                </p:cond>
+              </p:nextCondLst>
+            </p:seq>
+          </p:childTnLst>
+        </p:cTn>
       </p:par>
     </p:tnLst>
+    <p:bldLst>
+      <p:bldP spid="16" grpId="0"/>
+    </p:bldLst>
   </p:timing>
 </p:sld>
 </file>
@@ -12915,6 +14361,7 @@
               <a:rPr lang="zh-CN" dirty="0" smtClean="0"/>
               <a:t>内容刚要</a:t>
             </a:r>
+            <a:endParaRPr lang="zh-CN" dirty="0" smtClean="0"/>
           </a:p>
         </p:txBody>
       </p:sp>
@@ -12944,15 +14391,6 @@
             <a:prstDash val="sysDot"/>
             <a:round/>
           </a:ln>
-          <a:extLst>
-            <a:ext uri="{909E8E84-426E-40dd-AFC4-6F175D3DCCD1}">
-              <a14:hiddenFill xmlns:a14="http://schemas.microsoft.com/office/drawing/2010/main">
-                <a:solidFill>
-                  <a:srgbClr val="FFFFFF"/>
-                </a:solidFill>
-              </a14:hiddenFill>
-            </a:ext>
-          </a:extLst>
         </p:spPr>
         <p:txBody>
           <a:bodyPr wrap="none" anchor="ctr"/>
@@ -13096,6 +14534,11 @@
               </a:rPr>
               <a:t>案例概览</a:t>
             </a:r>
+            <a:endParaRPr lang="zh-CN" altLang="en-US" sz="2800" b="1">
+              <a:solidFill>
+                <a:schemeClr val="accent3"/>
+              </a:solidFill>
+            </a:endParaRPr>
           </a:p>
           <a:p>
             <a:pPr>
@@ -13130,6 +14573,11 @@
               </a:rPr>
               <a:t>尺寸问题</a:t>
             </a:r>
+            <a:endParaRPr lang="zh-CN" altLang="en-US" sz="2800" b="1">
+              <a:solidFill>
+                <a:schemeClr val="tx1"/>
+              </a:solidFill>
+            </a:endParaRPr>
           </a:p>
           <a:p>
             <a:pPr>
@@ -13176,7 +14624,7 @@
   <p:timing>
     <p:tnLst>
       <p:par>
-        <p:cTn xmlns:p14="http://schemas.microsoft.com/office/powerpoint/2010/main" id="1" dur="indefinite" restart="never" nodeType="tmRoot"/>
+        <p:cTn id="1" dur="indefinite" restart="never" nodeType="tmRoot"/>
       </p:par>
     </p:tnLst>
   </p:timing>
@@ -13403,6 +14851,7 @@
               <a:rPr lang="zh-CN" dirty="0" smtClean="0"/>
               <a:t>内容刚要</a:t>
             </a:r>
+            <a:endParaRPr lang="zh-CN" dirty="0" smtClean="0"/>
           </a:p>
         </p:txBody>
       </p:sp>
@@ -13432,15 +14881,6 @@
             <a:prstDash val="sysDot"/>
             <a:round/>
           </a:ln>
-          <a:extLst>
-            <a:ext uri="{909E8E84-426E-40dd-AFC4-6F175D3DCCD1}">
-              <a14:hiddenFill xmlns:a14="http://schemas.microsoft.com/office/drawing/2010/main">
-                <a:solidFill>
-                  <a:srgbClr val="FFFFFF"/>
-                </a:solidFill>
-              </a14:hiddenFill>
-            </a:ext>
-          </a:extLst>
         </p:spPr>
         <p:txBody>
           <a:bodyPr wrap="none" anchor="ctr"/>
@@ -13584,6 +15024,11 @@
               </a:rPr>
               <a:t>路径绘制</a:t>
             </a:r>
+            <a:endParaRPr lang="zh-CN" altLang="en-US" sz="2800" b="1">
+              <a:solidFill>
+                <a:schemeClr val="tx1"/>
+              </a:solidFill>
+            </a:endParaRPr>
           </a:p>
           <a:p>
             <a:pPr algn="l">
@@ -13618,6 +15063,11 @@
               </a:rPr>
               <a:t>基本形状</a:t>
             </a:r>
+            <a:endParaRPr lang="zh-CN" altLang="en-US" sz="2800" b="1">
+              <a:solidFill>
+                <a:schemeClr val="tx1"/>
+              </a:solidFill>
+            </a:endParaRPr>
           </a:p>
           <a:p>
             <a:pPr algn="l">
@@ -13654,6 +15104,12 @@
               </a:rPr>
               <a:t>描边及填充</a:t>
             </a:r>
+            <a:endParaRPr lang="zh-CN" altLang="en-US" sz="2800" b="1">
+              <a:solidFill>
+                <a:srgbClr val="FF0000"/>
+              </a:solidFill>
+              <a:sym typeface="+mn-ea"/>
+            </a:endParaRPr>
           </a:p>
         </p:txBody>
       </p:sp>
@@ -13665,7 +15121,7 @@
   <p:timing>
     <p:tnLst>
       <p:par>
-        <p:cTn xmlns:p14="http://schemas.microsoft.com/office/powerpoint/2010/main" id="1" dur="indefinite" restart="never" nodeType="tmRoot"/>
+        <p:cTn id="1" dur="indefinite" restart="never" nodeType="tmRoot"/>
       </p:par>
     </p:tnLst>
   </p:timing>
@@ -13735,15 +15191,6 @@
               </a:rPr>
               <a:t>充的类型</a:t>
             </a:r>
-            <a:r>
-              <a:rPr lang="zh-CN" altLang="en-US" sz="2800" dirty="0">
-                <a:solidFill>
-                  <a:schemeClr val="tx1"/>
-                </a:solidFill>
-                <a:sym typeface="+mn-ea"/>
-              </a:rPr>
-              <a:t/>
-            </a:r>
             <a:br>
               <a:rPr lang="zh-CN" altLang="en-US" sz="2800" dirty="0">
                 <a:solidFill>
@@ -13910,15 +15357,6 @@
               </a:rPr>
               <a:t>类型）</a:t>
             </a:r>
-            <a:r>
-              <a:rPr lang="zh-CN" altLang="en-US" sz="2000" dirty="0">
-                <a:solidFill>
-                  <a:schemeClr val="tx1"/>
-                </a:solidFill>
-                <a:sym typeface="+mn-ea"/>
-              </a:rPr>
-              <a:t/>
-            </a:r>
             <a:br>
               <a:rPr lang="zh-CN" altLang="en-US" sz="2000" dirty="0">
                 <a:solidFill>
@@ -14302,16 +15740,6 @@
                 <a:spcPts val="1000"/>
               </a:spcBef>
             </a:pPr>
-            <a:r>
-              <a:rPr lang="en-US" altLang="zh-CN" sz="2000" dirty="0">
-                <a:solidFill>
-                  <a:srgbClr val="FF0000"/>
-                </a:solidFill>
-                <a:latin typeface="+mn-ea"/>
-                <a:sym typeface="+mn-ea"/>
-              </a:rPr>
-              <a:t/>
-            </a:r>
             <a:br>
               <a:rPr lang="en-US" altLang="zh-CN" sz="2000" dirty="0">
                 <a:solidFill>
@@ -14412,6 +15840,7 @@
               <a:rPr kumimoji="0" lang="zh-CN" altLang="en-US" dirty="0"/>
               <a:t>图案描边及填充</a:t>
             </a:r>
+            <a:endParaRPr kumimoji="0" lang="zh-CN" altLang="en-US" dirty="0"/>
           </a:p>
         </p:txBody>
       </p:sp>
@@ -14423,7 +15852,7 @@
   <p:timing>
     <p:tnLst>
       <p:par>
-        <p:cTn xmlns:p14="http://schemas.microsoft.com/office/powerpoint/2010/main" id="1" dur="indefinite" restart="never" nodeType="tmRoot"/>
+        <p:cTn id="1" dur="indefinite" restart="never" nodeType="tmRoot"/>
       </p:par>
     </p:tnLst>
   </p:timing>
@@ -14484,6 +15913,12 @@
               </a:rPr>
               <a:t>线性渐变色描边及填充案例</a:t>
             </a:r>
+            <a:endParaRPr lang="zh-CN" altLang="en-US" sz="2800">
+              <a:solidFill>
+                <a:schemeClr val="tx1"/>
+              </a:solidFill>
+              <a:sym typeface="+mn-ea"/>
+            </a:endParaRPr>
           </a:p>
           <a:p>
             <a:pPr>
@@ -14570,6 +16005,7 @@
               <a:rPr kumimoji="0" lang="zh-CN" altLang="en-US" dirty="0"/>
               <a:t>线性渐变）</a:t>
             </a:r>
+            <a:endParaRPr kumimoji="0" lang="zh-CN" altLang="en-US" dirty="0"/>
           </a:p>
         </p:txBody>
       </p:sp>
@@ -14870,6 +16306,18 @@
               </a:rPr>
               <a:t>( </a:t>
             </a:r>
+            <a:endParaRPr kumimoji="0" lang="en-US" altLang="zh-CN" sz="3200" b="0" i="0" u="none" strike="noStrike" kern="1200" cap="none" spc="0" normalizeH="0" baseline="0" noProof="0" dirty="0" smtClean="0">
+              <a:ln>
+                <a:noFill/>
+              </a:ln>
+              <a:solidFill>
+                <a:schemeClr val="tx1"/>
+              </a:solidFill>
+              <a:effectLst/>
+              <a:uLnTx/>
+              <a:uFillTx/>
+              <a:cs typeface="+mn-cs"/>
+            </a:endParaRPr>
           </a:p>
           <a:p>
             <a:pPr marL="0" marR="0" lvl="0" indent="0" algn="l" defTabSz="914400" rtl="0" eaLnBrk="0" fontAlgn="base" latinLnBrk="0" hangingPunct="0">
@@ -15038,6 +16486,18 @@
               </a:rPr>
               <a:t> );</a:t>
             </a:r>
+            <a:endParaRPr kumimoji="0" lang="en-US" altLang="zh-CN" sz="3200" b="0" i="0" u="none" strike="noStrike" kern="1200" cap="none" spc="0" normalizeH="0" baseline="0" noProof="0" dirty="0" smtClean="0">
+              <a:ln>
+                <a:noFill/>
+              </a:ln>
+              <a:solidFill>
+                <a:schemeClr val="tx1"/>
+              </a:solidFill>
+              <a:effectLst/>
+              <a:uLnTx/>
+              <a:uFillTx/>
+              <a:cs typeface="+mn-cs"/>
+            </a:endParaRPr>
           </a:p>
           <a:p>
             <a:pPr marL="0" marR="0" lvl="0" indent="0" algn="l" defTabSz="914400" rtl="0" eaLnBrk="0" fontAlgn="base" latinLnBrk="0" hangingPunct="0">
@@ -15086,6 +16546,18 @@
               </a:rPr>
               <a:t>( stop1 , color1 );</a:t>
             </a:r>
+            <a:endParaRPr kumimoji="0" lang="en-US" altLang="zh-CN" sz="3200" b="0" i="0" u="none" strike="noStrike" kern="1200" cap="none" spc="0" normalizeH="0" baseline="0" noProof="0" dirty="0" smtClean="0">
+              <a:ln>
+                <a:noFill/>
+              </a:ln>
+              <a:solidFill>
+                <a:schemeClr val="tx1"/>
+              </a:solidFill>
+              <a:effectLst/>
+              <a:uLnTx/>
+              <a:uFillTx/>
+              <a:cs typeface="+mn-cs"/>
+            </a:endParaRPr>
           </a:p>
           <a:p>
             <a:pPr marL="0" marR="0" lvl="0" indent="0" algn="l" defTabSz="914400" rtl="0" eaLnBrk="0" fontAlgn="base" latinLnBrk="0" hangingPunct="0">
@@ -15134,21 +16606,6 @@
               </a:rPr>
               <a:t>( stop2 , color2);</a:t>
             </a:r>
-            <a:r>
-              <a:rPr kumimoji="0" lang="en-US" altLang="zh-CN" sz="3200" b="0" i="0" u="none" strike="noStrike" kern="1200" cap="none" spc="0" normalizeH="0" baseline="0" noProof="0" dirty="0" smtClean="0">
-                <a:ln>
-                  <a:noFill/>
-                </a:ln>
-                <a:solidFill>
-                  <a:schemeClr val="tx1"/>
-                </a:solidFill>
-                <a:effectLst/>
-                <a:uLnTx/>
-                <a:uFillTx/>
-                <a:cs typeface="+mn-cs"/>
-              </a:rPr>
-              <a:t/>
-            </a:r>
             <a:br>
               <a:rPr kumimoji="0" lang="en-US" altLang="zh-CN" sz="3200" b="0" i="0" u="none" strike="noStrike" kern="1200" cap="none" spc="0" normalizeH="0" baseline="0" noProof="0" dirty="0" smtClean="0">
                 <a:ln>
@@ -15178,6 +16635,18 @@
               </a:rPr>
               <a:t>context.fillStyle = grd;</a:t>
             </a:r>
+            <a:endParaRPr kumimoji="0" lang="en-US" altLang="zh-CN" sz="3200" b="0" i="0" u="none" strike="noStrike" kern="1200" cap="none" spc="0" normalizeH="0" baseline="0" noProof="0" dirty="0" smtClean="0">
+              <a:ln>
+                <a:noFill/>
+              </a:ln>
+              <a:solidFill>
+                <a:schemeClr val="tx1"/>
+              </a:solidFill>
+              <a:effectLst/>
+              <a:uLnTx/>
+              <a:uFillTx/>
+              <a:cs typeface="+mn-cs"/>
+            </a:endParaRPr>
           </a:p>
           <a:p>
             <a:pPr marL="0" marR="0" lvl="0" indent="0" algn="l" defTabSz="914400" rtl="0" eaLnBrk="0" fontAlgn="base" latinLnBrk="0" hangingPunct="0">
@@ -15372,7 +16841,7 @@
   <p:timing>
     <p:tnLst>
       <p:par>
-        <p:cTn xmlns:p14="http://schemas.microsoft.com/office/powerpoint/2010/main" id="1" dur="indefinite" restart="never" nodeType="tmRoot">
+        <p:cTn id="1" dur="indefinite" restart="never" nodeType="tmRoot">
           <p:childTnLst>
             <p:seq concurrent="1" nextAc="seek">
               <p:cTn id="2" dur="indefinite" nodeType="mainSeq">
@@ -15508,6 +16977,12 @@
               </a:rPr>
               <a:t>线性渐变色描边及填充案例</a:t>
             </a:r>
+            <a:endParaRPr lang="zh-CN" altLang="en-US" sz="2800">
+              <a:solidFill>
+                <a:schemeClr val="tx1"/>
+              </a:solidFill>
+              <a:sym typeface="+mn-ea"/>
+            </a:endParaRPr>
           </a:p>
           <a:p>
             <a:pPr>
@@ -15594,6 +17069,7 @@
               <a:rPr kumimoji="0" lang="zh-CN" altLang="en-US" dirty="0"/>
               <a:t>径向渐变）</a:t>
             </a:r>
+            <a:endParaRPr kumimoji="0" lang="zh-CN" altLang="en-US" dirty="0"/>
           </a:p>
         </p:txBody>
       </p:sp>
@@ -16299,7 +17775,7 @@
   <p:timing>
     <p:tnLst>
       <p:par>
-        <p:cTn xmlns:p14="http://schemas.microsoft.com/office/powerpoint/2010/main" id="1" dur="indefinite" restart="never" nodeType="tmRoot"/>
+        <p:cTn id="1" dur="indefinite" restart="never" nodeType="tmRoot"/>
       </p:par>
     </p:tnLst>
   </p:timing>
@@ -16483,79 +17959,6 @@
               </a:rPr>
               <a:t>repeat-style )</a:t>
             </a:r>
-            <a:br>
-              <a:rPr lang="en-US" altLang="zh-CN" sz="2000" kern="1200" dirty="0">
-                <a:solidFill>
-                  <a:schemeClr val="tx1"/>
-                </a:solidFill>
-              </a:rPr>
-            </a:br>
-            <a:r>
-              <a:rPr lang="zh-CN" altLang="zh-CN" sz="2000" kern="1200" dirty="0">
-                <a:solidFill>
-                  <a:schemeClr val="tx1"/>
-                </a:solidFill>
-              </a:rPr>
-              <a:t>－</a:t>
-            </a:r>
-            <a:r>
-              <a:rPr lang="en-US" altLang="zh-CN" sz="2000" dirty="0" err="1" smtClean="0">
-                <a:solidFill>
-                  <a:schemeClr val="tx1"/>
-                </a:solidFill>
-                <a:sym typeface="+mn-ea"/>
-              </a:rPr>
-              <a:t>context.</a:t>
-            </a:r>
-            <a:r>
-              <a:rPr lang="en-US" altLang="zh-CN" sz="2000" kern="1200" dirty="0" err="1" smtClean="0">
-                <a:solidFill>
-                  <a:schemeClr val="tx1"/>
-                </a:solidFill>
-              </a:rPr>
-              <a:t>createPattern</a:t>
-            </a:r>
-            <a:r>
-              <a:rPr lang="en-US" altLang="zh-CN" sz="2000" kern="1200" dirty="0" smtClean="0">
-                <a:solidFill>
-                  <a:schemeClr val="tx1"/>
-                </a:solidFill>
-              </a:rPr>
-              <a:t>( </a:t>
-            </a:r>
-            <a:r>
-              <a:rPr lang="zh-CN" altLang="en-US" sz="2000" dirty="0" smtClean="0">
-                <a:solidFill>
-                  <a:schemeClr val="tx1"/>
-                </a:solidFill>
-                <a:sym typeface="+mn-ea"/>
-              </a:rPr>
-              <a:t>CanvasRenderingContext2D</a:t>
-            </a:r>
-            <a:r>
-              <a:rPr lang="en-US" altLang="zh-CN" sz="2000" kern="1200" dirty="0" smtClean="0">
-                <a:solidFill>
-                  <a:schemeClr val="tx1"/>
-                </a:solidFill>
-              </a:rPr>
-              <a:t> </a:t>
-            </a:r>
-            <a:r>
-              <a:rPr lang="en-US" altLang="zh-CN" sz="2000" kern="1200" dirty="0">
-                <a:solidFill>
-                  <a:schemeClr val="tx1"/>
-                </a:solidFill>
-              </a:rPr>
-              <a:t>, repeat-style </a:t>
-            </a:r>
-            <a:r>
-              <a:rPr lang="en-US" altLang="zh-CN" sz="2000" kern="1200" dirty="0" smtClean="0">
-                <a:solidFill>
-                  <a:schemeClr val="tx1"/>
-                </a:solidFill>
-              </a:rPr>
-              <a:t>)</a:t>
-            </a:r>
             <a:endParaRPr lang="en-US" altLang="zh-CN" sz="2000" noProof="1" smtClean="0">
               <a:solidFill>
                 <a:schemeClr val="tx1"/>
@@ -16598,15 +18001,6 @@
               </a:rPr>
               <a:t>）</a:t>
             </a:r>
-            <a:r>
-              <a:rPr lang="en-US" altLang="zh-CN" sz="2800" dirty="0" smtClean="0">
-                <a:solidFill>
-                  <a:schemeClr val="tx1"/>
-                </a:solidFill>
-                <a:sym typeface="+mn-ea"/>
-              </a:rPr>
-              <a:t/>
-            </a:r>
             <a:br>
               <a:rPr lang="en-US" altLang="zh-CN" sz="2800" dirty="0" smtClean="0">
                 <a:solidFill>
@@ -16642,15 +18036,6 @@
               </a:rPr>
               <a:t>（不重复）</a:t>
             </a:r>
-            <a:r>
-              <a:rPr lang="en-US" altLang="zh-CN" sz="2000" dirty="0" smtClean="0">
-                <a:solidFill>
-                  <a:schemeClr val="tx1"/>
-                </a:solidFill>
-                <a:sym typeface="+mn-ea"/>
-              </a:rPr>
-              <a:t/>
-            </a:r>
             <a:br>
               <a:rPr lang="en-US" altLang="zh-CN" sz="2000" dirty="0" smtClean="0">
                 <a:solidFill>
@@ -16686,15 +18071,6 @@
               </a:rPr>
               <a:t>（重复）</a:t>
             </a:r>
-            <a:r>
-              <a:rPr lang="en-US" altLang="zh-CN" sz="2000" dirty="0" smtClean="0">
-                <a:solidFill>
-                  <a:schemeClr val="tx1"/>
-                </a:solidFill>
-                <a:sym typeface="+mn-ea"/>
-              </a:rPr>
-              <a:t/>
-            </a:r>
             <a:br>
               <a:rPr lang="en-US" altLang="zh-CN" sz="2000" dirty="0" smtClean="0">
                 <a:solidFill>
@@ -16747,15 +18123,6 @@
                 <a:sym typeface="+mn-ea"/>
               </a:rPr>
               <a:t>轴重复）</a:t>
-            </a:r>
-            <a:r>
-              <a:rPr lang="en-US" altLang="zh-CN" sz="2000" dirty="0" smtClean="0">
-                <a:solidFill>
-                  <a:schemeClr val="tx1"/>
-                </a:solidFill>
-                <a:sym typeface="+mn-ea"/>
-              </a:rPr>
-              <a:t/>
             </a:r>
             <a:br>
               <a:rPr lang="en-US" altLang="zh-CN" sz="2000" dirty="0" smtClean="0">
@@ -16943,11 +18310,6 @@
         </p:txBody>
       </p:sp>
     </p:spTree>
-    <p:extLst>
-      <p:ext uri="{BB962C8B-B14F-4D97-AF65-F5344CB8AC3E}">
-        <p14:creationId xmlns:p14="http://schemas.microsoft.com/office/powerpoint/2010/main" val="3691263051"/>
-      </p:ext>
-    </p:extLst>
   </p:cSld>
   <p:clrMapOvr>
     <a:masterClrMapping/>
@@ -16955,7 +18317,7 @@
   <p:timing>
     <p:tnLst>
       <p:par>
-        <p:cTn xmlns:p14="http://schemas.microsoft.com/office/powerpoint/2010/main" id="1" dur="indefinite" restart="never" nodeType="tmRoot"/>
+        <p:cTn id="1" dur="indefinite" restart="never" nodeType="tmRoot"/>
       </p:par>
     </p:tnLst>
   </p:timing>
@@ -17034,15 +18396,6 @@
               </a:rPr>
               <a:t>）</a:t>
             </a:r>
-            <a:r>
-              <a:rPr lang="en-US" altLang="zh-CN" sz="2800" dirty="0" smtClean="0">
-                <a:solidFill>
-                  <a:schemeClr val="tx1"/>
-                </a:solidFill>
-                <a:sym typeface="+mn-ea"/>
-              </a:rPr>
-              <a:t/>
-            </a:r>
             <a:br>
               <a:rPr lang="en-US" altLang="zh-CN" sz="2800" dirty="0" smtClean="0">
                 <a:solidFill>
@@ -17148,15 +18501,6 @@
                 <a:sym typeface="+mn-ea"/>
               </a:rPr>
             </a:br>
-            <a:r>
-              <a:rPr lang="en-US" altLang="zh-CN" sz="2000" dirty="0">
-                <a:solidFill>
-                  <a:schemeClr val="tx1"/>
-                </a:solidFill>
-                <a:sym typeface="+mn-ea"/>
-              </a:rPr>
-              <a:t/>
-            </a:r>
             <a:br>
               <a:rPr lang="en-US" altLang="zh-CN" sz="2000" dirty="0">
                 <a:solidFill>
@@ -17213,7 +18557,7 @@
             <a:r>
               <a:rPr lang="en-US" altLang="zh-CN" sz="2000" dirty="0" err="1" smtClean="0">
                 <a:solidFill>
-                  <a:schemeClr val="tx1"/>
+                  <a:srgbClr val="FF0000"/>
                 </a:solidFill>
                 <a:sym typeface="+mn-ea"/>
               </a:rPr>
@@ -17238,49 +18582,13 @@
               <a:t>= </a:t>
             </a:r>
             <a:r>
-              <a:rPr lang="en-US" altLang="zh-CN" sz="2000" dirty="0" smtClean="0">
-                <a:solidFill>
-                  <a:schemeClr val="tx1"/>
-                </a:solidFill>
-                <a:sym typeface="+mn-ea"/>
-              </a:rPr>
-              <a:t>‘https</a:t>
-            </a:r>
-            <a:r>
-              <a:rPr lang="en-US" altLang="zh-CN" sz="2000" dirty="0">
-                <a:solidFill>
-                  <a:schemeClr val="tx1"/>
-                </a:solidFill>
-                <a:sym typeface="+mn-ea"/>
-              </a:rPr>
-              <a:t>:/</a:t>
-            </a:r>
-            <a:r>
-              <a:rPr lang="en-US" altLang="zh-CN" sz="2000" dirty="0" smtClean="0">
-                <a:solidFill>
-                  <a:schemeClr val="tx1"/>
-                </a:solidFill>
-                <a:sym typeface="+mn-ea"/>
-              </a:rPr>
-              <a:t>/</a:t>
-            </a:r>
-            <a:r>
-              <a:rPr lang="en-US" altLang="zh-CN" sz="2000" dirty="0" err="1" smtClean="0">
-                <a:solidFill>
-                  <a:schemeClr val="tx1"/>
-                </a:solidFill>
-                <a:sym typeface="+mn-ea"/>
-              </a:rPr>
-              <a:t>some.png</a:t>
-            </a:r>
-            <a:r>
-              <a:rPr lang="en-US" altLang="zh-CN" sz="2000" dirty="0" smtClean="0">
-                <a:solidFill>
-                  <a:schemeClr val="tx1"/>
-                </a:solidFill>
-                <a:sym typeface="+mn-ea"/>
-              </a:rPr>
-              <a:t>’;</a:t>
+              <a:rPr lang="en-US" altLang="zh-CN" sz="2000">
+                <a:solidFill>
+                  <a:schemeClr val="tx1"/>
+                </a:solidFill>
+                <a:sym typeface="+mn-ea"/>
+              </a:rPr>
+              <a:t>'./images/fill_20x20.gif';</a:t>
             </a:r>
             <a:br>
               <a:rPr lang="en-US" altLang="zh-CN" sz="2000" dirty="0" smtClean="0">
@@ -17293,7 +18601,7 @@
             <a:r>
               <a:rPr lang="en-US" altLang="zh-CN" sz="2000" dirty="0" err="1" smtClean="0">
                 <a:solidFill>
-                  <a:schemeClr val="tx1"/>
+                  <a:srgbClr val="FF0000"/>
                 </a:solidFill>
                 <a:sym typeface="+mn-ea"/>
               </a:rPr>
@@ -17697,7 +19005,7 @@
   <p:timing>
     <p:tnLst>
       <p:par>
-        <p:cTn xmlns:p14="http://schemas.microsoft.com/office/powerpoint/2010/main" id="1" dur="indefinite" restart="never" nodeType="tmRoot"/>
+        <p:cTn id="1" dur="indefinite" restart="never" nodeType="tmRoot"/>
       </p:par>
     </p:tnLst>
   </p:timing>
@@ -17776,6 +19084,12 @@
               </a:rPr>
               <a:t>填充案例）</a:t>
             </a:r>
+            <a:endParaRPr lang="zh-CN" altLang="en-US" sz="2800">
+              <a:solidFill>
+                <a:schemeClr val="tx1"/>
+              </a:solidFill>
+              <a:sym typeface="+mn-ea"/>
+            </a:endParaRPr>
           </a:p>
           <a:p>
             <a:pPr>
@@ -17862,6 +19176,7 @@
               <a:rPr kumimoji="0" lang="zh-CN" altLang="en-US" dirty="0"/>
               <a:t>）</a:t>
             </a:r>
+            <a:endParaRPr kumimoji="0" lang="zh-CN" altLang="en-US" dirty="0"/>
           </a:p>
         </p:txBody>
       </p:sp>
@@ -17920,6 +19235,30 @@
           </a:p>
         </p:txBody>
       </p:sp>
+      <p:pic>
+        <p:nvPicPr>
+          <p:cNvPr id="4" name="图片 3" descr="UFP[}CLPK]{943K~EW2MIXX"/>
+          <p:cNvPicPr>
+            <a:picLocks noChangeAspect="1"/>
+          </p:cNvPicPr>
+          <p:nvPr/>
+        </p:nvPicPr>
+        <p:blipFill>
+          <a:blip r:embed="rId1"/>
+          <a:stretch>
+            <a:fillRect/>
+          </a:stretch>
+        </p:blipFill>
+        <p:spPr>
+          <a:xfrm>
+            <a:off x="1090930" y="1596390"/>
+            <a:ext cx="7858125" cy="4222750"/>
+          </a:xfrm>
+          <a:prstGeom prst="rect">
+            <a:avLst/>
+          </a:prstGeom>
+        </p:spPr>
+      </p:pic>
     </p:spTree>
   </p:cSld>
   <p:clrMapOvr>
@@ -17928,7 +19267,7 @@
   <p:timing>
     <p:tnLst>
       <p:par>
-        <p:cTn xmlns:p14="http://schemas.microsoft.com/office/powerpoint/2010/main" id="1" dur="indefinite" restart="never" nodeType="tmRoot"/>
+        <p:cTn id="1" dur="indefinite" restart="never" nodeType="tmRoot"/>
       </p:par>
     </p:tnLst>
   </p:timing>
@@ -17961,7 +19300,7 @@
           <p:nvPr/>
         </p:nvPicPr>
         <p:blipFill>
-          <a:blip r:embed="rId3" cstate="print">
+          <a:blip r:embed="rId1" cstate="print">
             <a:extLst>
               <a:ext uri="{28A0092B-C50C-407E-A947-70E740481C1C}">
                 <a14:useLocalDpi xmlns:a14="http://schemas.microsoft.com/office/drawing/2010/main" val="0"/>
@@ -17985,25 +19324,6 @@
           <a:ln>
             <a:noFill/>
           </a:ln>
-          <a:extLst>
-            <a:ext uri="{909E8E84-426E-40dd-AFC4-6F175D3DCCD1}">
-              <a14:hiddenFill xmlns:a14="http://schemas.microsoft.com/office/drawing/2010/main">
-                <a:solidFill>
-                  <a:srgbClr val="FFFFFF"/>
-                </a:solidFill>
-              </a14:hiddenFill>
-            </a:ext>
-            <a:ext uri="{91240B29-F687-4f45-9708-019B960494DF}">
-              <a14:hiddenLine xmlns:a14="http://schemas.microsoft.com/office/drawing/2010/main" w="9525">
-                <a:solidFill>
-                  <a:srgbClr val="000000"/>
-                </a:solidFill>
-                <a:miter lim="800000"/>
-                <a:headEnd/>
-                <a:tailEnd/>
-              </a14:hiddenLine>
-            </a:ext>
-          </a:extLst>
         </p:spPr>
       </p:pic>
       <p:sp>
@@ -18025,25 +19345,6 @@
             <a:avLst/>
           </a:prstGeom>
           <a:noFill/>
-          <a:extLst>
-            <a:ext uri="{909E8E84-426E-40dd-AFC4-6F175D3DCCD1}">
-              <a14:hiddenFill xmlns:a14="http://schemas.microsoft.com/office/drawing/2010/main">
-                <a:solidFill>
-                  <a:srgbClr val="FFFFFF"/>
-                </a:solidFill>
-              </a14:hiddenFill>
-            </a:ext>
-            <a:ext uri="{91240B29-F687-4f45-9708-019B960494DF}">
-              <a14:hiddenLine xmlns:a14="http://schemas.microsoft.com/office/drawing/2010/main" w="9525">
-                <a:solidFill>
-                  <a:srgbClr val="000000"/>
-                </a:solidFill>
-                <a:miter lim="800000"/>
-                <a:headEnd/>
-                <a:tailEnd/>
-              </a14:hiddenLine>
-            </a:ext>
-          </a:extLst>
         </p:spPr>
         <p:txBody>
           <a:bodyPr anchor="b"/>
@@ -18058,6 +19359,7 @@
               <a:rPr lang="zh-CN" altLang="en-US" sz="4800" b="1" dirty="0"/>
               <a:t>动画与游戏开发</a:t>
             </a:r>
+            <a:endParaRPr lang="zh-CN" altLang="en-US" sz="4800" b="1" dirty="0"/>
           </a:p>
         </p:txBody>
       </p:sp>
@@ -18115,6 +19417,11 @@
               </a:rPr>
               <a:t>绘图进阶一</a:t>
             </a:r>
+            <a:endParaRPr lang="zh-CN" altLang="en-US" dirty="0">
+              <a:latin typeface="+mj-ea"/>
+              <a:ea typeface="+mj-ea"/>
+              <a:sym typeface="+mn-ea"/>
+            </a:endParaRPr>
           </a:p>
         </p:txBody>
       </p:sp>
@@ -18127,7 +19434,7 @@
           <p:nvPr/>
         </p:nvPicPr>
         <p:blipFill>
-          <a:blip r:embed="rId4" cstate="print">
+          <a:blip r:embed="rId2" cstate="print">
             <a:extLst>
               <a:ext uri="{28A0092B-C50C-407E-A947-70E740481C1C}">
                 <a14:useLocalDpi xmlns:a14="http://schemas.microsoft.com/office/drawing/2010/main" val="0"/>
@@ -18151,25 +19458,6 @@
           <a:ln>
             <a:noFill/>
           </a:ln>
-          <a:extLst>
-            <a:ext uri="{909E8E84-426E-40dd-AFC4-6F175D3DCCD1}">
-              <a14:hiddenFill xmlns:a14="http://schemas.microsoft.com/office/drawing/2010/main">
-                <a:solidFill>
-                  <a:srgbClr val="FFFFFF"/>
-                </a:solidFill>
-              </a14:hiddenFill>
-            </a:ext>
-            <a:ext uri="{91240B29-F687-4f45-9708-019B960494DF}">
-              <a14:hiddenLine xmlns:a14="http://schemas.microsoft.com/office/drawing/2010/main" w="9525">
-                <a:solidFill>
-                  <a:srgbClr val="000000"/>
-                </a:solidFill>
-                <a:miter lim="800000"/>
-                <a:headEnd/>
-                <a:tailEnd/>
-              </a14:hiddenLine>
-            </a:ext>
-          </a:extLst>
         </p:spPr>
       </p:pic>
     </p:spTree>
@@ -18177,11 +19465,11 @@
   <p:clrMapOvr>
     <a:masterClrMapping/>
   </p:clrMapOvr>
-  <p:transition xmlns:p14="http://schemas.microsoft.com/office/powerpoint/2010/main" advClick="0"/>
+  <p:transition advClick="0"/>
   <p:timing>
     <p:tnLst>
       <p:par>
-        <p:cTn xmlns:p14="http://schemas.microsoft.com/office/powerpoint/2010/main" id="1" dur="indefinite" restart="never" nodeType="tmRoot"/>
+        <p:cTn id="1" dur="indefinite" restart="never" nodeType="tmRoot"/>
       </p:par>
     </p:tnLst>
   </p:timing>
@@ -18408,6 +19696,7 @@
               <a:rPr lang="zh-CN" dirty="0" smtClean="0"/>
               <a:t>内容刚要</a:t>
             </a:r>
+            <a:endParaRPr lang="zh-CN" dirty="0" smtClean="0"/>
           </a:p>
         </p:txBody>
       </p:sp>
@@ -18437,15 +19726,6 @@
             <a:prstDash val="sysDot"/>
             <a:round/>
           </a:ln>
-          <a:extLst>
-            <a:ext uri="{909E8E84-426E-40dd-AFC4-6F175D3DCCD1}">
-              <a14:hiddenFill xmlns:a14="http://schemas.microsoft.com/office/drawing/2010/main">
-                <a:solidFill>
-                  <a:srgbClr val="FFFFFF"/>
-                </a:solidFill>
-              </a14:hiddenFill>
-            </a:ext>
-          </a:extLst>
         </p:spPr>
         <p:txBody>
           <a:bodyPr wrap="none" anchor="ctr"/>
@@ -18589,6 +19869,11 @@
               </a:rPr>
               <a:t>阴影设置</a:t>
             </a:r>
+            <a:endParaRPr lang="zh-CN" altLang="en-US" sz="2800" b="1">
+              <a:solidFill>
+                <a:schemeClr val="accent3"/>
+              </a:solidFill>
+            </a:endParaRPr>
           </a:p>
           <a:p>
             <a:pPr algn="l">
@@ -18623,6 +19908,11 @@
               </a:rPr>
               <a:t>图像合成</a:t>
             </a:r>
+            <a:endParaRPr lang="zh-CN" altLang="en-US" sz="2800" b="1">
+              <a:solidFill>
+                <a:schemeClr val="tx1"/>
+              </a:solidFill>
+            </a:endParaRPr>
           </a:p>
           <a:p>
             <a:pPr algn="l">
@@ -18674,7 +19964,7 @@
   <p:timing>
     <p:tnLst>
       <p:par>
-        <p:cTn xmlns:p14="http://schemas.microsoft.com/office/powerpoint/2010/main" id="1" dur="indefinite" restart="never" nodeType="tmRoot"/>
+        <p:cTn id="1" dur="indefinite" restart="never" nodeType="tmRoot"/>
       </p:par>
     </p:tnLst>
   </p:timing>
@@ -18761,15 +20051,6 @@
               </a:rPr>
               <a:t>context.shadowColor</a:t>
             </a:r>
-            <a:r>
-              <a:rPr lang="en-US" altLang="zh-CN" sz="2000" kern="1200" dirty="0" smtClean="0">
-                <a:solidFill>
-                  <a:schemeClr val="tx1"/>
-                </a:solidFill>
-                <a:sym typeface="+mn-ea"/>
-              </a:rPr>
-              <a:t/>
-            </a:r>
             <a:br>
               <a:rPr lang="en-US" altLang="zh-CN" sz="2000" kern="1200" dirty="0" smtClean="0">
                 <a:solidFill>
@@ -18796,15 +20077,6 @@
               </a:rPr>
               <a:t>context.shadowOffSetX</a:t>
             </a:r>
-            <a:r>
-              <a:rPr lang="en-US" altLang="zh-CN" sz="2000" kern="1200" dirty="0" smtClean="0">
-                <a:solidFill>
-                  <a:schemeClr val="tx1"/>
-                </a:solidFill>
-                <a:sym typeface="+mn-ea"/>
-              </a:rPr>
-              <a:t/>
-            </a:r>
             <a:br>
               <a:rPr lang="en-US" altLang="zh-CN" sz="2000" kern="1200" dirty="0" smtClean="0">
                 <a:solidFill>
@@ -18830,15 +20102,6 @@
                 <a:sym typeface="+mn-ea"/>
               </a:rPr>
               <a:t>context.shadowOffSetY</a:t>
-            </a:r>
-            <a:r>
-              <a:rPr lang="en-US" altLang="zh-CN" sz="2000" kern="1200" dirty="0">
-                <a:solidFill>
-                  <a:schemeClr val="tx1"/>
-                </a:solidFill>
-                <a:sym typeface="+mn-ea"/>
-              </a:rPr>
-              <a:t/>
             </a:r>
             <a:br>
               <a:rPr lang="en-US" altLang="zh-CN" sz="2000" kern="1200" dirty="0">
@@ -19006,12 +20269,31 @@
           </a:p>
         </p:txBody>
       </p:sp>
+      <p:pic>
+        <p:nvPicPr>
+          <p:cNvPr id="3" name="图片 2" descr="X6OQ5GVZZR}I1JMFNWZL5~Y"/>
+          <p:cNvPicPr>
+            <a:picLocks noChangeAspect="1"/>
+          </p:cNvPicPr>
+          <p:nvPr/>
+        </p:nvPicPr>
+        <p:blipFill>
+          <a:blip r:embed="rId1"/>
+          <a:stretch>
+            <a:fillRect/>
+          </a:stretch>
+        </p:blipFill>
+        <p:spPr>
+          <a:xfrm>
+            <a:off x="1174115" y="4404995"/>
+            <a:ext cx="2856865" cy="1445260"/>
+          </a:xfrm>
+          <a:prstGeom prst="rect">
+            <a:avLst/>
+          </a:prstGeom>
+        </p:spPr>
+      </p:pic>
     </p:spTree>
-    <p:extLst>
-      <p:ext uri="{BB962C8B-B14F-4D97-AF65-F5344CB8AC3E}">
-        <p14:creationId xmlns:p14="http://schemas.microsoft.com/office/powerpoint/2010/main" val="308687427"/>
-      </p:ext>
-    </p:extLst>
   </p:cSld>
   <p:clrMapOvr>
     <a:masterClrMapping/>
@@ -19019,7 +20301,7 @@
   <p:timing>
     <p:tnLst>
       <p:par>
-        <p:cTn xmlns:p14="http://schemas.microsoft.com/office/powerpoint/2010/main" id="1" dur="indefinite" restart="never" nodeType="tmRoot"/>
+        <p:cTn id="1" dur="indefinite" restart="never" nodeType="tmRoot"/>
       </p:par>
     </p:tnLst>
   </p:timing>
@@ -19201,6 +20483,14 @@
               </a:rPr>
               <a:t> = 150;</a:t>
             </a:r>
+            <a:endParaRPr lang="en-US" altLang="zh-CN" sz="2000" noProof="1">
+              <a:solidFill>
+                <a:schemeClr val="tx1"/>
+              </a:solidFill>
+              <a:latin typeface="微软雅黑" panose="020B0503020204020204" pitchFamily="34" charset="-122"/>
+              <a:ea typeface="微软雅黑" panose="020B0503020204020204" pitchFamily="34" charset="-122"/>
+              <a:sym typeface="+mn-ea"/>
+            </a:endParaRPr>
           </a:p>
           <a:p>
             <a:pPr>
@@ -19333,15 +20623,6 @@
               </a:rPr>
               <a:t>返回CanvasRenderingContext2D对象</a:t>
             </a:r>
-            <a:r>
-              <a:rPr lang="en-US" altLang="zh-CN" sz="2000" dirty="0">
-                <a:solidFill>
-                  <a:schemeClr val="tx1"/>
-                </a:solidFill>
-                <a:sym typeface="+mn-ea"/>
-              </a:rPr>
-              <a:t/>
-            </a:r>
             <a:br>
               <a:rPr lang="en-US" altLang="zh-CN" sz="2000" dirty="0">
                 <a:solidFill>
@@ -19377,6 +20658,12 @@
               </a:rPr>
               <a:t> = "#ff0000";</a:t>
             </a:r>
+            <a:endParaRPr lang="en-US" altLang="zh-CN" sz="2000" dirty="0">
+              <a:solidFill>
+                <a:schemeClr val="tx1"/>
+              </a:solidFill>
+              <a:sym typeface="+mn-ea"/>
+            </a:endParaRPr>
           </a:p>
           <a:p>
             <a:pPr>
@@ -19496,15 +20783,6 @@
                 <a:sym typeface="+mn-ea"/>
               </a:rPr>
               <a:t>注意顺序的影响</a:t>
-            </a:r>
-            <a:r>
-              <a:rPr lang="en-US" altLang="zh-CN" sz="2000" dirty="0">
-                <a:solidFill>
-                  <a:schemeClr val="tx1"/>
-                </a:solidFill>
-                <a:sym typeface="+mn-ea"/>
-              </a:rPr>
-              <a:t/>
             </a:r>
             <a:br>
               <a:rPr lang="en-US" altLang="zh-CN" sz="2000" dirty="0">
@@ -19592,6 +20870,7 @@
               <a:rPr kumimoji="0" lang="zh-CN" altLang="en-US" dirty="0"/>
               <a:t>简单案例</a:t>
             </a:r>
+            <a:endParaRPr kumimoji="0" lang="zh-CN" altLang="en-US" dirty="0"/>
           </a:p>
         </p:txBody>
       </p:sp>
@@ -19603,7 +20882,7 @@
   <p:timing>
     <p:tnLst>
       <p:par>
-        <p:cTn xmlns:p14="http://schemas.microsoft.com/office/powerpoint/2010/main" id="1" dur="indefinite" restart="never" nodeType="tmRoot">
+        <p:cTn id="1" dur="indefinite" restart="never" nodeType="tmRoot">
           <p:childTnLst>
             <p:seq concurrent="1" nextAc="seek">
               <p:cTn id="2" dur="indefinite" nodeType="mainSeq">
@@ -20162,6 +21441,7 @@
               <a:rPr lang="zh-CN" dirty="0" smtClean="0"/>
               <a:t>内容刚要</a:t>
             </a:r>
+            <a:endParaRPr lang="zh-CN" dirty="0" smtClean="0"/>
           </a:p>
         </p:txBody>
       </p:sp>
@@ -20191,15 +21471,6 @@
             <a:prstDash val="sysDot"/>
             <a:round/>
           </a:ln>
-          <a:extLst>
-            <a:ext uri="{909E8E84-426E-40dd-AFC4-6F175D3DCCD1}">
-              <a14:hiddenFill xmlns:a14="http://schemas.microsoft.com/office/drawing/2010/main">
-                <a:solidFill>
-                  <a:srgbClr val="FFFFFF"/>
-                </a:solidFill>
-              </a14:hiddenFill>
-            </a:ext>
-          </a:extLst>
         </p:spPr>
         <p:txBody>
           <a:bodyPr wrap="none" anchor="ctr"/>
@@ -20343,6 +21614,11 @@
               </a:rPr>
               <a:t>阴影设置</a:t>
             </a:r>
+            <a:endParaRPr lang="zh-CN" altLang="en-US" sz="2800" b="1">
+              <a:solidFill>
+                <a:schemeClr val="tx1"/>
+              </a:solidFill>
+            </a:endParaRPr>
           </a:p>
           <a:p>
             <a:pPr algn="l">
@@ -20377,6 +21653,11 @@
               </a:rPr>
               <a:t>图像合成</a:t>
             </a:r>
+            <a:endParaRPr lang="zh-CN" altLang="en-US" sz="2800" b="1">
+              <a:solidFill>
+                <a:srgbClr val="FF0000"/>
+              </a:solidFill>
+            </a:endParaRPr>
           </a:p>
           <a:p>
             <a:pPr algn="l">
@@ -20428,7 +21709,7 @@
   <p:timing>
     <p:tnLst>
       <p:par>
-        <p:cTn xmlns:p14="http://schemas.microsoft.com/office/powerpoint/2010/main" id="1" dur="indefinite" restart="never" nodeType="tmRoot"/>
+        <p:cTn id="1" dur="indefinite" restart="never" nodeType="tmRoot"/>
       </p:par>
     </p:tnLst>
   </p:timing>
@@ -20564,15 +21845,6 @@
               </a:rPr>
               <a:t>全局图像混合设置</a:t>
             </a:r>
-            <a:r>
-              <a:rPr lang="en-US" altLang="zh-CN" sz="2800" dirty="0" smtClean="0">
-                <a:solidFill>
-                  <a:schemeClr val="tx1"/>
-                </a:solidFill>
-                <a:sym typeface="+mn-ea"/>
-              </a:rPr>
-              <a:t/>
-            </a:r>
             <a:br>
               <a:rPr lang="en-US" altLang="zh-CN" sz="2800" dirty="0" smtClean="0">
                 <a:solidFill>
@@ -20662,15 +21934,6 @@
                 <a:sym typeface="+mn-ea"/>
               </a:rPr>
               <a:t>图像混合类型</a:t>
-            </a:r>
-            <a:r>
-              <a:rPr lang="en-US" altLang="zh-CN" sz="2000" dirty="0" smtClean="0">
-                <a:solidFill>
-                  <a:schemeClr val="tx1"/>
-                </a:solidFill>
-                <a:sym typeface="+mn-ea"/>
-              </a:rPr>
-              <a:t/>
             </a:r>
             <a:br>
               <a:rPr lang="en-US" altLang="zh-CN" sz="2000" dirty="0" smtClean="0">
@@ -21118,11 +22381,6 @@
         </p:txBody>
       </p:sp>
     </p:spTree>
-    <p:extLst>
-      <p:ext uri="{BB962C8B-B14F-4D97-AF65-F5344CB8AC3E}">
-        <p14:creationId xmlns:p14="http://schemas.microsoft.com/office/powerpoint/2010/main" val="870621077"/>
-      </p:ext>
-    </p:extLst>
   </p:cSld>
   <p:clrMapOvr>
     <a:masterClrMapping/>
@@ -21130,7 +22388,7 @@
   <p:timing>
     <p:tnLst>
       <p:par>
-        <p:cTn xmlns:p14="http://schemas.microsoft.com/office/powerpoint/2010/main" id="1" dur="indefinite" restart="never" nodeType="tmRoot"/>
+        <p:cTn id="1" dur="indefinite" restart="never" nodeType="tmRoot"/>
       </p:par>
     </p:tnLst>
   </p:timing>
@@ -21357,6 +22615,7 @@
               <a:rPr lang="zh-CN" dirty="0" smtClean="0"/>
               <a:t>内容刚要</a:t>
             </a:r>
+            <a:endParaRPr lang="zh-CN" dirty="0" smtClean="0"/>
           </a:p>
         </p:txBody>
       </p:sp>
@@ -21386,15 +22645,6 @@
             <a:prstDash val="sysDot"/>
             <a:round/>
           </a:ln>
-          <a:extLst>
-            <a:ext uri="{909E8E84-426E-40dd-AFC4-6F175D3DCCD1}">
-              <a14:hiddenFill xmlns:a14="http://schemas.microsoft.com/office/drawing/2010/main">
-                <a:solidFill>
-                  <a:srgbClr val="FFFFFF"/>
-                </a:solidFill>
-              </a14:hiddenFill>
-            </a:ext>
-          </a:extLst>
         </p:spPr>
         <p:txBody>
           <a:bodyPr wrap="none" anchor="ctr"/>
@@ -21538,6 +22788,11 @@
               </a:rPr>
               <a:t>阴影设置</a:t>
             </a:r>
+            <a:endParaRPr lang="zh-CN" altLang="en-US" sz="2800" b="1">
+              <a:solidFill>
+                <a:schemeClr val="tx1"/>
+              </a:solidFill>
+            </a:endParaRPr>
           </a:p>
           <a:p>
             <a:pPr algn="l">
@@ -21572,6 +22827,11 @@
               </a:rPr>
               <a:t>图像合成</a:t>
             </a:r>
+            <a:endParaRPr lang="zh-CN" altLang="en-US" sz="2800" b="1">
+              <a:solidFill>
+                <a:schemeClr val="tx1"/>
+              </a:solidFill>
+            </a:endParaRPr>
           </a:p>
           <a:p>
             <a:pPr algn="l">
@@ -21623,7 +22883,7 @@
   <p:timing>
     <p:tnLst>
       <p:par>
-        <p:cTn xmlns:p14="http://schemas.microsoft.com/office/powerpoint/2010/main" id="1" dur="indefinite" restart="never" nodeType="tmRoot"/>
+        <p:cTn id="1" dur="indefinite" restart="never" nodeType="tmRoot"/>
       </p:par>
     </p:tnLst>
   </p:timing>
@@ -21711,15 +22971,6 @@
               </a:rPr>
               <a:t>）</a:t>
             </a:r>
-            <a:r>
-              <a:rPr lang="zh-CN" altLang="en-US" sz="2800" dirty="0" smtClean="0">
-                <a:solidFill>
-                  <a:schemeClr val="tx1"/>
-                </a:solidFill>
-                <a:sym typeface="+mn-ea"/>
-              </a:rPr>
-              <a:t/>
-            </a:r>
             <a:br>
               <a:rPr lang="zh-CN" altLang="en-US" sz="2800" dirty="0" smtClean="0">
                 <a:solidFill>
@@ -21816,15 +23067,6 @@
               </a:rPr>
               <a:t>）</a:t>
             </a:r>
-            <a:r>
-              <a:rPr lang="en-US" altLang="zh-CN" sz="2800" dirty="0" smtClean="0">
-                <a:solidFill>
-                  <a:schemeClr val="tx1"/>
-                </a:solidFill>
-                <a:sym typeface="+mn-ea"/>
-              </a:rPr>
-              <a:t/>
-            </a:r>
             <a:br>
               <a:rPr lang="en-US" altLang="zh-CN" sz="2800" dirty="0" smtClean="0">
                 <a:solidFill>
@@ -21982,15 +23224,6 @@
               </a:rPr>
               <a:t>）</a:t>
             </a:r>
-            <a:r>
-              <a:rPr lang="en-US" altLang="zh-CN" sz="2800" dirty="0" smtClean="0">
-                <a:solidFill>
-                  <a:schemeClr val="tx1"/>
-                </a:solidFill>
-                <a:sym typeface="+mn-ea"/>
-              </a:rPr>
-              <a:t/>
-            </a:r>
             <a:br>
               <a:rPr lang="en-US" altLang="zh-CN" sz="2800" dirty="0" smtClean="0">
                 <a:solidFill>
@@ -22085,56 +23318,6 @@
                 <a:sym typeface="+mn-ea"/>
               </a:rPr>
               <a:t>坐标系变换与状态存储</a:t>
-            </a:r>
-            <a:r>
-              <a:rPr lang="en-US" altLang="zh-CN" sz="2800" dirty="0" smtClean="0">
-                <a:solidFill>
-                  <a:schemeClr val="tx1"/>
-                </a:solidFill>
-                <a:sym typeface="+mn-ea"/>
-              </a:rPr>
-              <a:t/>
-            </a:r>
-            <a:br>
-              <a:rPr lang="en-US" altLang="zh-CN" sz="2800" dirty="0" smtClean="0">
-                <a:solidFill>
-                  <a:schemeClr val="tx1"/>
-                </a:solidFill>
-                <a:sym typeface="+mn-ea"/>
-              </a:rPr>
-            </a:br>
-            <a:r>
-              <a:rPr lang="zh-CN" altLang="zh-CN" sz="2000" kern="1200" dirty="0" smtClean="0">
-                <a:solidFill>
-                  <a:srgbClr val="000000"/>
-                </a:solidFill>
-                <a:sym typeface="+mn-ea"/>
-              </a:rPr>
-              <a:t>－</a:t>
-            </a:r>
-            <a:r>
-              <a:rPr lang="en-US" altLang="zh-CN" sz="2000" kern="1200" dirty="0">
-                <a:solidFill>
-                  <a:srgbClr val="000000"/>
-                </a:solidFill>
-              </a:rPr>
-              <a:t>source-</a:t>
-            </a:r>
-            <a:r>
-              <a:rPr lang="en-US" altLang="zh-CN" sz="2000" kern="1200" dirty="0" err="1" smtClean="0">
-                <a:solidFill>
-                  <a:srgbClr val="000000"/>
-                </a:solidFill>
-              </a:rPr>
-              <a:t>ove</a:t>
-            </a:r>
-            <a:r>
-              <a:rPr lang="en-US" altLang="zh-CN" kern="1200" dirty="0">
-                <a:solidFill>
-                  <a:srgbClr val="000000"/>
-                </a:solidFill>
-              </a:rPr>
-              <a:t/>
             </a:r>
             <a:br>
               <a:rPr lang="en-US" altLang="zh-CN" kern="1200" dirty="0">
@@ -22287,11 +23470,6 @@
         </p:txBody>
       </p:sp>
     </p:spTree>
-    <p:extLst>
-      <p:ext uri="{BB962C8B-B14F-4D97-AF65-F5344CB8AC3E}">
-        <p14:creationId xmlns:p14="http://schemas.microsoft.com/office/powerpoint/2010/main" val="113929263"/>
-      </p:ext>
-    </p:extLst>
   </p:cSld>
   <p:clrMapOvr>
     <a:masterClrMapping/>
@@ -22299,7 +23477,7 @@
   <p:timing>
     <p:tnLst>
       <p:par>
-        <p:cTn xmlns:p14="http://schemas.microsoft.com/office/powerpoint/2010/main" id="1" dur="indefinite" restart="never" nodeType="tmRoot"/>
+        <p:cTn id="1" dur="indefinite" restart="never" nodeType="tmRoot"/>
       </p:par>
     </p:tnLst>
   </p:timing>
@@ -22369,15 +23547,6 @@
               </a:rPr>
               <a:t>transform )</a:t>
             </a:r>
-            <a:r>
-              <a:rPr lang="en-US" altLang="zh-CN" sz="2800" dirty="0" smtClean="0">
-                <a:solidFill>
-                  <a:schemeClr val="tx1"/>
-                </a:solidFill>
-                <a:sym typeface="+mn-ea"/>
-              </a:rPr>
-              <a:t/>
-            </a:r>
             <a:br>
               <a:rPr lang="en-US" altLang="zh-CN" sz="2800" dirty="0" smtClean="0">
                 <a:solidFill>
@@ -22431,15 +23600,6 @@
               </a:rPr>
               <a:t>）</a:t>
             </a:r>
-            <a:r>
-              <a:rPr lang="en-US" altLang="zh-CN" sz="2000" kern="1200" dirty="0" smtClean="0">
-                <a:solidFill>
-                  <a:srgbClr val="000000"/>
-                </a:solidFill>
-                <a:sym typeface="+mn-ea"/>
-              </a:rPr>
-              <a:t/>
-            </a:r>
             <a:br>
               <a:rPr lang="en-US" altLang="zh-CN" sz="2000" kern="1200" dirty="0" smtClean="0">
                 <a:solidFill>
@@ -22493,14 +23653,6 @@
               </a:rPr>
               <a:t>）</a:t>
             </a:r>
-            <a:r>
-              <a:rPr lang="en-US" altLang="zh-CN" sz="2000" kern="1200" dirty="0">
-                <a:solidFill>
-                  <a:srgbClr val="000000"/>
-                </a:solidFill>
-              </a:rPr>
-              <a:t/>
-            </a:r>
             <a:br>
               <a:rPr lang="en-US" altLang="zh-CN" sz="2000" kern="1200" dirty="0">
                 <a:solidFill>
@@ -22553,15 +23705,6 @@
               </a:rPr>
               <a:t>）</a:t>
             </a:r>
-            <a:r>
-              <a:rPr lang="en-US" altLang="zh-CN" sz="2000" kern="1200" dirty="0">
-                <a:solidFill>
-                  <a:srgbClr val="000000"/>
-                </a:solidFill>
-                <a:sym typeface="+mn-ea"/>
-              </a:rPr>
-              <a:t/>
-            </a:r>
             <a:br>
               <a:rPr lang="en-US" altLang="zh-CN" sz="2000" kern="1200" dirty="0">
                 <a:solidFill>
@@ -22615,15 +23758,6 @@
               </a:rPr>
               <a:t>）</a:t>
             </a:r>
-            <a:r>
-              <a:rPr lang="en-US" altLang="zh-CN" sz="2000" kern="1200" dirty="0">
-                <a:solidFill>
-                  <a:srgbClr val="000000"/>
-                </a:solidFill>
-                <a:sym typeface="+mn-ea"/>
-              </a:rPr>
-              <a:t/>
-            </a:r>
             <a:br>
               <a:rPr lang="en-US" altLang="zh-CN" sz="2000" kern="1200" dirty="0">
                 <a:solidFill>
@@ -22676,15 +23810,6 @@
                 <a:sym typeface="+mn-ea"/>
               </a:rPr>
               <a:t>）</a:t>
-            </a:r>
-            <a:r>
-              <a:rPr lang="en-US" altLang="zh-CN" sz="2000" kern="1200" dirty="0">
-                <a:solidFill>
-                  <a:srgbClr val="000000"/>
-                </a:solidFill>
-                <a:sym typeface="+mn-ea"/>
-              </a:rPr>
-              <a:t/>
             </a:r>
             <a:br>
               <a:rPr lang="en-US" altLang="zh-CN" sz="2000" kern="1200" dirty="0">
@@ -22764,15 +23889,6 @@
               </a:rPr>
               <a:t>矩阵变换方法</a:t>
             </a:r>
-            <a:r>
-              <a:rPr lang="en-US" altLang="zh-CN" sz="2800" kern="1200" dirty="0">
-                <a:solidFill>
-                  <a:schemeClr val="tx1"/>
-                </a:solidFill>
-                <a:sym typeface="+mn-ea"/>
-              </a:rPr>
-              <a:t/>
-            </a:r>
             <a:br>
               <a:rPr lang="en-US" altLang="zh-CN" sz="2800" kern="1200" dirty="0">
                 <a:solidFill>
@@ -22815,7 +23931,33 @@
                 </a:solidFill>
                 <a:sym typeface="+mn-ea"/>
               </a:rPr>
-              <a:t>)</a:t>
+              <a:t>)   是对当前坐标系进行变换， </a:t>
+            </a:r>
+            <a:br>
+              <a:rPr lang="en-US" altLang="zh-CN" sz="2000" kern="1200" dirty="0" smtClean="0">
+                <a:solidFill>
+                  <a:schemeClr val="tx1"/>
+                </a:solidFill>
+                <a:sym typeface="+mn-ea"/>
+              </a:rPr>
+            </a:br>
+            <a:r>
+              <a:rPr lang="zh-CN" altLang="en-US" sz="2000" kern="1200" dirty="0" smtClean="0">
+                <a:solidFill>
+                  <a:schemeClr val="tx1"/>
+                </a:solidFill>
+                <a:sym typeface="+mn-ea"/>
+              </a:rPr>
+              <a:t>－</a:t>
+            </a:r>
+            <a:r>
+              <a:rPr lang="en-US" altLang="zh-CN" sz="2000" kern="1200" dirty="0" err="1" smtClean="0">
+                <a:solidFill>
+                  <a:schemeClr val="tx1"/>
+                </a:solidFill>
+                <a:sym typeface="+mn-ea"/>
+              </a:rPr>
+              <a:t>setTransform</a:t>
             </a:r>
             <a:r>
               <a:rPr lang="en-US" altLang="zh-CN" sz="2000" kern="1200" dirty="0">
@@ -22824,7 +23966,25 @@
                 </a:solidFill>
                 <a:sym typeface="+mn-ea"/>
               </a:rPr>
-              <a:t/>
+              <a:t>( a , b , c , d , e , f )  </a:t>
+            </a:r>
+            <a:r>
+              <a:rPr lang="en-US" altLang="zh-CN" sz="2000" kern="1200" dirty="0" smtClean="0">
+                <a:solidFill>
+                  <a:schemeClr val="tx1"/>
+                </a:solidFill>
+                <a:sym typeface="+mn-ea"/>
+              </a:rPr>
+              <a:t>是对默认坐标系进行变换</a:t>
+            </a:r>
+            <a:r>
+              <a:rPr lang="zh-CN" altLang="en-US" sz="2000" kern="1200" dirty="0" smtClean="0">
+                <a:solidFill>
+                  <a:schemeClr val="tx1"/>
+                </a:solidFill>
+                <a:sym typeface="+mn-ea"/>
+              </a:rPr>
+              <a:t>，忽略之前的级联变换</a:t>
             </a:r>
             <a:br>
               <a:rPr lang="en-US" altLang="zh-CN" sz="2000" kern="1200" dirty="0">
@@ -22834,37 +23994,11 @@
                 <a:sym typeface="+mn-ea"/>
               </a:rPr>
             </a:br>
-            <a:r>
-              <a:rPr lang="zh-CN" altLang="en-US" sz="2000" kern="1200" dirty="0" smtClean="0">
-                <a:solidFill>
-                  <a:schemeClr val="tx1"/>
-                </a:solidFill>
-                <a:sym typeface="+mn-ea"/>
-              </a:rPr>
-              <a:t>－</a:t>
-            </a:r>
-            <a:r>
-              <a:rPr lang="en-US" altLang="zh-CN" sz="2000" kern="1200" dirty="0" err="1" smtClean="0">
-                <a:solidFill>
-                  <a:schemeClr val="tx1"/>
-                </a:solidFill>
-                <a:sym typeface="+mn-ea"/>
-              </a:rPr>
-              <a:t>setTransform</a:t>
-            </a:r>
-            <a:r>
-              <a:rPr lang="en-US" altLang="zh-CN" sz="2000" kern="1200" dirty="0">
-                <a:solidFill>
-                  <a:schemeClr val="tx1"/>
-                </a:solidFill>
-                <a:sym typeface="+mn-ea"/>
-              </a:rPr>
-              <a:t>( a , b , c , d , e , f )</a:t>
-            </a:r>
-            <a:endParaRPr lang="en-US" altLang="zh-CN" sz="2000" noProof="1">
+            <a:endParaRPr lang="zh-CN" altLang="en-US" sz="2000" kern="1200" noProof="1" dirty="0">
               <a:solidFill>
                 <a:schemeClr val="tx1"/>
               </a:solidFill>
+              <a:sym typeface="+mn-ea"/>
             </a:endParaRPr>
           </a:p>
           <a:p>
@@ -23028,7 +24162,7 @@
           <p:nvPr/>
         </p:nvPicPr>
         <p:blipFill>
-          <a:blip r:embed="rId2">
+          <a:blip r:embed="rId1">
             <a:extLst>
               <a:ext uri="{28A0092B-C50C-407E-A947-70E740481C1C}">
                 <a14:useLocalDpi xmlns:a14="http://schemas.microsoft.com/office/drawing/2010/main" val="0"/>
@@ -23050,11 +24184,6 @@
         </p:spPr>
       </p:pic>
     </p:spTree>
-    <p:extLst>
-      <p:ext uri="{BB962C8B-B14F-4D97-AF65-F5344CB8AC3E}">
-        <p14:creationId xmlns:p14="http://schemas.microsoft.com/office/powerpoint/2010/main" val="537074942"/>
-      </p:ext>
-    </p:extLst>
   </p:cSld>
   <p:clrMapOvr>
     <a:masterClrMapping/>
@@ -23062,7 +24191,7 @@
   <p:timing>
     <p:tnLst>
       <p:par>
-        <p:cTn xmlns:p14="http://schemas.microsoft.com/office/powerpoint/2010/main" id="1" dur="indefinite" restart="never" nodeType="tmRoot"/>
+        <p:cTn id="1" dur="indefinite" restart="never" nodeType="tmRoot"/>
       </p:par>
     </p:tnLst>
   </p:timing>
@@ -23095,7 +24224,7 @@
           <p:nvPr/>
         </p:nvPicPr>
         <p:blipFill>
-          <a:blip r:embed="rId3" cstate="print">
+          <a:blip r:embed="rId1" cstate="print">
             <a:extLst>
               <a:ext uri="{28A0092B-C50C-407E-A947-70E740481C1C}">
                 <a14:useLocalDpi xmlns:a14="http://schemas.microsoft.com/office/drawing/2010/main" val="0"/>
@@ -23119,25 +24248,6 @@
           <a:ln>
             <a:noFill/>
           </a:ln>
-          <a:extLst>
-            <a:ext uri="{909E8E84-426E-40dd-AFC4-6F175D3DCCD1}">
-              <a14:hiddenFill xmlns:a14="http://schemas.microsoft.com/office/drawing/2010/main">
-                <a:solidFill>
-                  <a:srgbClr val="FFFFFF"/>
-                </a:solidFill>
-              </a14:hiddenFill>
-            </a:ext>
-            <a:ext uri="{91240B29-F687-4f45-9708-019B960494DF}">
-              <a14:hiddenLine xmlns:a14="http://schemas.microsoft.com/office/drawing/2010/main" w="9525">
-                <a:solidFill>
-                  <a:srgbClr val="000000"/>
-                </a:solidFill>
-                <a:miter lim="800000"/>
-                <a:headEnd/>
-                <a:tailEnd/>
-              </a14:hiddenLine>
-            </a:ext>
-          </a:extLst>
         </p:spPr>
       </p:pic>
       <p:sp>
@@ -23159,25 +24269,6 @@
             <a:avLst/>
           </a:prstGeom>
           <a:noFill/>
-          <a:extLst>
-            <a:ext uri="{909E8E84-426E-40dd-AFC4-6F175D3DCCD1}">
-              <a14:hiddenFill xmlns:a14="http://schemas.microsoft.com/office/drawing/2010/main">
-                <a:solidFill>
-                  <a:srgbClr val="FFFFFF"/>
-                </a:solidFill>
-              </a14:hiddenFill>
-            </a:ext>
-            <a:ext uri="{91240B29-F687-4f45-9708-019B960494DF}">
-              <a14:hiddenLine xmlns:a14="http://schemas.microsoft.com/office/drawing/2010/main" w="9525">
-                <a:solidFill>
-                  <a:srgbClr val="000000"/>
-                </a:solidFill>
-                <a:miter lim="800000"/>
-                <a:headEnd/>
-                <a:tailEnd/>
-              </a14:hiddenLine>
-            </a:ext>
-          </a:extLst>
         </p:spPr>
         <p:txBody>
           <a:bodyPr anchor="b"/>
@@ -23192,6 +24283,7 @@
               <a:rPr lang="zh-CN" altLang="en-US" sz="4800" b="1" dirty="0"/>
               <a:t>动画与游戏开发</a:t>
             </a:r>
+            <a:endParaRPr lang="zh-CN" altLang="en-US" sz="4800" b="1" dirty="0"/>
           </a:p>
         </p:txBody>
       </p:sp>
@@ -23249,6 +24341,11 @@
               </a:rPr>
               <a:t>绘图进阶二</a:t>
             </a:r>
+            <a:endParaRPr lang="zh-CN" altLang="en-US" dirty="0">
+              <a:latin typeface="+mj-ea"/>
+              <a:ea typeface="+mj-ea"/>
+              <a:sym typeface="+mn-ea"/>
+            </a:endParaRPr>
           </a:p>
         </p:txBody>
       </p:sp>
@@ -23261,7 +24358,7 @@
           <p:nvPr/>
         </p:nvPicPr>
         <p:blipFill>
-          <a:blip r:embed="rId4" cstate="print">
+          <a:blip r:embed="rId2" cstate="print">
             <a:extLst>
               <a:ext uri="{28A0092B-C50C-407E-A947-70E740481C1C}">
                 <a14:useLocalDpi xmlns:a14="http://schemas.microsoft.com/office/drawing/2010/main" val="0"/>
@@ -23285,25 +24382,6 @@
           <a:ln>
             <a:noFill/>
           </a:ln>
-          <a:extLst>
-            <a:ext uri="{909E8E84-426E-40dd-AFC4-6F175D3DCCD1}">
-              <a14:hiddenFill xmlns:a14="http://schemas.microsoft.com/office/drawing/2010/main">
-                <a:solidFill>
-                  <a:srgbClr val="FFFFFF"/>
-                </a:solidFill>
-              </a14:hiddenFill>
-            </a:ext>
-            <a:ext uri="{91240B29-F687-4f45-9708-019B960494DF}">
-              <a14:hiddenLine xmlns:a14="http://schemas.microsoft.com/office/drawing/2010/main" w="9525">
-                <a:solidFill>
-                  <a:srgbClr val="000000"/>
-                </a:solidFill>
-                <a:miter lim="800000"/>
-                <a:headEnd/>
-                <a:tailEnd/>
-              </a14:hiddenLine>
-            </a:ext>
-          </a:extLst>
         </p:spPr>
       </p:pic>
     </p:spTree>
@@ -23311,11 +24389,11 @@
   <p:clrMapOvr>
     <a:masterClrMapping/>
   </p:clrMapOvr>
-  <p:transition xmlns:p14="http://schemas.microsoft.com/office/powerpoint/2010/main" advClick="0"/>
+  <p:transition advClick="0"/>
   <p:timing>
     <p:tnLst>
       <p:par>
-        <p:cTn xmlns:p14="http://schemas.microsoft.com/office/powerpoint/2010/main" id="1" dur="indefinite" restart="never" nodeType="tmRoot"/>
+        <p:cTn id="1" dur="indefinite" restart="never" nodeType="tmRoot"/>
       </p:par>
     </p:tnLst>
   </p:timing>
@@ -23542,6 +24620,7 @@
               <a:rPr lang="zh-CN" dirty="0" smtClean="0"/>
               <a:t>内容刚要</a:t>
             </a:r>
+            <a:endParaRPr lang="zh-CN" dirty="0" smtClean="0"/>
           </a:p>
         </p:txBody>
       </p:sp>
@@ -23571,15 +24650,6 @@
             <a:prstDash val="sysDot"/>
             <a:round/>
           </a:ln>
-          <a:extLst>
-            <a:ext uri="{909E8E84-426E-40dd-AFC4-6F175D3DCCD1}">
-              <a14:hiddenFill xmlns:a14="http://schemas.microsoft.com/office/drawing/2010/main">
-                <a:solidFill>
-                  <a:srgbClr val="FFFFFF"/>
-                </a:solidFill>
-              </a14:hiddenFill>
-            </a:ext>
-          </a:extLst>
         </p:spPr>
         <p:txBody>
           <a:bodyPr wrap="none" anchor="ctr"/>
@@ -23725,6 +24795,12 @@
               </a:rPr>
               <a:t>文本</a:t>
             </a:r>
+            <a:endParaRPr lang="zh-CN" altLang="en-US" sz="2800" b="1">
+              <a:solidFill>
+                <a:schemeClr val="accent3"/>
+              </a:solidFill>
+              <a:sym typeface="+mn-ea"/>
+            </a:endParaRPr>
           </a:p>
           <a:p>
             <a:pPr algn="l">
@@ -23761,6 +24837,12 @@
               </a:rPr>
               <a:t>裁切</a:t>
             </a:r>
+            <a:endParaRPr lang="zh-CN" altLang="en-US" sz="2800" b="1">
+              <a:solidFill>
+                <a:schemeClr val="tx1"/>
+              </a:solidFill>
+              <a:sym typeface="+mn-ea"/>
+            </a:endParaRPr>
           </a:p>
           <a:p>
             <a:pPr algn="l">
@@ -23808,7 +24890,7 @@
   <p:timing>
     <p:tnLst>
       <p:par>
-        <p:cTn xmlns:p14="http://schemas.microsoft.com/office/powerpoint/2010/main" id="1" dur="indefinite" restart="never" nodeType="tmRoot"/>
+        <p:cTn id="1" dur="indefinite" restart="never" nodeType="tmRoot"/>
       </p:par>
     </p:tnLst>
   </p:timing>
@@ -23869,15 +24951,6 @@
               </a:rPr>
               <a:t>文字渲染基础</a:t>
             </a:r>
-            <a:r>
-              <a:rPr lang="zh-CN" altLang="en-US" sz="2800" dirty="0" smtClean="0">
-                <a:solidFill>
-                  <a:schemeClr val="tx1"/>
-                </a:solidFill>
-                <a:sym typeface="+mn-ea"/>
-              </a:rPr>
-              <a:t/>
-            </a:r>
             <a:br>
               <a:rPr lang="zh-CN" altLang="en-US" sz="2800" dirty="0" smtClean="0">
                 <a:solidFill>
@@ -23951,15 +25024,6 @@
                 </a:solidFill>
               </a:rPr>
               <a:t>Arial”;</a:t>
-            </a:r>
-            <a:r>
-              <a:rPr lang="en-US" altLang="zh-CN" sz="2000" dirty="0" smtClean="0">
-                <a:solidFill>
-                  <a:srgbClr val="000000"/>
-                </a:solidFill>
-                <a:sym typeface="+mn-ea"/>
-              </a:rPr>
-              <a:t/>
             </a:r>
             <a:br>
               <a:rPr lang="en-US" altLang="zh-CN" sz="2000" dirty="0" smtClean="0">
@@ -24108,15 +25172,6 @@
               </a:rPr>
               <a:t>）设置综述</a:t>
             </a:r>
-            <a:r>
-              <a:rPr lang="en-US" altLang="zh-CN" sz="2800" dirty="0" smtClean="0">
-                <a:solidFill>
-                  <a:schemeClr val="tx1"/>
-                </a:solidFill>
-                <a:sym typeface="+mn-ea"/>
-              </a:rPr>
-              <a:t/>
-            </a:r>
             <a:br>
               <a:rPr lang="en-US" altLang="zh-CN" sz="2800" dirty="0" smtClean="0">
                 <a:solidFill>
@@ -24230,14 +25285,6 @@
               </a:rPr>
               <a:t>）</a:t>
             </a:r>
-            <a:r>
-              <a:rPr lang="en-US" altLang="zh-CN" sz="2000" kern="1200" dirty="0" smtClean="0">
-                <a:solidFill>
-                  <a:srgbClr val="000000"/>
-                </a:solidFill>
-              </a:rPr>
-              <a:t/>
-            </a:r>
             <a:br>
               <a:rPr lang="en-US" altLang="zh-CN" sz="2000" kern="1200" dirty="0" smtClean="0">
                 <a:solidFill>
@@ -24317,14 +25364,6 @@
               </a:rPr>
               <a:t>）</a:t>
             </a:r>
-            <a:r>
-              <a:rPr lang="en-US" altLang="zh-CN" sz="2000" kern="1200" dirty="0" smtClean="0">
-                <a:solidFill>
-                  <a:srgbClr val="000000"/>
-                </a:solidFill>
-              </a:rPr>
-              <a:t/>
-            </a:r>
             <a:br>
               <a:rPr lang="en-US" altLang="zh-CN" sz="2000" kern="1200" dirty="0" smtClean="0">
                 <a:solidFill>
@@ -24402,7 +25441,15 @@
                   <a:srgbClr val="000000"/>
                 </a:solidFill>
               </a:rPr>
-              <a:t>默认</a:t>
+              <a:t>默认、</a:t>
+            </a:r>
+            <a:r>
+              <a:rPr lang="en-US" altLang="zh-CN" sz="2000" kern="1200" dirty="0" err="1" smtClean="0">
+                <a:solidFill>
+                  <a:srgbClr val="000000"/>
+                </a:solidFill>
+              </a:rPr>
+              <a:t>bord</a:t>
             </a:r>
             <a:r>
               <a:rPr lang="zh-CN" altLang="en-US" sz="2000" kern="1200" dirty="0" smtClean="0">
@@ -24413,12 +25460,12 @@
               <a:t>、</a:t>
             </a:r>
             <a:r>
-              <a:rPr lang="en-US" altLang="zh-CN" sz="2000" kern="1200" dirty="0" err="1" smtClean="0">
+              <a:rPr lang="en-US" altLang="zh-CN" sz="2000" kern="1200" dirty="0">
                 <a:solidFill>
                   <a:srgbClr val="000000"/>
                 </a:solidFill>
               </a:rPr>
-              <a:t>bord</a:t>
+              <a:t>bolder </a:t>
             </a:r>
             <a:r>
               <a:rPr lang="zh-CN" altLang="en-US" sz="2000" kern="1200" dirty="0" smtClean="0">
@@ -24426,31 +25473,7 @@
                   <a:srgbClr val="000000"/>
                 </a:solidFill>
               </a:rPr>
-              <a:t>、</a:t>
-            </a:r>
-            <a:r>
-              <a:rPr lang="en-US" altLang="zh-CN" sz="2000" kern="1200" dirty="0">
-                <a:solidFill>
-                  <a:srgbClr val="000000"/>
-                </a:solidFill>
-              </a:rPr>
-              <a:t>bolder </a:t>
-            </a:r>
-            <a:r>
-              <a:rPr lang="zh-CN" altLang="en-US" sz="2000" kern="1200" dirty="0" smtClean="0">
-                <a:solidFill>
-                  <a:srgbClr val="000000"/>
-                </a:solidFill>
-              </a:rPr>
               <a:t>）</a:t>
-            </a:r>
-            <a:r>
-              <a:rPr lang="en-US" altLang="zh-CN" sz="2000" kern="1200" dirty="0" smtClean="0">
-                <a:solidFill>
-                  <a:srgbClr val="000000"/>
-                </a:solidFill>
-              </a:rPr>
-              <a:t/>
             </a:r>
             <a:br>
               <a:rPr lang="en-US" altLang="zh-CN" sz="2000" kern="1200" dirty="0" smtClean="0">
@@ -24547,14 +25570,6 @@
               </a:rPr>
               <a:t>）</a:t>
             </a:r>
-            <a:r>
-              <a:rPr lang="en-US" altLang="zh-CN" sz="2000" kern="1200" dirty="0" smtClean="0">
-                <a:solidFill>
-                  <a:srgbClr val="000000"/>
-                </a:solidFill>
-              </a:rPr>
-              <a:t/>
-            </a:r>
             <a:br>
               <a:rPr lang="en-US" altLang="zh-CN" sz="2000" kern="1200" dirty="0" smtClean="0">
                 <a:solidFill>
@@ -24600,23 +25615,7 @@
                   <a:srgbClr val="000000"/>
                 </a:solidFill>
               </a:rPr>
-              <a:t>（</a:t>
-            </a:r>
-            <a:r>
-              <a:rPr lang="zh-CN" altLang="en-US" sz="2000" kern="1200" dirty="0" smtClean="0">
-                <a:solidFill>
-                  <a:srgbClr val="000000"/>
-                </a:solidFill>
-              </a:rPr>
-              <a:t>多种字体备选</a:t>
-            </a:r>
-            <a:r>
-              <a:rPr lang="zh-CN" altLang="en-US" sz="2000" kern="1200" dirty="0" smtClean="0">
-                <a:solidFill>
-                  <a:srgbClr val="000000"/>
-                </a:solidFill>
-              </a:rPr>
-              <a:t>以逗号分割、</a:t>
+              <a:t>（多种字体备选以逗号分割、</a:t>
             </a:r>
             <a:r>
               <a:rPr lang="en-US" altLang="zh-CN" sz="2000" kern="1200" dirty="0" smtClean="0">
@@ -24775,11 +25774,6 @@
         </p:txBody>
       </p:sp>
     </p:spTree>
-    <p:extLst>
-      <p:ext uri="{BB962C8B-B14F-4D97-AF65-F5344CB8AC3E}">
-        <p14:creationId xmlns:p14="http://schemas.microsoft.com/office/powerpoint/2010/main" val="3422483801"/>
-      </p:ext>
-    </p:extLst>
   </p:cSld>
   <p:clrMapOvr>
     <a:masterClrMapping/>
@@ -24787,7 +25781,7 @@
   <p:timing>
     <p:tnLst>
       <p:par>
-        <p:cTn xmlns:p14="http://schemas.microsoft.com/office/powerpoint/2010/main" id="1" dur="indefinite" restart="never" nodeType="tmRoot"/>
+        <p:cTn id="1" dur="indefinite" restart="never" nodeType="tmRoot"/>
       </p:par>
     </p:tnLst>
   </p:timing>
@@ -24848,15 +25842,6 @@
               </a:rPr>
               <a:t>文本水平对齐</a:t>
             </a:r>
-            <a:r>
-              <a:rPr lang="zh-CN" altLang="en-US" sz="2800" dirty="0" smtClean="0">
-                <a:solidFill>
-                  <a:srgbClr val="000000"/>
-                </a:solidFill>
-                <a:sym typeface="+mn-ea"/>
-              </a:rPr>
-              <a:t/>
-            </a:r>
             <a:br>
               <a:rPr lang="zh-CN" altLang="en-US" sz="2800" dirty="0" smtClean="0">
                 <a:solidFill>
@@ -24958,34 +25943,7 @@
                 </a:solidFill>
                 <a:sym typeface="+mn-ea"/>
               </a:rPr>
-              <a:t>文本</a:t>
-            </a:r>
-            <a:r>
-              <a:rPr lang="zh-CN" altLang="en-US" sz="2800" kern="1200" dirty="0" smtClean="0">
-                <a:solidFill>
-                  <a:srgbClr val="000000"/>
-                </a:solidFill>
-                <a:sym typeface="+mn-ea"/>
-              </a:rPr>
-              <a:t>垂直</a:t>
-            </a:r>
-            <a:r>
-              <a:rPr lang="zh-CN" altLang="en-US" sz="2800" kern="1200" dirty="0" smtClean="0">
-                <a:solidFill>
-                  <a:srgbClr val="000000"/>
-                </a:solidFill>
-                <a:sym typeface="+mn-ea"/>
-              </a:rPr>
-              <a:t>对齐</a:t>
-            </a:r>
-            <a:r>
-              <a:rPr lang="en-US" altLang="zh-CN" sz="2800" dirty="0" smtClean="0">
-                <a:solidFill>
-                  <a:srgbClr val="000000"/>
-                </a:solidFill>
-                <a:sym typeface="+mn-ea"/>
-              </a:rPr>
-              <a:t/>
+              <a:t>文本垂直对齐</a:t>
             </a:r>
             <a:br>
               <a:rPr lang="en-US" altLang="zh-CN" sz="2800" dirty="0" smtClean="0">
@@ -25026,15 +25984,7 @@
                   <a:srgbClr val="000000"/>
                 </a:solidFill>
               </a:rPr>
-              <a:t> </a:t>
-            </a:r>
-            <a:r>
-              <a:rPr lang="en-US" altLang="zh-CN" sz="2000" kern="1200" dirty="0" smtClean="0">
-                <a:solidFill>
-                  <a:srgbClr val="000000"/>
-                </a:solidFill>
-              </a:rPr>
-              <a:t>top</a:t>
+              <a:t> top</a:t>
             </a:r>
             <a:r>
               <a:rPr lang="zh-CN" altLang="en-US" sz="2000" kern="1200" dirty="0" smtClean="0">
@@ -25137,15 +26087,7 @@
                   <a:srgbClr val="000000"/>
                 </a:solidFill>
               </a:rPr>
-              <a:t>）</a:t>
-            </a:r>
-            <a:r>
-              <a:rPr lang="zh-CN" altLang="en-US" sz="2000" kern="1200" dirty="0" smtClean="0">
-                <a:solidFill>
-                  <a:srgbClr val="000000"/>
-                </a:solidFill>
-              </a:rPr>
-              <a:t>｜</a:t>
+              <a:t>）｜</a:t>
             </a:r>
             <a:r>
               <a:rPr lang="en-US" altLang="zh-CN" sz="2000" kern="1200" dirty="0" smtClean="0">
@@ -25185,14 +26127,6 @@
                 </a:solidFill>
               </a:rPr>
               <a:t>文本度量</a:t>
-            </a:r>
-            <a:r>
-              <a:rPr lang="en-US" altLang="zh-CN" sz="2800" kern="1200" dirty="0">
-                <a:solidFill>
-                  <a:srgbClr val="000000"/>
-                </a:solidFill>
-              </a:rPr>
-              <a:t/>
             </a:r>
             <a:br>
               <a:rPr lang="en-US" altLang="zh-CN" sz="2800" kern="1200" dirty="0">
@@ -25358,11 +26292,6 @@
         </p:txBody>
       </p:sp>
     </p:spTree>
-    <p:extLst>
-      <p:ext uri="{BB962C8B-B14F-4D97-AF65-F5344CB8AC3E}">
-        <p14:creationId xmlns:p14="http://schemas.microsoft.com/office/powerpoint/2010/main" val="187879828"/>
-      </p:ext>
-    </p:extLst>
   </p:cSld>
   <p:clrMapOvr>
     <a:masterClrMapping/>
@@ -25370,7 +26299,7 @@
   <p:timing>
     <p:tnLst>
       <p:par>
-        <p:cTn xmlns:p14="http://schemas.microsoft.com/office/powerpoint/2010/main" id="1" dur="indefinite" restart="never" nodeType="tmRoot"/>
+        <p:cTn id="1" dur="indefinite" restart="never" nodeType="tmRoot"/>
       </p:par>
     </p:tnLst>
   </p:timing>
@@ -25597,6 +26526,7 @@
               <a:rPr lang="zh-CN" dirty="0" smtClean="0"/>
               <a:t>内容刚要</a:t>
             </a:r>
+            <a:endParaRPr lang="zh-CN" dirty="0" smtClean="0"/>
           </a:p>
         </p:txBody>
       </p:sp>
@@ -25626,15 +26556,6 @@
             <a:prstDash val="sysDot"/>
             <a:round/>
           </a:ln>
-          <a:extLst>
-            <a:ext uri="{909E8E84-426E-40dd-AFC4-6F175D3DCCD1}">
-              <a14:hiddenFill xmlns:a14="http://schemas.microsoft.com/office/drawing/2010/main">
-                <a:solidFill>
-                  <a:srgbClr val="FFFFFF"/>
-                </a:solidFill>
-              </a14:hiddenFill>
-            </a:ext>
-          </a:extLst>
         </p:spPr>
         <p:txBody>
           <a:bodyPr wrap="none" anchor="ctr"/>
@@ -25780,6 +26701,12 @@
               </a:rPr>
               <a:t>文本</a:t>
             </a:r>
+            <a:endParaRPr lang="zh-CN" altLang="en-US" sz="2800" b="1">
+              <a:solidFill>
+                <a:schemeClr val="tx1"/>
+              </a:solidFill>
+              <a:sym typeface="+mn-ea"/>
+            </a:endParaRPr>
           </a:p>
           <a:p>
             <a:pPr algn="l">
@@ -25816,6 +26743,12 @@
               </a:rPr>
               <a:t>裁切</a:t>
             </a:r>
+            <a:endParaRPr lang="zh-CN" altLang="en-US" sz="2800" b="1">
+              <a:solidFill>
+                <a:schemeClr val="accent3"/>
+              </a:solidFill>
+              <a:sym typeface="+mn-ea"/>
+            </a:endParaRPr>
           </a:p>
           <a:p>
             <a:pPr algn="l">
@@ -25863,7 +26796,7 @@
   <p:timing>
     <p:tnLst>
       <p:par>
-        <p:cTn xmlns:p14="http://schemas.microsoft.com/office/powerpoint/2010/main" id="1" dur="indefinite" restart="never" nodeType="tmRoot"/>
+        <p:cTn id="1" dur="indefinite" restart="never" nodeType="tmRoot"/>
       </p:par>
     </p:tnLst>
   </p:timing>
@@ -26090,6 +27023,7 @@
               <a:rPr lang="zh-CN" dirty="0" smtClean="0"/>
               <a:t>内容刚要</a:t>
             </a:r>
+            <a:endParaRPr lang="zh-CN" dirty="0" smtClean="0"/>
           </a:p>
         </p:txBody>
       </p:sp>
@@ -26119,15 +27053,6 @@
             <a:prstDash val="sysDot"/>
             <a:round/>
           </a:ln>
-          <a:extLst>
-            <a:ext uri="{909E8E84-426E-40dd-AFC4-6F175D3DCCD1}">
-              <a14:hiddenFill xmlns:a14="http://schemas.microsoft.com/office/drawing/2010/main">
-                <a:solidFill>
-                  <a:srgbClr val="FFFFFF"/>
-                </a:solidFill>
-              </a14:hiddenFill>
-            </a:ext>
-          </a:extLst>
         </p:spPr>
         <p:txBody>
           <a:bodyPr wrap="none" anchor="ctr"/>
@@ -26272,6 +27197,12 @@
               </a:rPr>
               <a:t>案例概览</a:t>
             </a:r>
+            <a:endParaRPr lang="zh-CN" altLang="en-US" sz="2800" b="1">
+              <a:solidFill>
+                <a:schemeClr val="tx1"/>
+              </a:solidFill>
+              <a:sym typeface="+mn-ea"/>
+            </a:endParaRPr>
           </a:p>
           <a:p>
             <a:pPr algn="l">
@@ -26306,6 +27237,11 @@
               </a:rPr>
               <a:t>尺寸问题</a:t>
             </a:r>
+            <a:endParaRPr lang="zh-CN" altLang="en-US" sz="2800" b="1">
+              <a:solidFill>
+                <a:schemeClr val="accent3"/>
+              </a:solidFill>
+            </a:endParaRPr>
           </a:p>
           <a:p>
             <a:pPr algn="l">
@@ -26352,7 +27288,7 @@
   <p:timing>
     <p:tnLst>
       <p:par>
-        <p:cTn xmlns:p14="http://schemas.microsoft.com/office/powerpoint/2010/main" id="1" dur="indefinite" restart="never" nodeType="tmRoot"/>
+        <p:cTn id="1" dur="indefinite" restart="never" nodeType="tmRoot"/>
       </p:par>
     </p:tnLst>
   </p:timing>
@@ -26422,15 +27358,6 @@
               </a:rPr>
               <a:t>剪切方法</a:t>
             </a:r>
-            <a:r>
-              <a:rPr lang="zh-CN" altLang="en-US" sz="2800" dirty="0" smtClean="0">
-                <a:solidFill>
-                  <a:srgbClr val="000000"/>
-                </a:solidFill>
-                <a:sym typeface="+mn-ea"/>
-              </a:rPr>
-              <a:t/>
-            </a:r>
             <a:br>
               <a:rPr lang="zh-CN" altLang="en-US" sz="2800" dirty="0" smtClean="0">
                 <a:solidFill>
@@ -26497,15 +27424,6 @@
               </a:rPr>
               <a:t>（剪切区域）</a:t>
             </a:r>
-            <a:r>
-              <a:rPr lang="en-US" altLang="zh-CN" sz="2800" dirty="0" smtClean="0">
-                <a:solidFill>
-                  <a:srgbClr val="000000"/>
-                </a:solidFill>
-                <a:sym typeface="+mn-ea"/>
-              </a:rPr>
-              <a:t/>
-            </a:r>
             <a:br>
               <a:rPr lang="en-US" altLang="zh-CN" sz="2800" dirty="0" smtClean="0">
                 <a:solidFill>
@@ -26523,30 +27441,11 @@
               </a:rPr>
               <a:t>－</a:t>
             </a:r>
-            <a:r>
-              <a:rPr lang="en-US" altLang="zh-CN" sz="2000" kern="1200" dirty="0" err="1" smtClean="0">
-                <a:solidFill>
-                  <a:srgbClr val="000000"/>
-                </a:solidFill>
-              </a:rPr>
-              <a:t>context.clip</a:t>
-            </a:r>
-            <a:r>
-              <a:rPr lang="en-US" altLang="zh-CN" sz="2000" kern="1200" dirty="0">
-                <a:solidFill>
-                  <a:srgbClr val="000000"/>
-                </a:solidFill>
-              </a:rPr>
-              <a:t>( </a:t>
-            </a:r>
-            <a:r>
-              <a:rPr lang="en-US" altLang="zh-CN" sz="2000" kern="1200" dirty="0" smtClean="0">
-                <a:solidFill>
-                  <a:srgbClr val="000000"/>
-                </a:solidFill>
-              </a:rPr>
-              <a:t>)</a:t>
-            </a:r>
+            <a:endParaRPr lang="en-US" altLang="zh-CN" sz="2000" kern="1200" dirty="0" smtClean="0">
+              <a:solidFill>
+                <a:srgbClr val="000000"/>
+              </a:solidFill>
+            </a:endParaRPr>
           </a:p>
           <a:p>
             <a:pPr>
@@ -26565,14 +27464,6 @@
               </a:rPr>
               <a:t>剪切与状态的关系</a:t>
             </a:r>
-            <a:r>
-              <a:rPr lang="en-US" altLang="zh-CN" sz="2800" kern="1200" dirty="0" smtClean="0">
-                <a:solidFill>
-                  <a:srgbClr val="000000"/>
-                </a:solidFill>
-              </a:rPr>
-              <a:t/>
-            </a:r>
             <a:br>
               <a:rPr lang="en-US" altLang="zh-CN" sz="2800" kern="1200" dirty="0" smtClean="0">
                 <a:solidFill>
@@ -26588,22 +27479,11 @@
               </a:rPr>
               <a:t>－</a:t>
             </a:r>
-            <a:r>
-              <a:rPr lang="en-US" altLang="zh-CN" sz="2000" kern="1200" dirty="0" err="1" smtClean="0">
-                <a:solidFill>
-                  <a:srgbClr val="000000"/>
-                </a:solidFill>
-              </a:rPr>
-              <a:t>context.clip</a:t>
-            </a:r>
-            <a:r>
-              <a:rPr lang="en-US" altLang="zh-CN" sz="2000" kern="1200" dirty="0" smtClean="0">
-                <a:solidFill>
-                  <a:srgbClr val="000000"/>
-                </a:solidFill>
-              </a:rPr>
-              <a:t>( )</a:t>
-            </a:r>
+            <a:endParaRPr lang="en-US" altLang="zh-CN" sz="2000" kern="1200" dirty="0" smtClean="0">
+              <a:solidFill>
+                <a:srgbClr val="000000"/>
+              </a:solidFill>
+            </a:endParaRPr>
           </a:p>
           <a:p>
             <a:pPr lvl="0">
@@ -26620,15 +27500,7 @@
                   <a:srgbClr val="000000"/>
                 </a:solidFill>
               </a:rPr>
-              <a:t>非零环绕原则</a:t>
-            </a:r>
-            <a:r>
-              <a:rPr lang="en-US" altLang="zh-CN" sz="2800" kern="1200" dirty="0">
-                <a:solidFill>
-                  <a:srgbClr val="000000"/>
-                </a:solidFill>
-              </a:rPr>
-              <a:t/>
+              <a:t>非零环绕原则填充</a:t>
             </a:r>
             <a:br>
               <a:rPr lang="en-US" altLang="zh-CN" sz="2800" kern="1200" dirty="0">
@@ -26644,30 +27516,6 @@
                 </a:solidFill>
               </a:rPr>
               <a:t>－</a:t>
-            </a:r>
-            <a:r>
-              <a:rPr lang="en-US" altLang="zh-CN" sz="2000" kern="1200" dirty="0" err="1">
-                <a:solidFill>
-                  <a:srgbClr val="000000"/>
-                </a:solidFill>
-              </a:rPr>
-              <a:t>context.clip</a:t>
-            </a:r>
-            <a:r>
-              <a:rPr lang="en-US" altLang="zh-CN" sz="2000" kern="1200" dirty="0">
-                <a:solidFill>
-                  <a:srgbClr val="000000"/>
-                </a:solidFill>
-              </a:rPr>
-              <a:t>( </a:t>
-            </a:r>
-            <a:r>
-              <a:rPr lang="en-US" altLang="zh-CN" sz="2000" kern="1200" dirty="0" smtClean="0">
-                <a:solidFill>
-                  <a:srgbClr val="000000"/>
-                </a:solidFill>
-              </a:rPr>
-              <a:t>)</a:t>
             </a:r>
             <a:endParaRPr lang="en-US" altLang="zh-CN" sz="2000" kern="1200" dirty="0">
               <a:solidFill>
@@ -26810,15 +27658,15 @@
           <p:nvPr/>
         </p:nvPicPr>
         <p:blipFill>
-          <a:blip r:embed="rId2"/>
+          <a:blip r:embed="rId1"/>
           <a:stretch>
             <a:fillRect/>
           </a:stretch>
         </p:blipFill>
         <p:spPr>
           <a:xfrm>
-            <a:off x="5321466" y="1896095"/>
-            <a:ext cx="5455054" cy="3048248"/>
+            <a:off x="5421630" y="3524885"/>
+            <a:ext cx="4030345" cy="2251710"/>
           </a:xfrm>
           <a:prstGeom prst="rect">
             <a:avLst/>
@@ -26829,12 +27677,31 @@
           </a:ln>
         </p:spPr>
       </p:pic>
+      <p:pic>
+        <p:nvPicPr>
+          <p:cNvPr id="3" name="图片 2" descr="019`VYT1[~)}IG1B502EAUV"/>
+          <p:cNvPicPr>
+            <a:picLocks noChangeAspect="1"/>
+          </p:cNvPicPr>
+          <p:nvPr/>
+        </p:nvPicPr>
+        <p:blipFill>
+          <a:blip r:embed="rId2"/>
+          <a:stretch>
+            <a:fillRect/>
+          </a:stretch>
+        </p:blipFill>
+        <p:spPr>
+          <a:xfrm>
+            <a:off x="5565140" y="953770"/>
+            <a:ext cx="3796665" cy="2416175"/>
+          </a:xfrm>
+          <a:prstGeom prst="rect">
+            <a:avLst/>
+          </a:prstGeom>
+        </p:spPr>
+      </p:pic>
     </p:spTree>
-    <p:extLst>
-      <p:ext uri="{BB962C8B-B14F-4D97-AF65-F5344CB8AC3E}">
-        <p14:creationId xmlns:p14="http://schemas.microsoft.com/office/powerpoint/2010/main" val="2008715445"/>
-      </p:ext>
-    </p:extLst>
   </p:cSld>
   <p:clrMapOvr>
     <a:masterClrMapping/>
@@ -26842,7 +27709,7 @@
   <p:timing>
     <p:tnLst>
       <p:par>
-        <p:cTn xmlns:p14="http://schemas.microsoft.com/office/powerpoint/2010/main" id="1" dur="indefinite" restart="never" nodeType="tmRoot"/>
+        <p:cTn id="1" dur="indefinite" restart="never" nodeType="tmRoot"/>
       </p:par>
     </p:tnLst>
   </p:timing>
@@ -27069,6 +27936,7 @@
               <a:rPr lang="zh-CN" dirty="0" smtClean="0"/>
               <a:t>内容刚要</a:t>
             </a:r>
+            <a:endParaRPr lang="zh-CN" dirty="0" smtClean="0"/>
           </a:p>
         </p:txBody>
       </p:sp>
@@ -27098,15 +27966,6 @@
             <a:prstDash val="sysDot"/>
             <a:round/>
           </a:ln>
-          <a:extLst>
-            <a:ext uri="{909E8E84-426E-40dd-AFC4-6F175D3DCCD1}">
-              <a14:hiddenFill xmlns:a14="http://schemas.microsoft.com/office/drawing/2010/main">
-                <a:solidFill>
-                  <a:srgbClr val="FFFFFF"/>
-                </a:solidFill>
-              </a14:hiddenFill>
-            </a:ext>
-          </a:extLst>
         </p:spPr>
         <p:txBody>
           <a:bodyPr wrap="none" anchor="ctr"/>
@@ -27252,6 +28111,12 @@
               </a:rPr>
               <a:t>文本</a:t>
             </a:r>
+            <a:endParaRPr lang="zh-CN" altLang="en-US" sz="2800" b="1">
+              <a:solidFill>
+                <a:schemeClr val="tx1"/>
+              </a:solidFill>
+              <a:sym typeface="+mn-ea"/>
+            </a:endParaRPr>
           </a:p>
           <a:p>
             <a:pPr algn="l">
@@ -27288,6 +28153,12 @@
               </a:rPr>
               <a:t>裁切</a:t>
             </a:r>
+            <a:endParaRPr lang="zh-CN" altLang="en-US" sz="2800" b="1">
+              <a:solidFill>
+                <a:schemeClr val="tx1"/>
+              </a:solidFill>
+              <a:sym typeface="+mn-ea"/>
+            </a:endParaRPr>
           </a:p>
           <a:p>
             <a:pPr algn="l">
@@ -27324,6 +28195,12 @@
               </a:rPr>
               <a:t>交互</a:t>
             </a:r>
+            <a:endParaRPr lang="zh-CN" altLang="en-US" sz="2800" b="1">
+              <a:solidFill>
+                <a:schemeClr val="accent3"/>
+              </a:solidFill>
+              <a:sym typeface="+mn-ea"/>
+            </a:endParaRPr>
           </a:p>
         </p:txBody>
       </p:sp>
@@ -27335,7 +28212,7 @@
   <p:timing>
     <p:tnLst>
       <p:par>
-        <p:cTn xmlns:p14="http://schemas.microsoft.com/office/powerpoint/2010/main" id="1" dur="indefinite" restart="never" nodeType="tmRoot"/>
+        <p:cTn id="1" dur="indefinite" restart="never" nodeType="tmRoot"/>
       </p:par>
     </p:tnLst>
   </p:timing>
@@ -27414,15 +28291,6 @@
               </a:rPr>
               <a:t>交互检查方法</a:t>
             </a:r>
-            <a:r>
-              <a:rPr lang="zh-CN" altLang="en-US" sz="2800" dirty="0" smtClean="0">
-                <a:solidFill>
-                  <a:srgbClr val="000000"/>
-                </a:solidFill>
-                <a:sym typeface="+mn-ea"/>
-              </a:rPr>
-              <a:t/>
-            </a:r>
             <a:br>
               <a:rPr lang="zh-CN" altLang="en-US" sz="2800" dirty="0" smtClean="0">
                 <a:solidFill>
@@ -27605,11 +28473,6 @@
         </p:txBody>
       </p:sp>
     </p:spTree>
-    <p:extLst>
-      <p:ext uri="{BB962C8B-B14F-4D97-AF65-F5344CB8AC3E}">
-        <p14:creationId xmlns:p14="http://schemas.microsoft.com/office/powerpoint/2010/main" val="1896826937"/>
-      </p:ext>
-    </p:extLst>
   </p:cSld>
   <p:clrMapOvr>
     <a:masterClrMapping/>
@@ -27617,7 +28480,7 @@
   <p:timing>
     <p:tnLst>
       <p:par>
-        <p:cTn xmlns:p14="http://schemas.microsoft.com/office/powerpoint/2010/main" id="1" dur="indefinite" restart="never" nodeType="tmRoot"/>
+        <p:cTn id="1" dur="indefinite" restart="never" nodeType="tmRoot"/>
       </p:par>
     </p:tnLst>
   </p:timing>
@@ -27650,7 +28513,7 @@
           <p:nvPr/>
         </p:nvPicPr>
         <p:blipFill>
-          <a:blip r:embed="rId2" cstate="print">
+          <a:blip r:embed="rId1" cstate="print">
             <a:extLst>
               <a:ext uri="{28A0092B-C50C-407E-A947-70E740481C1C}">
                 <a14:useLocalDpi xmlns:a14="http://schemas.microsoft.com/office/drawing/2010/main" val="0"/>
@@ -27674,25 +28537,6 @@
           <a:ln>
             <a:noFill/>
           </a:ln>
-          <a:extLst>
-            <a:ext uri="{909E8E84-426E-40dd-AFC4-6F175D3DCCD1}">
-              <a14:hiddenFill xmlns:a14="http://schemas.microsoft.com/office/drawing/2010/main">
-                <a:solidFill>
-                  <a:srgbClr val="FFFFFF"/>
-                </a:solidFill>
-              </a14:hiddenFill>
-            </a:ext>
-            <a:ext uri="{91240B29-F687-4f45-9708-019B960494DF}">
-              <a14:hiddenLine xmlns:a14="http://schemas.microsoft.com/office/drawing/2010/main" w="9525">
-                <a:solidFill>
-                  <a:srgbClr val="000000"/>
-                </a:solidFill>
-                <a:miter lim="800000"/>
-                <a:headEnd/>
-                <a:tailEnd/>
-              </a14:hiddenLine>
-            </a:ext>
-          </a:extLst>
         </p:spPr>
       </p:pic>
       <p:sp>
@@ -27714,25 +28558,6 @@
             <a:avLst/>
           </a:prstGeom>
           <a:noFill/>
-          <a:extLst>
-            <a:ext uri="{909E8E84-426E-40dd-AFC4-6F175D3DCCD1}">
-              <a14:hiddenFill xmlns:a14="http://schemas.microsoft.com/office/drawing/2010/main">
-                <a:solidFill>
-                  <a:srgbClr val="FFFFFF"/>
-                </a:solidFill>
-              </a14:hiddenFill>
-            </a:ext>
-            <a:ext uri="{91240B29-F687-4f45-9708-019B960494DF}">
-              <a14:hiddenLine xmlns:a14="http://schemas.microsoft.com/office/drawing/2010/main" w="9525">
-                <a:solidFill>
-                  <a:srgbClr val="000000"/>
-                </a:solidFill>
-                <a:miter lim="800000"/>
-                <a:headEnd/>
-                <a:tailEnd/>
-              </a14:hiddenLine>
-            </a:ext>
-          </a:extLst>
         </p:spPr>
         <p:txBody>
           <a:bodyPr anchor="b"/>
@@ -27768,7 +28593,7 @@
           <p:nvPr/>
         </p:nvPicPr>
         <p:blipFill>
-          <a:blip r:embed="rId3" cstate="print">
+          <a:blip r:embed="rId2" cstate="print">
             <a:extLst>
               <a:ext uri="{28A0092B-C50C-407E-A947-70E740481C1C}">
                 <a14:useLocalDpi xmlns:a14="http://schemas.microsoft.com/office/drawing/2010/main" val="0"/>
@@ -27792,25 +28617,6 @@
           <a:ln>
             <a:noFill/>
           </a:ln>
-          <a:extLst>
-            <a:ext uri="{909E8E84-426E-40dd-AFC4-6F175D3DCCD1}">
-              <a14:hiddenFill xmlns:a14="http://schemas.microsoft.com/office/drawing/2010/main">
-                <a:solidFill>
-                  <a:srgbClr val="FFFFFF"/>
-                </a:solidFill>
-              </a14:hiddenFill>
-            </a:ext>
-            <a:ext uri="{91240B29-F687-4f45-9708-019B960494DF}">
-              <a14:hiddenLine xmlns:a14="http://schemas.microsoft.com/office/drawing/2010/main" w="9525">
-                <a:solidFill>
-                  <a:srgbClr val="000000"/>
-                </a:solidFill>
-                <a:miter lim="800000"/>
-                <a:headEnd/>
-                <a:tailEnd/>
-              </a14:hiddenLine>
-            </a:ext>
-          </a:extLst>
         </p:spPr>
       </p:pic>
     </p:spTree>
@@ -27821,7 +28627,7 @@
   <p:timing>
     <p:tnLst>
       <p:par>
-        <p:cTn xmlns:p14="http://schemas.microsoft.com/office/powerpoint/2010/main" id="1" dur="indefinite" restart="never" nodeType="tmRoot"/>
+        <p:cTn id="1" dur="indefinite" restart="never" nodeType="tmRoot"/>
       </p:par>
     </p:tnLst>
   </p:timing>
@@ -27954,17 +28760,6 @@
               </a:rPr>
               <a:t>"&gt;&lt;/canvas&gt;</a:t>
             </a:r>
-            <a:r>
-              <a:rPr lang="zh-CN" altLang="en-US" sz="2800" noProof="1">
-                <a:solidFill>
-                  <a:schemeClr val="tx1"/>
-                </a:solidFill>
-                <a:latin typeface="微软雅黑" panose="020B0503020204020204" pitchFamily="34" charset="-122"/>
-                <a:ea typeface="微软雅黑" panose="020B0503020204020204" pitchFamily="34" charset="-122"/>
-                <a:sym typeface="+mn-ea"/>
-              </a:rPr>
-              <a:t/>
-            </a:r>
             <a:br>
               <a:rPr lang="zh-CN" altLang="en-US" sz="2800" noProof="1">
                 <a:solidFill>
@@ -28081,15 +28876,6 @@
                 <a:sym typeface="+mn-ea"/>
               </a:rPr>
               <a:t>width: 200px; height: 200px;</a:t>
-            </a:r>
-            <a:r>
-              <a:rPr sz="2000" noProof="1">
-                <a:solidFill>
-                  <a:schemeClr val="tx1"/>
-                </a:solidFill>
-                <a:sym typeface="+mn-ea"/>
-              </a:rPr>
-              <a:t/>
             </a:r>
             <a:br>
               <a:rPr sz="2000" noProof="1">
@@ -28231,15 +29017,6 @@
               </a:rPr>
               <a:t>"&gt;&lt;/canvas&gt;</a:t>
             </a:r>
-            <a:r>
-              <a:rPr lang="zh-CN" altLang="en-US" sz="2800">
-                <a:solidFill>
-                  <a:schemeClr val="tx1"/>
-                </a:solidFill>
-                <a:sym typeface="+mn-ea"/>
-              </a:rPr>
-              <a:t/>
-            </a:r>
             <a:br>
               <a:rPr lang="zh-CN" altLang="en-US" sz="2800">
                 <a:solidFill>
@@ -28293,6 +29070,12 @@
               </a:rPr>
               <a:t>&gt;&lt;/canvas&gt;</a:t>
             </a:r>
+            <a:endParaRPr lang="en-US" altLang="zh-CN" sz="2000" dirty="0" smtClean="0">
+              <a:solidFill>
+                <a:schemeClr val="tx1"/>
+              </a:solidFill>
+              <a:sym typeface="+mn-ea"/>
+            </a:endParaRPr>
           </a:p>
           <a:p>
             <a:pPr>
@@ -28387,6 +29170,13 @@
               </a:rPr>
               <a:t>LS02_01.html</a:t>
             </a:r>
+            <a:endParaRPr lang="en-US" altLang="zh-CN" sz="2200">
+              <a:solidFill>
+                <a:srgbClr val="FF0000"/>
+              </a:solidFill>
+              <a:latin typeface="+mn-ea"/>
+              <a:ea typeface="+mn-ea"/>
+            </a:endParaRPr>
           </a:p>
         </p:txBody>
       </p:sp>
@@ -28418,6 +29208,7 @@
               <a:rPr kumimoji="0" lang="zh-CN" altLang="en-US" dirty="0"/>
               <a:t>的尺寸大小（元素大小、绘画表面大小）</a:t>
             </a:r>
+            <a:endParaRPr kumimoji="0" lang="zh-CN" altLang="en-US" dirty="0"/>
           </a:p>
         </p:txBody>
       </p:sp>
@@ -28429,7 +29220,7 @@
   <p:timing>
     <p:tnLst>
       <p:par>
-        <p:cTn xmlns:p14="http://schemas.microsoft.com/office/powerpoint/2010/main" id="1" dur="indefinite" restart="never" nodeType="tmRoot">
+        <p:cTn id="1" dur="indefinite" restart="never" nodeType="tmRoot">
           <p:childTnLst>
             <p:seq concurrent="1" nextAc="seek">
               <p:cTn id="2" dur="indefinite" nodeType="mainSeq">
@@ -29073,6 +29864,7 @@
               <a:rPr lang="zh-CN" dirty="0" smtClean="0"/>
               <a:t>内容刚要</a:t>
             </a:r>
+            <a:endParaRPr lang="zh-CN" dirty="0" smtClean="0"/>
           </a:p>
         </p:txBody>
       </p:sp>
@@ -29102,15 +29894,6 @@
             <a:prstDash val="sysDot"/>
             <a:round/>
           </a:ln>
-          <a:extLst>
-            <a:ext uri="{909E8E84-426E-40dd-AFC4-6F175D3DCCD1}">
-              <a14:hiddenFill xmlns:a14="http://schemas.microsoft.com/office/drawing/2010/main">
-                <a:solidFill>
-                  <a:srgbClr val="FFFFFF"/>
-                </a:solidFill>
-              </a14:hiddenFill>
-            </a:ext>
-          </a:extLst>
         </p:spPr>
         <p:txBody>
           <a:bodyPr wrap="none" anchor="ctr"/>
@@ -29291,6 +30074,11 @@
               </a:rPr>
               <a:t>尺寸问题</a:t>
             </a:r>
+            <a:endParaRPr lang="zh-CN" altLang="en-US" sz="2800" b="1">
+              <a:solidFill>
+                <a:schemeClr val="tx1"/>
+              </a:solidFill>
+            </a:endParaRPr>
           </a:p>
           <a:p>
             <a:pPr algn="l">
@@ -29341,7 +30129,7 @@
   <p:timing>
     <p:tnLst>
       <p:par>
-        <p:cTn xmlns:p14="http://schemas.microsoft.com/office/powerpoint/2010/main" id="1" dur="indefinite" restart="never" nodeType="tmRoot"/>
+        <p:cTn id="1" dur="indefinite" restart="never" nodeType="tmRoot"/>
       </p:par>
     </p:tnLst>
   </p:timing>
@@ -29547,6 +30335,14 @@
               </a:rPr>
               <a:t>）</a:t>
             </a:r>
+            <a:endParaRPr lang="zh-CN" altLang="en-US" sz="2800" noProof="1">
+              <a:solidFill>
+                <a:schemeClr val="tx1"/>
+              </a:solidFill>
+              <a:latin typeface="微软雅黑" panose="020B0503020204020204" pitchFamily="34" charset="-122"/>
+              <a:ea typeface="微软雅黑" panose="020B0503020204020204" pitchFamily="34" charset="-122"/>
+              <a:sym typeface="+mn-ea"/>
+            </a:endParaRPr>
           </a:p>
           <a:p>
             <a:pPr>
@@ -29647,15 +30443,6 @@
               </a:rPr>
               <a:t>（描边样式、填充样式、全局透明度、线宽、线连接方式等）</a:t>
             </a:r>
-            <a:r>
-              <a:rPr lang="en-US" altLang="zh-CN" sz="2000" dirty="0">
-                <a:solidFill>
-                  <a:schemeClr val="tx1"/>
-                </a:solidFill>
-                <a:sym typeface="+mn-ea"/>
-              </a:rPr>
-              <a:t/>
-            </a:r>
             <a:br>
               <a:rPr lang="en-US" altLang="zh-CN" sz="2000" dirty="0">
                 <a:solidFill>
@@ -29681,15 +30468,6 @@
                 <a:sym typeface="+mn-ea"/>
               </a:rPr>
               <a:t>（平移、旋转、缩放）</a:t>
-            </a:r>
-            <a:r>
-              <a:rPr lang="en-US" altLang="zh-CN" sz="2000" dirty="0">
-                <a:solidFill>
-                  <a:schemeClr val="tx1"/>
-                </a:solidFill>
-                <a:sym typeface="+mn-ea"/>
-              </a:rPr>
-              <a:t/>
             </a:r>
             <a:br>
               <a:rPr lang="en-US" altLang="zh-CN" sz="2000" dirty="0">
@@ -29820,17 +30598,6 @@
                 <a:sym typeface="+mn-ea"/>
               </a:rPr>
               <a:t>）为CanvasRenderingContext2D</a:t>
-            </a:r>
-            <a:r>
-              <a:rPr lang="zh-CN" altLang="en-US" sz="3200" noProof="1">
-                <a:solidFill>
-                  <a:schemeClr val="tx1"/>
-                </a:solidFill>
-                <a:latin typeface="微软雅黑" panose="020B0503020204020204" pitchFamily="34" charset="-122"/>
-                <a:ea typeface="微软雅黑" panose="020B0503020204020204" pitchFamily="34" charset="-122"/>
-                <a:sym typeface="+mn-ea"/>
-              </a:rPr>
-              <a:t/>
             </a:r>
             <a:br>
               <a:rPr lang="zh-CN" altLang="en-US" sz="3200" noProof="1">
@@ -29989,6 +30756,7 @@
               <a:rPr kumimoji="0" lang="zh-CN" altLang="en-US" dirty="0"/>
               <a:t>）</a:t>
             </a:r>
+            <a:endParaRPr kumimoji="0" lang="zh-CN" altLang="en-US" dirty="0"/>
           </a:p>
         </p:txBody>
       </p:sp>
@@ -30000,7 +30768,7 @@
   <p:timing>
     <p:tnLst>
       <p:par>
-        <p:cTn xmlns:p14="http://schemas.microsoft.com/office/powerpoint/2010/main" id="1" dur="indefinite" restart="never" nodeType="tmRoot">
+        <p:cTn id="1" dur="indefinite" restart="never" nodeType="tmRoot">
           <p:childTnLst>
             <p:seq concurrent="1" nextAc="seek">
               <p:cTn id="2" dur="indefinite" nodeType="mainSeq">
@@ -30616,15 +31384,6 @@
               </a:rPr>
               <a:t>save之后，可调用平移、放缩、旋转、裁剪等操作</a:t>
             </a:r>
-            <a:r>
-              <a:rPr lang="zh-CN" altLang="en-US" sz="2800">
-                <a:solidFill>
-                  <a:schemeClr val="tx1"/>
-                </a:solidFill>
-                <a:sym typeface="+mn-ea"/>
-              </a:rPr>
-              <a:t/>
-            </a:r>
             <a:br>
               <a:rPr lang="zh-CN" altLang="en-US" sz="2800">
                 <a:solidFill>
@@ -30678,6 +31437,12 @@
               </a:rPr>
               <a:t>防止save后对Canvas执行的操作对后续的绘制有影响</a:t>
             </a:r>
+            <a:endParaRPr lang="en-US" altLang="zh-CN" sz="2000">
+              <a:solidFill>
+                <a:schemeClr val="tx1"/>
+              </a:solidFill>
+              <a:sym typeface="+mn-ea"/>
+            </a:endParaRPr>
           </a:p>
           <a:p>
             <a:pPr>
@@ -30933,6 +31698,7 @@
               <a:rPr kumimoji="0" lang="zh-CN" altLang="en-US" dirty="0"/>
               <a:t>图形上下文的状态存储</a:t>
             </a:r>
+            <a:endParaRPr kumimoji="0" lang="zh-CN" altLang="en-US" dirty="0"/>
           </a:p>
         </p:txBody>
       </p:sp>
@@ -30944,7 +31710,7 @@
   <p:timing>
     <p:tnLst>
       <p:par>
-        <p:cTn xmlns:p14="http://schemas.microsoft.com/office/powerpoint/2010/main" id="1" dur="indefinite" restart="never" nodeType="tmRoot">
+        <p:cTn id="1" dur="indefinite" restart="never" nodeType="tmRoot">
           <p:childTnLst>
             <p:seq concurrent="1" nextAc="seek">
               <p:cTn id="2" dur="indefinite" nodeType="mainSeq">
@@ -31291,7 +32057,7 @@
           <p:nvPr/>
         </p:nvPicPr>
         <p:blipFill>
-          <a:blip r:embed="rId3" cstate="print">
+          <a:blip r:embed="rId1" cstate="print">
             <a:extLst>
               <a:ext uri="{28A0092B-C50C-407E-A947-70E740481C1C}">
                 <a14:useLocalDpi xmlns:a14="http://schemas.microsoft.com/office/drawing/2010/main" val="0"/>
@@ -31315,25 +32081,6 @@
           <a:ln>
             <a:noFill/>
           </a:ln>
-          <a:extLst>
-            <a:ext uri="{909E8E84-426E-40dd-AFC4-6F175D3DCCD1}">
-              <a14:hiddenFill xmlns:a14="http://schemas.microsoft.com/office/drawing/2010/main">
-                <a:solidFill>
-                  <a:srgbClr val="FFFFFF"/>
-                </a:solidFill>
-              </a14:hiddenFill>
-            </a:ext>
-            <a:ext uri="{91240B29-F687-4f45-9708-019B960494DF}">
-              <a14:hiddenLine xmlns:a14="http://schemas.microsoft.com/office/drawing/2010/main" w="9525">
-                <a:solidFill>
-                  <a:srgbClr val="000000"/>
-                </a:solidFill>
-                <a:miter lim="800000"/>
-                <a:headEnd/>
-                <a:tailEnd/>
-              </a14:hiddenLine>
-            </a:ext>
-          </a:extLst>
         </p:spPr>
       </p:pic>
       <p:sp>
@@ -31355,25 +32102,6 @@
             <a:avLst/>
           </a:prstGeom>
           <a:noFill/>
-          <a:extLst>
-            <a:ext uri="{909E8E84-426E-40dd-AFC4-6F175D3DCCD1}">
-              <a14:hiddenFill xmlns:a14="http://schemas.microsoft.com/office/drawing/2010/main">
-                <a:solidFill>
-                  <a:srgbClr val="FFFFFF"/>
-                </a:solidFill>
-              </a14:hiddenFill>
-            </a:ext>
-            <a:ext uri="{91240B29-F687-4f45-9708-019B960494DF}">
-              <a14:hiddenLine xmlns:a14="http://schemas.microsoft.com/office/drawing/2010/main" w="9525">
-                <a:solidFill>
-                  <a:srgbClr val="000000"/>
-                </a:solidFill>
-                <a:miter lim="800000"/>
-                <a:headEnd/>
-                <a:tailEnd/>
-              </a14:hiddenLine>
-            </a:ext>
-          </a:extLst>
         </p:spPr>
         <p:txBody>
           <a:bodyPr anchor="b"/>
@@ -31388,6 +32116,7 @@
               <a:rPr lang="zh-CN" altLang="en-US" sz="4800" b="1" dirty="0"/>
               <a:t>动画与游戏开发</a:t>
             </a:r>
+            <a:endParaRPr lang="zh-CN" altLang="en-US" sz="4800" b="1" dirty="0"/>
           </a:p>
         </p:txBody>
       </p:sp>
@@ -31445,6 +32174,11 @@
               </a:rPr>
               <a:t>基础绘图</a:t>
             </a:r>
+            <a:endParaRPr lang="zh-CN" altLang="en-US" dirty="0">
+              <a:latin typeface="+mj-ea"/>
+              <a:ea typeface="+mj-ea"/>
+              <a:sym typeface="+mn-ea"/>
+            </a:endParaRPr>
           </a:p>
         </p:txBody>
       </p:sp>
@@ -31457,7 +32191,7 @@
           <p:nvPr/>
         </p:nvPicPr>
         <p:blipFill>
-          <a:blip r:embed="rId4" cstate="print">
+          <a:blip r:embed="rId2" cstate="print">
             <a:extLst>
               <a:ext uri="{28A0092B-C50C-407E-A947-70E740481C1C}">
                 <a14:useLocalDpi xmlns:a14="http://schemas.microsoft.com/office/drawing/2010/main" val="0"/>
@@ -31481,25 +32215,6 @@
           <a:ln>
             <a:noFill/>
           </a:ln>
-          <a:extLst>
-            <a:ext uri="{909E8E84-426E-40dd-AFC4-6F175D3DCCD1}">
-              <a14:hiddenFill xmlns:a14="http://schemas.microsoft.com/office/drawing/2010/main">
-                <a:solidFill>
-                  <a:srgbClr val="FFFFFF"/>
-                </a:solidFill>
-              </a14:hiddenFill>
-            </a:ext>
-            <a:ext uri="{91240B29-F687-4f45-9708-019B960494DF}">
-              <a14:hiddenLine xmlns:a14="http://schemas.microsoft.com/office/drawing/2010/main" w="9525">
-                <a:solidFill>
-                  <a:srgbClr val="000000"/>
-                </a:solidFill>
-                <a:miter lim="800000"/>
-                <a:headEnd/>
-                <a:tailEnd/>
-              </a14:hiddenLine>
-            </a:ext>
-          </a:extLst>
         </p:spPr>
       </p:pic>
     </p:spTree>
@@ -31507,11 +32222,11 @@
   <p:clrMapOvr>
     <a:masterClrMapping/>
   </p:clrMapOvr>
-  <p:transition xmlns:p14="http://schemas.microsoft.com/office/powerpoint/2010/main" advClick="0"/>
+  <p:transition advClick="0"/>
   <p:timing>
     <p:tnLst>
       <p:par>
-        <p:cTn xmlns:p14="http://schemas.microsoft.com/office/powerpoint/2010/main" id="1" dur="indefinite" restart="never" nodeType="tmRoot"/>
+        <p:cTn id="1" dur="indefinite" restart="never" nodeType="tmRoot"/>
       </p:par>
     </p:tnLst>
   </p:timing>
@@ -31852,10 +32567,9 @@
       </a:lstStyle>
     </a:lnDef>
   </a:objectDefaults>
-  <a:extraClrSchemeLst/>
   <a:extLst>
     <a:ext uri="{05A4C25C-085E-4340-85A3-A5531E510DB2}">
-      <thm15:themeFamily xmlns="" xmlns:thm15="http://schemas.microsoft.com/office/thememl/2012/main" name="Office Theme" id="{62F939B6-93AF-4DB8-9C6B-D6C7DFDC589F}" vid="{4A3C46E8-61CC-4603-A589-7422A47A8E4A}"/>
+      <thm15:themeFamily xmlns:thm15="http://schemas.microsoft.com/office/thememl/2012/main" name="Office Theme" id="{62F939B6-93AF-4DB8-9C6B-D6C7DFDC589F}" vid="{4A3C46E8-61CC-4603-A589-7422A47A8E4A}"/>
     </a:ext>
   </a:extLst>
 </a:theme>
@@ -32139,11 +32853,9 @@
       </a:bgFillStyleLst>
     </a:fmtScheme>
   </a:themeElements>
-  <a:objectDefaults/>
-  <a:extraClrSchemeLst/>
   <a:extLst>
     <a:ext uri="{05A4C25C-085E-4340-85A3-A5531E510DB2}">
-      <thm15:themeFamily xmlns="" xmlns:thm15="http://schemas.microsoft.com/office/thememl/2012/main" name="Office Theme" id="{62F939B6-93AF-4DB8-9C6B-D6C7DFDC589F}" vid="{4A3C46E8-61CC-4603-A589-7422A47A8E4A}"/>
+      <thm15:themeFamily xmlns:thm15="http://schemas.microsoft.com/office/thememl/2012/main" name="Office Theme" id="{62F939B6-93AF-4DB8-9C6B-D6C7DFDC589F}" vid="{4A3C46E8-61CC-4603-A589-7422A47A8E4A}"/>
     </a:ext>
   </a:extLst>
 </a:theme>
